--- a/Presentation_Draft.pptx
+++ b/Presentation_Draft.pptx
@@ -5,49 +5,61 @@
     <p:sldMasterId id="2147483658" r:id="rId1"/>
   </p:sldMasterIdLst>
   <p:notesMasterIdLst>
-    <p:notesMasterId r:id="rId11"/>
+    <p:notesMasterId r:id="rId23"/>
   </p:notesMasterIdLst>
   <p:sldIdLst>
     <p:sldId id="256" r:id="rId2"/>
     <p:sldId id="258" r:id="rId3"/>
     <p:sldId id="259" r:id="rId4"/>
     <p:sldId id="285" r:id="rId5"/>
-    <p:sldId id="284" r:id="rId6"/>
-    <p:sldId id="277" r:id="rId7"/>
-    <p:sldId id="268" r:id="rId8"/>
-    <p:sldId id="266" r:id="rId9"/>
-    <p:sldId id="278" r:id="rId10"/>
+    <p:sldId id="286" r:id="rId6"/>
+    <p:sldId id="287" r:id="rId7"/>
+    <p:sldId id="288" r:id="rId8"/>
+    <p:sldId id="289" r:id="rId9"/>
+    <p:sldId id="290" r:id="rId10"/>
+    <p:sldId id="291" r:id="rId11"/>
+    <p:sldId id="292" r:id="rId12"/>
+    <p:sldId id="293" r:id="rId13"/>
+    <p:sldId id="294" r:id="rId14"/>
+    <p:sldId id="295" r:id="rId15"/>
+    <p:sldId id="296" r:id="rId16"/>
+    <p:sldId id="297" r:id="rId17"/>
+    <p:sldId id="284" r:id="rId18"/>
+    <p:sldId id="277" r:id="rId19"/>
+    <p:sldId id="268" r:id="rId20"/>
+    <p:sldId id="266" r:id="rId21"/>
+    <p:sldId id="278" r:id="rId22"/>
   </p:sldIdLst>
   <p:sldSz cx="9144000" cy="5143500" type="screen16x9"/>
   <p:notesSz cx="6858000" cy="9144000"/>
   <p:embeddedFontLst>
     <p:embeddedFont>
       <p:font typeface="Calibri" panose="020F0502020204030204" pitchFamily="34" charset="0"/>
-      <p:regular r:id="rId12"/>
-      <p:bold r:id="rId13"/>
-      <p:italic r:id="rId14"/>
-      <p:boldItalic r:id="rId15"/>
-    </p:embeddedFont>
-    <p:embeddedFont>
-      <p:font typeface="Montserrat" panose="020B0604020202020204" charset="0"/>
-      <p:regular r:id="rId16"/>
-      <p:bold r:id="rId17"/>
-      <p:italic r:id="rId18"/>
-      <p:boldItalic r:id="rId19"/>
-    </p:embeddedFont>
-    <p:embeddedFont>
-      <p:font typeface="Montserrat Light" panose="020B0604020202020204" charset="0"/>
-      <p:regular r:id="rId20"/>
-      <p:bold r:id="rId21"/>
-      <p:italic r:id="rId22"/>
-      <p:boldItalic r:id="rId23"/>
-    </p:embeddedFont>
-    <p:embeddedFont>
-      <p:font typeface="Poppins" panose="020B0604020202020204" charset="0"/>
       <p:regular r:id="rId24"/>
       <p:bold r:id="rId25"/>
       <p:italic r:id="rId26"/>
       <p:boldItalic r:id="rId27"/>
+    </p:embeddedFont>
+    <p:embeddedFont>
+      <p:font typeface="Montserrat" panose="020B0604020202020204" charset="0"/>
+      <p:regular r:id="rId28"/>
+      <p:bold r:id="rId29"/>
+      <p:italic r:id="rId30"/>
+      <p:boldItalic r:id="rId31"/>
+    </p:embeddedFont>
+    <p:embeddedFont>
+      <p:font typeface="Montserrat Light" panose="020B0604020202020204" charset="0"/>
+      <p:regular r:id="rId32"/>
+      <p:bold r:id="rId33"/>
+      <p:italic r:id="rId34"/>
+      <p:boldItalic r:id="rId35"/>
+    </p:embeddedFont>
+    <p:embeddedFont>
+      <p:font typeface="Poppins" panose="020B0604020202020204" charset="0"/>
+      <p:regular r:id="rId36"/>
+      <p:bold r:id="rId37"/>
+      <p:italic r:id="rId38"/>
+      <p:boldItalic r:id="rId39"/>
     </p:embeddedFont>
   </p:embeddedFontLst>
   <p:defaultTextStyle>
@@ -279,6 +291,11 @@
       </a:defRPr>
     </a:lvl9pPr>
   </p:defaultTextStyle>
+  <p:extLst>
+    <p:ext uri="{EFAFB233-063F-42B5-8137-9DF3F51BA10A}">
+      <p15:sldGuideLst xmlns:p15="http://schemas.microsoft.com/office/powerpoint/2012/main"/>
+    </p:ext>
+  </p:extLst>
 </p:presentation>
 </file>
 
@@ -827,6 +844,1086 @@
 </p:notes>
 </file>
 
+<file path=ppt/notesSlides/notesSlide10.xml><?xml version="1.0" encoding="utf-8"?>
+<p:notes xmlns:a="http://schemas.openxmlformats.org/drawingml/2006/main" xmlns:r="http://schemas.openxmlformats.org/officeDocument/2006/relationships" xmlns:p="http://schemas.openxmlformats.org/presentationml/2006/main" showMasterSp="0" showMasterPhAnim="0">
+  <p:cSld>
+    <p:spTree>
+      <p:nvGrpSpPr>
+        <p:cNvPr id="1" name="Shape 543"/>
+        <p:cNvGrpSpPr/>
+        <p:nvPr/>
+      </p:nvGrpSpPr>
+      <p:grpSpPr>
+        <a:xfrm>
+          <a:off x="0" y="0"/>
+          <a:ext cx="0" cy="0"/>
+          <a:chOff x="0" y="0"/>
+          <a:chExt cx="0" cy="0"/>
+        </a:xfrm>
+      </p:grpSpPr>
+      <p:sp>
+        <p:nvSpPr>
+          <p:cNvPr id="544" name="Google Shape;544;g35ed75ccf_0113:notes"/>
+          <p:cNvSpPr>
+            <a:spLocks noGrp="1" noRot="1" noChangeAspect="1"/>
+          </p:cNvSpPr>
+          <p:nvPr>
+            <p:ph type="sldImg" idx="2"/>
+          </p:nvPr>
+        </p:nvSpPr>
+        <p:spPr>
+          <a:xfrm>
+            <a:off x="381000" y="685800"/>
+            <a:ext cx="6096000" cy="3429000"/>
+          </a:xfrm>
+          <a:custGeom>
+            <a:avLst/>
+            <a:gdLst/>
+            <a:ahLst/>
+            <a:cxnLst/>
+            <a:rect l="l" t="t" r="r" b="b"/>
+            <a:pathLst>
+              <a:path w="120000" h="120000" extrusionOk="0">
+                <a:moveTo>
+                  <a:pt x="0" y="0"/>
+                </a:moveTo>
+                <a:lnTo>
+                  <a:pt x="120000" y="0"/>
+                </a:lnTo>
+                <a:lnTo>
+                  <a:pt x="120000" y="120000"/>
+                </a:lnTo>
+                <a:lnTo>
+                  <a:pt x="0" y="120000"/>
+                </a:lnTo>
+                <a:close/>
+              </a:path>
+            </a:pathLst>
+          </a:custGeom>
+        </p:spPr>
+      </p:sp>
+      <p:sp>
+        <p:nvSpPr>
+          <p:cNvPr id="545" name="Google Shape;545;g35ed75ccf_0113:notes"/>
+          <p:cNvSpPr txBox="1">
+            <a:spLocks noGrp="1"/>
+          </p:cNvSpPr>
+          <p:nvPr>
+            <p:ph type="body" idx="1"/>
+          </p:nvPr>
+        </p:nvSpPr>
+        <p:spPr>
+          <a:xfrm>
+            <a:off x="685800" y="4343400"/>
+            <a:ext cx="5486400" cy="4114800"/>
+          </a:xfrm>
+          <a:prstGeom prst="rect">
+            <a:avLst/>
+          </a:prstGeom>
+        </p:spPr>
+        <p:txBody>
+          <a:bodyPr spcFirstLastPara="1" wrap="square" lIns="91425" tIns="91425" rIns="91425" bIns="91425" anchor="t" anchorCtr="0">
+            <a:noAutofit/>
+          </a:bodyPr>
+          <a:lstStyle/>
+          <a:p>
+            <a:pPr marL="0" lvl="0" indent="0" algn="l" rtl="0">
+              <a:spcBef>
+                <a:spcPts val="0"/>
+              </a:spcBef>
+              <a:spcAft>
+                <a:spcPts val="0"/>
+              </a:spcAft>
+              <a:buNone/>
+            </a:pPr>
+            <a:endParaRPr/>
+          </a:p>
+        </p:txBody>
+      </p:sp>
+    </p:spTree>
+    <p:extLst>
+      <p:ext uri="{BB962C8B-B14F-4D97-AF65-F5344CB8AC3E}">
+        <p14:creationId xmlns:p14="http://schemas.microsoft.com/office/powerpoint/2010/main" val="1052278858"/>
+      </p:ext>
+    </p:extLst>
+  </p:cSld>
+  <p:clrMapOvr>
+    <a:masterClrMapping/>
+  </p:clrMapOvr>
+</p:notes>
+</file>
+
+<file path=ppt/notesSlides/notesSlide11.xml><?xml version="1.0" encoding="utf-8"?>
+<p:notes xmlns:a="http://schemas.openxmlformats.org/drawingml/2006/main" xmlns:r="http://schemas.openxmlformats.org/officeDocument/2006/relationships" xmlns:p="http://schemas.openxmlformats.org/presentationml/2006/main" showMasterSp="0" showMasterPhAnim="0">
+  <p:cSld>
+    <p:spTree>
+      <p:nvGrpSpPr>
+        <p:cNvPr id="1" name="Shape 329"/>
+        <p:cNvGrpSpPr/>
+        <p:nvPr/>
+      </p:nvGrpSpPr>
+      <p:grpSpPr>
+        <a:xfrm>
+          <a:off x="0" y="0"/>
+          <a:ext cx="0" cy="0"/>
+          <a:chOff x="0" y="0"/>
+          <a:chExt cx="0" cy="0"/>
+        </a:xfrm>
+      </p:grpSpPr>
+      <p:sp>
+        <p:nvSpPr>
+          <p:cNvPr id="330" name="Google Shape;330;g35f391192_029:notes"/>
+          <p:cNvSpPr>
+            <a:spLocks noGrp="1" noRot="1" noChangeAspect="1"/>
+          </p:cNvSpPr>
+          <p:nvPr>
+            <p:ph type="sldImg" idx="2"/>
+          </p:nvPr>
+        </p:nvSpPr>
+        <p:spPr>
+          <a:xfrm>
+            <a:off x="381000" y="685800"/>
+            <a:ext cx="6096000" cy="3429000"/>
+          </a:xfrm>
+          <a:custGeom>
+            <a:avLst/>
+            <a:gdLst/>
+            <a:ahLst/>
+            <a:cxnLst/>
+            <a:rect l="l" t="t" r="r" b="b"/>
+            <a:pathLst>
+              <a:path w="120000" h="120000" extrusionOk="0">
+                <a:moveTo>
+                  <a:pt x="0" y="0"/>
+                </a:moveTo>
+                <a:lnTo>
+                  <a:pt x="120000" y="0"/>
+                </a:lnTo>
+                <a:lnTo>
+                  <a:pt x="120000" y="120000"/>
+                </a:lnTo>
+                <a:lnTo>
+                  <a:pt x="0" y="120000"/>
+                </a:lnTo>
+                <a:close/>
+              </a:path>
+            </a:pathLst>
+          </a:custGeom>
+        </p:spPr>
+      </p:sp>
+      <p:sp>
+        <p:nvSpPr>
+          <p:cNvPr id="331" name="Google Shape;331;g35f391192_029:notes"/>
+          <p:cNvSpPr txBox="1">
+            <a:spLocks noGrp="1"/>
+          </p:cNvSpPr>
+          <p:nvPr>
+            <p:ph type="body" idx="1"/>
+          </p:nvPr>
+        </p:nvSpPr>
+        <p:spPr>
+          <a:xfrm>
+            <a:off x="685800" y="4343400"/>
+            <a:ext cx="5486400" cy="4114800"/>
+          </a:xfrm>
+          <a:prstGeom prst="rect">
+            <a:avLst/>
+          </a:prstGeom>
+        </p:spPr>
+        <p:txBody>
+          <a:bodyPr spcFirstLastPara="1" wrap="square" lIns="91425" tIns="91425" rIns="91425" bIns="91425" anchor="t" anchorCtr="0">
+            <a:noAutofit/>
+          </a:bodyPr>
+          <a:lstStyle/>
+          <a:p>
+            <a:pPr marL="0" lvl="0" indent="0" algn="l" rtl="0">
+              <a:spcBef>
+                <a:spcPts val="0"/>
+              </a:spcBef>
+              <a:spcAft>
+                <a:spcPts val="0"/>
+              </a:spcAft>
+              <a:buNone/>
+            </a:pPr>
+            <a:endParaRPr/>
+          </a:p>
+        </p:txBody>
+      </p:sp>
+    </p:spTree>
+    <p:extLst>
+      <p:ext uri="{BB962C8B-B14F-4D97-AF65-F5344CB8AC3E}">
+        <p14:creationId xmlns:p14="http://schemas.microsoft.com/office/powerpoint/2010/main" val="1482632819"/>
+      </p:ext>
+    </p:extLst>
+  </p:cSld>
+  <p:clrMapOvr>
+    <a:masterClrMapping/>
+  </p:clrMapOvr>
+</p:notes>
+</file>
+
+<file path=ppt/notesSlides/notesSlide12.xml><?xml version="1.0" encoding="utf-8"?>
+<p:notes xmlns:a="http://schemas.openxmlformats.org/drawingml/2006/main" xmlns:r="http://schemas.openxmlformats.org/officeDocument/2006/relationships" xmlns:p="http://schemas.openxmlformats.org/presentationml/2006/main" showMasterSp="0" showMasterPhAnim="0">
+  <p:cSld>
+    <p:spTree>
+      <p:nvGrpSpPr>
+        <p:cNvPr id="1" name="Shape 543"/>
+        <p:cNvGrpSpPr/>
+        <p:nvPr/>
+      </p:nvGrpSpPr>
+      <p:grpSpPr>
+        <a:xfrm>
+          <a:off x="0" y="0"/>
+          <a:ext cx="0" cy="0"/>
+          <a:chOff x="0" y="0"/>
+          <a:chExt cx="0" cy="0"/>
+        </a:xfrm>
+      </p:grpSpPr>
+      <p:sp>
+        <p:nvSpPr>
+          <p:cNvPr id="544" name="Google Shape;544;g35ed75ccf_0113:notes"/>
+          <p:cNvSpPr>
+            <a:spLocks noGrp="1" noRot="1" noChangeAspect="1"/>
+          </p:cNvSpPr>
+          <p:nvPr>
+            <p:ph type="sldImg" idx="2"/>
+          </p:nvPr>
+        </p:nvSpPr>
+        <p:spPr>
+          <a:xfrm>
+            <a:off x="381000" y="685800"/>
+            <a:ext cx="6096000" cy="3429000"/>
+          </a:xfrm>
+          <a:custGeom>
+            <a:avLst/>
+            <a:gdLst/>
+            <a:ahLst/>
+            <a:cxnLst/>
+            <a:rect l="l" t="t" r="r" b="b"/>
+            <a:pathLst>
+              <a:path w="120000" h="120000" extrusionOk="0">
+                <a:moveTo>
+                  <a:pt x="0" y="0"/>
+                </a:moveTo>
+                <a:lnTo>
+                  <a:pt x="120000" y="0"/>
+                </a:lnTo>
+                <a:lnTo>
+                  <a:pt x="120000" y="120000"/>
+                </a:lnTo>
+                <a:lnTo>
+                  <a:pt x="0" y="120000"/>
+                </a:lnTo>
+                <a:close/>
+              </a:path>
+            </a:pathLst>
+          </a:custGeom>
+        </p:spPr>
+      </p:sp>
+      <p:sp>
+        <p:nvSpPr>
+          <p:cNvPr id="545" name="Google Shape;545;g35ed75ccf_0113:notes"/>
+          <p:cNvSpPr txBox="1">
+            <a:spLocks noGrp="1"/>
+          </p:cNvSpPr>
+          <p:nvPr>
+            <p:ph type="body" idx="1"/>
+          </p:nvPr>
+        </p:nvSpPr>
+        <p:spPr>
+          <a:xfrm>
+            <a:off x="685800" y="4343400"/>
+            <a:ext cx="5486400" cy="4114800"/>
+          </a:xfrm>
+          <a:prstGeom prst="rect">
+            <a:avLst/>
+          </a:prstGeom>
+        </p:spPr>
+        <p:txBody>
+          <a:bodyPr spcFirstLastPara="1" wrap="square" lIns="91425" tIns="91425" rIns="91425" bIns="91425" anchor="t" anchorCtr="0">
+            <a:noAutofit/>
+          </a:bodyPr>
+          <a:lstStyle/>
+          <a:p>
+            <a:pPr marL="0" lvl="0" indent="0" algn="l" rtl="0">
+              <a:spcBef>
+                <a:spcPts val="0"/>
+              </a:spcBef>
+              <a:spcAft>
+                <a:spcPts val="0"/>
+              </a:spcAft>
+              <a:buNone/>
+            </a:pPr>
+            <a:endParaRPr/>
+          </a:p>
+        </p:txBody>
+      </p:sp>
+    </p:spTree>
+    <p:extLst>
+      <p:ext uri="{BB962C8B-B14F-4D97-AF65-F5344CB8AC3E}">
+        <p14:creationId xmlns:p14="http://schemas.microsoft.com/office/powerpoint/2010/main" val="2942492290"/>
+      </p:ext>
+    </p:extLst>
+  </p:cSld>
+  <p:clrMapOvr>
+    <a:masterClrMapping/>
+  </p:clrMapOvr>
+</p:notes>
+</file>
+
+<file path=ppt/notesSlides/notesSlide13.xml><?xml version="1.0" encoding="utf-8"?>
+<p:notes xmlns:a="http://schemas.openxmlformats.org/drawingml/2006/main" xmlns:r="http://schemas.openxmlformats.org/officeDocument/2006/relationships" xmlns:p="http://schemas.openxmlformats.org/presentationml/2006/main" showMasterSp="0" showMasterPhAnim="0">
+  <p:cSld>
+    <p:spTree>
+      <p:nvGrpSpPr>
+        <p:cNvPr id="1" name="Shape 329"/>
+        <p:cNvGrpSpPr/>
+        <p:nvPr/>
+      </p:nvGrpSpPr>
+      <p:grpSpPr>
+        <a:xfrm>
+          <a:off x="0" y="0"/>
+          <a:ext cx="0" cy="0"/>
+          <a:chOff x="0" y="0"/>
+          <a:chExt cx="0" cy="0"/>
+        </a:xfrm>
+      </p:grpSpPr>
+      <p:sp>
+        <p:nvSpPr>
+          <p:cNvPr id="330" name="Google Shape;330;g35f391192_029:notes"/>
+          <p:cNvSpPr>
+            <a:spLocks noGrp="1" noRot="1" noChangeAspect="1"/>
+          </p:cNvSpPr>
+          <p:nvPr>
+            <p:ph type="sldImg" idx="2"/>
+          </p:nvPr>
+        </p:nvSpPr>
+        <p:spPr>
+          <a:xfrm>
+            <a:off x="381000" y="685800"/>
+            <a:ext cx="6096000" cy="3429000"/>
+          </a:xfrm>
+          <a:custGeom>
+            <a:avLst/>
+            <a:gdLst/>
+            <a:ahLst/>
+            <a:cxnLst/>
+            <a:rect l="l" t="t" r="r" b="b"/>
+            <a:pathLst>
+              <a:path w="120000" h="120000" extrusionOk="0">
+                <a:moveTo>
+                  <a:pt x="0" y="0"/>
+                </a:moveTo>
+                <a:lnTo>
+                  <a:pt x="120000" y="0"/>
+                </a:lnTo>
+                <a:lnTo>
+                  <a:pt x="120000" y="120000"/>
+                </a:lnTo>
+                <a:lnTo>
+                  <a:pt x="0" y="120000"/>
+                </a:lnTo>
+                <a:close/>
+              </a:path>
+            </a:pathLst>
+          </a:custGeom>
+        </p:spPr>
+      </p:sp>
+      <p:sp>
+        <p:nvSpPr>
+          <p:cNvPr id="331" name="Google Shape;331;g35f391192_029:notes"/>
+          <p:cNvSpPr txBox="1">
+            <a:spLocks noGrp="1"/>
+          </p:cNvSpPr>
+          <p:nvPr>
+            <p:ph type="body" idx="1"/>
+          </p:nvPr>
+        </p:nvSpPr>
+        <p:spPr>
+          <a:xfrm>
+            <a:off x="685800" y="4343400"/>
+            <a:ext cx="5486400" cy="4114800"/>
+          </a:xfrm>
+          <a:prstGeom prst="rect">
+            <a:avLst/>
+          </a:prstGeom>
+        </p:spPr>
+        <p:txBody>
+          <a:bodyPr spcFirstLastPara="1" wrap="square" lIns="91425" tIns="91425" rIns="91425" bIns="91425" anchor="t" anchorCtr="0">
+            <a:noAutofit/>
+          </a:bodyPr>
+          <a:lstStyle/>
+          <a:p>
+            <a:pPr marL="0" lvl="0" indent="0" algn="l" rtl="0">
+              <a:spcBef>
+                <a:spcPts val="0"/>
+              </a:spcBef>
+              <a:spcAft>
+                <a:spcPts val="0"/>
+              </a:spcAft>
+              <a:buNone/>
+            </a:pPr>
+            <a:endParaRPr/>
+          </a:p>
+        </p:txBody>
+      </p:sp>
+    </p:spTree>
+    <p:extLst>
+      <p:ext uri="{BB962C8B-B14F-4D97-AF65-F5344CB8AC3E}">
+        <p14:creationId xmlns:p14="http://schemas.microsoft.com/office/powerpoint/2010/main" val="536784808"/>
+      </p:ext>
+    </p:extLst>
+  </p:cSld>
+  <p:clrMapOvr>
+    <a:masterClrMapping/>
+  </p:clrMapOvr>
+</p:notes>
+</file>
+
+<file path=ppt/notesSlides/notesSlide14.xml><?xml version="1.0" encoding="utf-8"?>
+<p:notes xmlns:a="http://schemas.openxmlformats.org/drawingml/2006/main" xmlns:r="http://schemas.openxmlformats.org/officeDocument/2006/relationships" xmlns:p="http://schemas.openxmlformats.org/presentationml/2006/main" showMasterSp="0" showMasterPhAnim="0">
+  <p:cSld>
+    <p:spTree>
+      <p:nvGrpSpPr>
+        <p:cNvPr id="1" name="Shape 543"/>
+        <p:cNvGrpSpPr/>
+        <p:nvPr/>
+      </p:nvGrpSpPr>
+      <p:grpSpPr>
+        <a:xfrm>
+          <a:off x="0" y="0"/>
+          <a:ext cx="0" cy="0"/>
+          <a:chOff x="0" y="0"/>
+          <a:chExt cx="0" cy="0"/>
+        </a:xfrm>
+      </p:grpSpPr>
+      <p:sp>
+        <p:nvSpPr>
+          <p:cNvPr id="544" name="Google Shape;544;g35ed75ccf_0113:notes"/>
+          <p:cNvSpPr>
+            <a:spLocks noGrp="1" noRot="1" noChangeAspect="1"/>
+          </p:cNvSpPr>
+          <p:nvPr>
+            <p:ph type="sldImg" idx="2"/>
+          </p:nvPr>
+        </p:nvSpPr>
+        <p:spPr>
+          <a:xfrm>
+            <a:off x="381000" y="685800"/>
+            <a:ext cx="6096000" cy="3429000"/>
+          </a:xfrm>
+          <a:custGeom>
+            <a:avLst/>
+            <a:gdLst/>
+            <a:ahLst/>
+            <a:cxnLst/>
+            <a:rect l="l" t="t" r="r" b="b"/>
+            <a:pathLst>
+              <a:path w="120000" h="120000" extrusionOk="0">
+                <a:moveTo>
+                  <a:pt x="0" y="0"/>
+                </a:moveTo>
+                <a:lnTo>
+                  <a:pt x="120000" y="0"/>
+                </a:lnTo>
+                <a:lnTo>
+                  <a:pt x="120000" y="120000"/>
+                </a:lnTo>
+                <a:lnTo>
+                  <a:pt x="0" y="120000"/>
+                </a:lnTo>
+                <a:close/>
+              </a:path>
+            </a:pathLst>
+          </a:custGeom>
+        </p:spPr>
+      </p:sp>
+      <p:sp>
+        <p:nvSpPr>
+          <p:cNvPr id="545" name="Google Shape;545;g35ed75ccf_0113:notes"/>
+          <p:cNvSpPr txBox="1">
+            <a:spLocks noGrp="1"/>
+          </p:cNvSpPr>
+          <p:nvPr>
+            <p:ph type="body" idx="1"/>
+          </p:nvPr>
+        </p:nvSpPr>
+        <p:spPr>
+          <a:xfrm>
+            <a:off x="685800" y="4343400"/>
+            <a:ext cx="5486400" cy="4114800"/>
+          </a:xfrm>
+          <a:prstGeom prst="rect">
+            <a:avLst/>
+          </a:prstGeom>
+        </p:spPr>
+        <p:txBody>
+          <a:bodyPr spcFirstLastPara="1" wrap="square" lIns="91425" tIns="91425" rIns="91425" bIns="91425" anchor="t" anchorCtr="0">
+            <a:noAutofit/>
+          </a:bodyPr>
+          <a:lstStyle/>
+          <a:p>
+            <a:pPr marL="0" lvl="0" indent="0" algn="l" rtl="0">
+              <a:spcBef>
+                <a:spcPts val="0"/>
+              </a:spcBef>
+              <a:spcAft>
+                <a:spcPts val="0"/>
+              </a:spcAft>
+              <a:buNone/>
+            </a:pPr>
+            <a:endParaRPr/>
+          </a:p>
+        </p:txBody>
+      </p:sp>
+    </p:spTree>
+    <p:extLst>
+      <p:ext uri="{BB962C8B-B14F-4D97-AF65-F5344CB8AC3E}">
+        <p14:creationId xmlns:p14="http://schemas.microsoft.com/office/powerpoint/2010/main" val="3423292088"/>
+      </p:ext>
+    </p:extLst>
+  </p:cSld>
+  <p:clrMapOvr>
+    <a:masterClrMapping/>
+  </p:clrMapOvr>
+</p:notes>
+</file>
+
+<file path=ppt/notesSlides/notesSlide15.xml><?xml version="1.0" encoding="utf-8"?>
+<p:notes xmlns:a="http://schemas.openxmlformats.org/drawingml/2006/main" xmlns:r="http://schemas.openxmlformats.org/officeDocument/2006/relationships" xmlns:p="http://schemas.openxmlformats.org/presentationml/2006/main" showMasterSp="0" showMasterPhAnim="0">
+  <p:cSld>
+    <p:spTree>
+      <p:nvGrpSpPr>
+        <p:cNvPr id="1" name="Shape 329"/>
+        <p:cNvGrpSpPr/>
+        <p:nvPr/>
+      </p:nvGrpSpPr>
+      <p:grpSpPr>
+        <a:xfrm>
+          <a:off x="0" y="0"/>
+          <a:ext cx="0" cy="0"/>
+          <a:chOff x="0" y="0"/>
+          <a:chExt cx="0" cy="0"/>
+        </a:xfrm>
+      </p:grpSpPr>
+      <p:sp>
+        <p:nvSpPr>
+          <p:cNvPr id="330" name="Google Shape;330;g35f391192_029:notes"/>
+          <p:cNvSpPr>
+            <a:spLocks noGrp="1" noRot="1" noChangeAspect="1"/>
+          </p:cNvSpPr>
+          <p:nvPr>
+            <p:ph type="sldImg" idx="2"/>
+          </p:nvPr>
+        </p:nvSpPr>
+        <p:spPr>
+          <a:xfrm>
+            <a:off x="381000" y="685800"/>
+            <a:ext cx="6096000" cy="3429000"/>
+          </a:xfrm>
+          <a:custGeom>
+            <a:avLst/>
+            <a:gdLst/>
+            <a:ahLst/>
+            <a:cxnLst/>
+            <a:rect l="l" t="t" r="r" b="b"/>
+            <a:pathLst>
+              <a:path w="120000" h="120000" extrusionOk="0">
+                <a:moveTo>
+                  <a:pt x="0" y="0"/>
+                </a:moveTo>
+                <a:lnTo>
+                  <a:pt x="120000" y="0"/>
+                </a:lnTo>
+                <a:lnTo>
+                  <a:pt x="120000" y="120000"/>
+                </a:lnTo>
+                <a:lnTo>
+                  <a:pt x="0" y="120000"/>
+                </a:lnTo>
+                <a:close/>
+              </a:path>
+            </a:pathLst>
+          </a:custGeom>
+        </p:spPr>
+      </p:sp>
+      <p:sp>
+        <p:nvSpPr>
+          <p:cNvPr id="331" name="Google Shape;331;g35f391192_029:notes"/>
+          <p:cNvSpPr txBox="1">
+            <a:spLocks noGrp="1"/>
+          </p:cNvSpPr>
+          <p:nvPr>
+            <p:ph type="body" idx="1"/>
+          </p:nvPr>
+        </p:nvSpPr>
+        <p:spPr>
+          <a:xfrm>
+            <a:off x="685800" y="4343400"/>
+            <a:ext cx="5486400" cy="4114800"/>
+          </a:xfrm>
+          <a:prstGeom prst="rect">
+            <a:avLst/>
+          </a:prstGeom>
+        </p:spPr>
+        <p:txBody>
+          <a:bodyPr spcFirstLastPara="1" wrap="square" lIns="91425" tIns="91425" rIns="91425" bIns="91425" anchor="t" anchorCtr="0">
+            <a:noAutofit/>
+          </a:bodyPr>
+          <a:lstStyle/>
+          <a:p>
+            <a:pPr marL="0" lvl="0" indent="0" algn="l" rtl="0">
+              <a:spcBef>
+                <a:spcPts val="0"/>
+              </a:spcBef>
+              <a:spcAft>
+                <a:spcPts val="0"/>
+              </a:spcAft>
+              <a:buNone/>
+            </a:pPr>
+            <a:endParaRPr/>
+          </a:p>
+        </p:txBody>
+      </p:sp>
+    </p:spTree>
+    <p:extLst>
+      <p:ext uri="{BB962C8B-B14F-4D97-AF65-F5344CB8AC3E}">
+        <p14:creationId xmlns:p14="http://schemas.microsoft.com/office/powerpoint/2010/main" val="507668463"/>
+      </p:ext>
+    </p:extLst>
+  </p:cSld>
+  <p:clrMapOvr>
+    <a:masterClrMapping/>
+  </p:clrMapOvr>
+</p:notes>
+</file>
+
+<file path=ppt/notesSlides/notesSlide16.xml><?xml version="1.0" encoding="utf-8"?>
+<p:notes xmlns:a="http://schemas.openxmlformats.org/drawingml/2006/main" xmlns:r="http://schemas.openxmlformats.org/officeDocument/2006/relationships" xmlns:p="http://schemas.openxmlformats.org/presentationml/2006/main" showMasterSp="0" showMasterPhAnim="0">
+  <p:cSld>
+    <p:spTree>
+      <p:nvGrpSpPr>
+        <p:cNvPr id="1" name="Shape 543"/>
+        <p:cNvGrpSpPr/>
+        <p:nvPr/>
+      </p:nvGrpSpPr>
+      <p:grpSpPr>
+        <a:xfrm>
+          <a:off x="0" y="0"/>
+          <a:ext cx="0" cy="0"/>
+          <a:chOff x="0" y="0"/>
+          <a:chExt cx="0" cy="0"/>
+        </a:xfrm>
+      </p:grpSpPr>
+      <p:sp>
+        <p:nvSpPr>
+          <p:cNvPr id="544" name="Google Shape;544;g35ed75ccf_0113:notes"/>
+          <p:cNvSpPr>
+            <a:spLocks noGrp="1" noRot="1" noChangeAspect="1"/>
+          </p:cNvSpPr>
+          <p:nvPr>
+            <p:ph type="sldImg" idx="2"/>
+          </p:nvPr>
+        </p:nvSpPr>
+        <p:spPr>
+          <a:xfrm>
+            <a:off x="381000" y="685800"/>
+            <a:ext cx="6096000" cy="3429000"/>
+          </a:xfrm>
+          <a:custGeom>
+            <a:avLst/>
+            <a:gdLst/>
+            <a:ahLst/>
+            <a:cxnLst/>
+            <a:rect l="l" t="t" r="r" b="b"/>
+            <a:pathLst>
+              <a:path w="120000" h="120000" extrusionOk="0">
+                <a:moveTo>
+                  <a:pt x="0" y="0"/>
+                </a:moveTo>
+                <a:lnTo>
+                  <a:pt x="120000" y="0"/>
+                </a:lnTo>
+                <a:lnTo>
+                  <a:pt x="120000" y="120000"/>
+                </a:lnTo>
+                <a:lnTo>
+                  <a:pt x="0" y="120000"/>
+                </a:lnTo>
+                <a:close/>
+              </a:path>
+            </a:pathLst>
+          </a:custGeom>
+        </p:spPr>
+      </p:sp>
+      <p:sp>
+        <p:nvSpPr>
+          <p:cNvPr id="545" name="Google Shape;545;g35ed75ccf_0113:notes"/>
+          <p:cNvSpPr txBox="1">
+            <a:spLocks noGrp="1"/>
+          </p:cNvSpPr>
+          <p:nvPr>
+            <p:ph type="body" idx="1"/>
+          </p:nvPr>
+        </p:nvSpPr>
+        <p:spPr>
+          <a:xfrm>
+            <a:off x="685800" y="4343400"/>
+            <a:ext cx="5486400" cy="4114800"/>
+          </a:xfrm>
+          <a:prstGeom prst="rect">
+            <a:avLst/>
+          </a:prstGeom>
+        </p:spPr>
+        <p:txBody>
+          <a:bodyPr spcFirstLastPara="1" wrap="square" lIns="91425" tIns="91425" rIns="91425" bIns="91425" anchor="t" anchorCtr="0">
+            <a:noAutofit/>
+          </a:bodyPr>
+          <a:lstStyle/>
+          <a:p>
+            <a:pPr marL="0" lvl="0" indent="0" algn="l" rtl="0">
+              <a:spcBef>
+                <a:spcPts val="0"/>
+              </a:spcBef>
+              <a:spcAft>
+                <a:spcPts val="0"/>
+              </a:spcAft>
+              <a:buNone/>
+            </a:pPr>
+            <a:endParaRPr/>
+          </a:p>
+        </p:txBody>
+      </p:sp>
+    </p:spTree>
+    <p:extLst>
+      <p:ext uri="{BB962C8B-B14F-4D97-AF65-F5344CB8AC3E}">
+        <p14:creationId xmlns:p14="http://schemas.microsoft.com/office/powerpoint/2010/main" val="2331806821"/>
+      </p:ext>
+    </p:extLst>
+  </p:cSld>
+  <p:clrMapOvr>
+    <a:masterClrMapping/>
+  </p:clrMapOvr>
+</p:notes>
+</file>
+
+<file path=ppt/notesSlides/notesSlide17.xml><?xml version="1.0" encoding="utf-8"?>
+<p:notes xmlns:a="http://schemas.openxmlformats.org/drawingml/2006/main" xmlns:r="http://schemas.openxmlformats.org/officeDocument/2006/relationships" xmlns:p="http://schemas.openxmlformats.org/presentationml/2006/main" showMasterSp="0" showMasterPhAnim="0">
+  <p:cSld>
+    <p:spTree>
+      <p:nvGrpSpPr>
+        <p:cNvPr id="1" name="Shape 329"/>
+        <p:cNvGrpSpPr/>
+        <p:nvPr/>
+      </p:nvGrpSpPr>
+      <p:grpSpPr>
+        <a:xfrm>
+          <a:off x="0" y="0"/>
+          <a:ext cx="0" cy="0"/>
+          <a:chOff x="0" y="0"/>
+          <a:chExt cx="0" cy="0"/>
+        </a:xfrm>
+      </p:grpSpPr>
+      <p:sp>
+        <p:nvSpPr>
+          <p:cNvPr id="330" name="Google Shape;330;g35f391192_029:notes"/>
+          <p:cNvSpPr>
+            <a:spLocks noGrp="1" noRot="1" noChangeAspect="1"/>
+          </p:cNvSpPr>
+          <p:nvPr>
+            <p:ph type="sldImg" idx="2"/>
+          </p:nvPr>
+        </p:nvSpPr>
+        <p:spPr>
+          <a:xfrm>
+            <a:off x="381000" y="685800"/>
+            <a:ext cx="6096000" cy="3429000"/>
+          </a:xfrm>
+          <a:custGeom>
+            <a:avLst/>
+            <a:gdLst/>
+            <a:ahLst/>
+            <a:cxnLst/>
+            <a:rect l="l" t="t" r="r" b="b"/>
+            <a:pathLst>
+              <a:path w="120000" h="120000" extrusionOk="0">
+                <a:moveTo>
+                  <a:pt x="0" y="0"/>
+                </a:moveTo>
+                <a:lnTo>
+                  <a:pt x="120000" y="0"/>
+                </a:lnTo>
+                <a:lnTo>
+                  <a:pt x="120000" y="120000"/>
+                </a:lnTo>
+                <a:lnTo>
+                  <a:pt x="0" y="120000"/>
+                </a:lnTo>
+                <a:close/>
+              </a:path>
+            </a:pathLst>
+          </a:custGeom>
+        </p:spPr>
+      </p:sp>
+      <p:sp>
+        <p:nvSpPr>
+          <p:cNvPr id="331" name="Google Shape;331;g35f391192_029:notes"/>
+          <p:cNvSpPr txBox="1">
+            <a:spLocks noGrp="1"/>
+          </p:cNvSpPr>
+          <p:nvPr>
+            <p:ph type="body" idx="1"/>
+          </p:nvPr>
+        </p:nvSpPr>
+        <p:spPr>
+          <a:xfrm>
+            <a:off x="685800" y="4343400"/>
+            <a:ext cx="5486400" cy="4114800"/>
+          </a:xfrm>
+          <a:prstGeom prst="rect">
+            <a:avLst/>
+          </a:prstGeom>
+        </p:spPr>
+        <p:txBody>
+          <a:bodyPr spcFirstLastPara="1" wrap="square" lIns="91425" tIns="91425" rIns="91425" bIns="91425" anchor="t" anchorCtr="0">
+            <a:noAutofit/>
+          </a:bodyPr>
+          <a:lstStyle/>
+          <a:p>
+            <a:pPr marL="0" lvl="0" indent="0" algn="l" rtl="0">
+              <a:spcBef>
+                <a:spcPts val="0"/>
+              </a:spcBef>
+              <a:spcAft>
+                <a:spcPts val="0"/>
+              </a:spcAft>
+              <a:buNone/>
+            </a:pPr>
+            <a:endParaRPr/>
+          </a:p>
+        </p:txBody>
+      </p:sp>
+    </p:spTree>
+    <p:extLst>
+      <p:ext uri="{BB962C8B-B14F-4D97-AF65-F5344CB8AC3E}">
+        <p14:creationId xmlns:p14="http://schemas.microsoft.com/office/powerpoint/2010/main" val="2859402482"/>
+      </p:ext>
+    </p:extLst>
+  </p:cSld>
+  <p:clrMapOvr>
+    <a:masterClrMapping/>
+  </p:clrMapOvr>
+</p:notes>
+</file>
+
+<file path=ppt/notesSlides/notesSlide18.xml><?xml version="1.0" encoding="utf-8"?>
+<p:notes xmlns:a="http://schemas.openxmlformats.org/drawingml/2006/main" xmlns:r="http://schemas.openxmlformats.org/officeDocument/2006/relationships" xmlns:p="http://schemas.openxmlformats.org/presentationml/2006/main" showMasterSp="0" showMasterPhAnim="0">
+  <p:cSld>
+    <p:spTree>
+      <p:nvGrpSpPr>
+        <p:cNvPr id="1" name="Shape 543"/>
+        <p:cNvGrpSpPr/>
+        <p:nvPr/>
+      </p:nvGrpSpPr>
+      <p:grpSpPr>
+        <a:xfrm>
+          <a:off x="0" y="0"/>
+          <a:ext cx="0" cy="0"/>
+          <a:chOff x="0" y="0"/>
+          <a:chExt cx="0" cy="0"/>
+        </a:xfrm>
+      </p:grpSpPr>
+      <p:sp>
+        <p:nvSpPr>
+          <p:cNvPr id="544" name="Google Shape;544;g35ed75ccf_0113:notes"/>
+          <p:cNvSpPr>
+            <a:spLocks noGrp="1" noRot="1" noChangeAspect="1"/>
+          </p:cNvSpPr>
+          <p:nvPr>
+            <p:ph type="sldImg" idx="2"/>
+          </p:nvPr>
+        </p:nvSpPr>
+        <p:spPr>
+          <a:xfrm>
+            <a:off x="381000" y="685800"/>
+            <a:ext cx="6096000" cy="3429000"/>
+          </a:xfrm>
+          <a:custGeom>
+            <a:avLst/>
+            <a:gdLst/>
+            <a:ahLst/>
+            <a:cxnLst/>
+            <a:rect l="l" t="t" r="r" b="b"/>
+            <a:pathLst>
+              <a:path w="120000" h="120000" extrusionOk="0">
+                <a:moveTo>
+                  <a:pt x="0" y="0"/>
+                </a:moveTo>
+                <a:lnTo>
+                  <a:pt x="120000" y="0"/>
+                </a:lnTo>
+                <a:lnTo>
+                  <a:pt x="120000" y="120000"/>
+                </a:lnTo>
+                <a:lnTo>
+                  <a:pt x="0" y="120000"/>
+                </a:lnTo>
+                <a:close/>
+              </a:path>
+            </a:pathLst>
+          </a:custGeom>
+        </p:spPr>
+      </p:sp>
+      <p:sp>
+        <p:nvSpPr>
+          <p:cNvPr id="545" name="Google Shape;545;g35ed75ccf_0113:notes"/>
+          <p:cNvSpPr txBox="1">
+            <a:spLocks noGrp="1"/>
+          </p:cNvSpPr>
+          <p:nvPr>
+            <p:ph type="body" idx="1"/>
+          </p:nvPr>
+        </p:nvSpPr>
+        <p:spPr>
+          <a:xfrm>
+            <a:off x="685800" y="4343400"/>
+            <a:ext cx="5486400" cy="4114800"/>
+          </a:xfrm>
+          <a:prstGeom prst="rect">
+            <a:avLst/>
+          </a:prstGeom>
+        </p:spPr>
+        <p:txBody>
+          <a:bodyPr spcFirstLastPara="1" wrap="square" lIns="91425" tIns="91425" rIns="91425" bIns="91425" anchor="t" anchorCtr="0">
+            <a:noAutofit/>
+          </a:bodyPr>
+          <a:lstStyle/>
+          <a:p>
+            <a:pPr marL="0" lvl="0" indent="0" algn="l" rtl="0">
+              <a:spcBef>
+                <a:spcPts val="0"/>
+              </a:spcBef>
+              <a:spcAft>
+                <a:spcPts val="0"/>
+              </a:spcAft>
+              <a:buNone/>
+            </a:pPr>
+            <a:endParaRPr/>
+          </a:p>
+        </p:txBody>
+      </p:sp>
+    </p:spTree>
+  </p:cSld>
+  <p:clrMapOvr>
+    <a:masterClrMapping/>
+  </p:clrMapOvr>
+</p:notes>
+</file>
+
+<file path=ppt/notesSlides/notesSlide19.xml><?xml version="1.0" encoding="utf-8"?>
+<p:notes xmlns:a="http://schemas.openxmlformats.org/drawingml/2006/main" xmlns:r="http://schemas.openxmlformats.org/officeDocument/2006/relationships" xmlns:p="http://schemas.openxmlformats.org/presentationml/2006/main" showMasterSp="0" showMasterPhAnim="0">
+  <p:cSld>
+    <p:spTree>
+      <p:nvGrpSpPr>
+        <p:cNvPr id="1" name="Shape 423"/>
+        <p:cNvGrpSpPr/>
+        <p:nvPr/>
+      </p:nvGrpSpPr>
+      <p:grpSpPr>
+        <a:xfrm>
+          <a:off x="0" y="0"/>
+          <a:ext cx="0" cy="0"/>
+          <a:chOff x="0" y="0"/>
+          <a:chExt cx="0" cy="0"/>
+        </a:xfrm>
+      </p:grpSpPr>
+      <p:sp>
+        <p:nvSpPr>
+          <p:cNvPr id="424" name="Google Shape;424;g35f391192_085:notes"/>
+          <p:cNvSpPr>
+            <a:spLocks noGrp="1" noRot="1" noChangeAspect="1"/>
+          </p:cNvSpPr>
+          <p:nvPr>
+            <p:ph type="sldImg" idx="2"/>
+          </p:nvPr>
+        </p:nvSpPr>
+        <p:spPr>
+          <a:xfrm>
+            <a:off x="381000" y="685800"/>
+            <a:ext cx="6096000" cy="3429000"/>
+          </a:xfrm>
+          <a:custGeom>
+            <a:avLst/>
+            <a:gdLst/>
+            <a:ahLst/>
+            <a:cxnLst/>
+            <a:rect l="l" t="t" r="r" b="b"/>
+            <a:pathLst>
+              <a:path w="120000" h="120000" extrusionOk="0">
+                <a:moveTo>
+                  <a:pt x="0" y="0"/>
+                </a:moveTo>
+                <a:lnTo>
+                  <a:pt x="120000" y="0"/>
+                </a:lnTo>
+                <a:lnTo>
+                  <a:pt x="120000" y="120000"/>
+                </a:lnTo>
+                <a:lnTo>
+                  <a:pt x="0" y="120000"/>
+                </a:lnTo>
+                <a:close/>
+              </a:path>
+            </a:pathLst>
+          </a:custGeom>
+        </p:spPr>
+      </p:sp>
+      <p:sp>
+        <p:nvSpPr>
+          <p:cNvPr id="425" name="Google Shape;425;g35f391192_085:notes"/>
+          <p:cNvSpPr txBox="1">
+            <a:spLocks noGrp="1"/>
+          </p:cNvSpPr>
+          <p:nvPr>
+            <p:ph type="body" idx="1"/>
+          </p:nvPr>
+        </p:nvSpPr>
+        <p:spPr>
+          <a:xfrm>
+            <a:off x="685800" y="4343400"/>
+            <a:ext cx="5486400" cy="4114800"/>
+          </a:xfrm>
+          <a:prstGeom prst="rect">
+            <a:avLst/>
+          </a:prstGeom>
+        </p:spPr>
+        <p:txBody>
+          <a:bodyPr spcFirstLastPara="1" wrap="square" lIns="91425" tIns="91425" rIns="91425" bIns="91425" anchor="t" anchorCtr="0">
+            <a:noAutofit/>
+          </a:bodyPr>
+          <a:lstStyle/>
+          <a:p>
+            <a:pPr marL="0" lvl="0" indent="0" algn="l" rtl="0">
+              <a:spcBef>
+                <a:spcPts val="0"/>
+              </a:spcBef>
+              <a:spcAft>
+                <a:spcPts val="0"/>
+              </a:spcAft>
+              <a:buNone/>
+            </a:pPr>
+            <a:endParaRPr/>
+          </a:p>
+        </p:txBody>
+      </p:sp>
+    </p:spTree>
+  </p:cSld>
+  <p:clrMapOvr>
+    <a:masterClrMapping/>
+  </p:clrMapOvr>
+</p:notes>
+</file>
+
 <file path=ppt/notesSlides/notesSlide2.xml><?xml version="1.0" encoding="utf-8"?>
 <p:notes xmlns:a="http://schemas.openxmlformats.org/drawingml/2006/main" xmlns:r="http://schemas.openxmlformats.org/officeDocument/2006/relationships" xmlns:p="http://schemas.openxmlformats.org/presentationml/2006/main" showMasterSp="0" showMasterPhAnim="0">
   <p:cSld>
@@ -888,6 +1985,214 @@
       <p:sp>
         <p:nvSpPr>
           <p:cNvPr id="323" name="Google Shape;323;g35f391192_04:notes"/>
+          <p:cNvSpPr txBox="1">
+            <a:spLocks noGrp="1"/>
+          </p:cNvSpPr>
+          <p:nvPr>
+            <p:ph type="body" idx="1"/>
+          </p:nvPr>
+        </p:nvSpPr>
+        <p:spPr>
+          <a:xfrm>
+            <a:off x="685800" y="4343400"/>
+            <a:ext cx="5486400" cy="4114800"/>
+          </a:xfrm>
+          <a:prstGeom prst="rect">
+            <a:avLst/>
+          </a:prstGeom>
+        </p:spPr>
+        <p:txBody>
+          <a:bodyPr spcFirstLastPara="1" wrap="square" lIns="91425" tIns="91425" rIns="91425" bIns="91425" anchor="t" anchorCtr="0">
+            <a:noAutofit/>
+          </a:bodyPr>
+          <a:lstStyle/>
+          <a:p>
+            <a:pPr marL="0" lvl="0" indent="0" algn="l" rtl="0">
+              <a:spcBef>
+                <a:spcPts val="0"/>
+              </a:spcBef>
+              <a:spcAft>
+                <a:spcPts val="0"/>
+              </a:spcAft>
+              <a:buNone/>
+            </a:pPr>
+            <a:endParaRPr/>
+          </a:p>
+        </p:txBody>
+      </p:sp>
+    </p:spTree>
+  </p:cSld>
+  <p:clrMapOvr>
+    <a:masterClrMapping/>
+  </p:clrMapOvr>
+</p:notes>
+</file>
+
+<file path=ppt/notesSlides/notesSlide20.xml><?xml version="1.0" encoding="utf-8"?>
+<p:notes xmlns:a="http://schemas.openxmlformats.org/drawingml/2006/main" xmlns:r="http://schemas.openxmlformats.org/officeDocument/2006/relationships" xmlns:p="http://schemas.openxmlformats.org/presentationml/2006/main" showMasterSp="0" showMasterPhAnim="0">
+  <p:cSld>
+    <p:spTree>
+      <p:nvGrpSpPr>
+        <p:cNvPr id="1" name="Shape 393"/>
+        <p:cNvGrpSpPr/>
+        <p:nvPr/>
+      </p:nvGrpSpPr>
+      <p:grpSpPr>
+        <a:xfrm>
+          <a:off x="0" y="0"/>
+          <a:ext cx="0" cy="0"/>
+          <a:chOff x="0" y="0"/>
+          <a:chExt cx="0" cy="0"/>
+        </a:xfrm>
+      </p:grpSpPr>
+      <p:sp>
+        <p:nvSpPr>
+          <p:cNvPr id="394" name="Google Shape;394;g35f391192_065:notes"/>
+          <p:cNvSpPr>
+            <a:spLocks noGrp="1" noRot="1" noChangeAspect="1"/>
+          </p:cNvSpPr>
+          <p:nvPr>
+            <p:ph type="sldImg" idx="2"/>
+          </p:nvPr>
+        </p:nvSpPr>
+        <p:spPr>
+          <a:xfrm>
+            <a:off x="381000" y="685800"/>
+            <a:ext cx="6096000" cy="3429000"/>
+          </a:xfrm>
+          <a:custGeom>
+            <a:avLst/>
+            <a:gdLst/>
+            <a:ahLst/>
+            <a:cxnLst/>
+            <a:rect l="l" t="t" r="r" b="b"/>
+            <a:pathLst>
+              <a:path w="120000" h="120000" extrusionOk="0">
+                <a:moveTo>
+                  <a:pt x="0" y="0"/>
+                </a:moveTo>
+                <a:lnTo>
+                  <a:pt x="120000" y="0"/>
+                </a:lnTo>
+                <a:lnTo>
+                  <a:pt x="120000" y="120000"/>
+                </a:lnTo>
+                <a:lnTo>
+                  <a:pt x="0" y="120000"/>
+                </a:lnTo>
+                <a:close/>
+              </a:path>
+            </a:pathLst>
+          </a:custGeom>
+        </p:spPr>
+      </p:sp>
+      <p:sp>
+        <p:nvSpPr>
+          <p:cNvPr id="395" name="Google Shape;395;g35f391192_065:notes"/>
+          <p:cNvSpPr txBox="1">
+            <a:spLocks noGrp="1"/>
+          </p:cNvSpPr>
+          <p:nvPr>
+            <p:ph type="body" idx="1"/>
+          </p:nvPr>
+        </p:nvSpPr>
+        <p:spPr>
+          <a:xfrm>
+            <a:off x="685800" y="4343400"/>
+            <a:ext cx="5486400" cy="4114800"/>
+          </a:xfrm>
+          <a:prstGeom prst="rect">
+            <a:avLst/>
+          </a:prstGeom>
+        </p:spPr>
+        <p:txBody>
+          <a:bodyPr spcFirstLastPara="1" wrap="square" lIns="91425" tIns="91425" rIns="91425" bIns="91425" anchor="t" anchorCtr="0">
+            <a:noAutofit/>
+          </a:bodyPr>
+          <a:lstStyle/>
+          <a:p>
+            <a:pPr marL="0" lvl="0" indent="0" algn="l" rtl="0">
+              <a:spcBef>
+                <a:spcPts val="0"/>
+              </a:spcBef>
+              <a:spcAft>
+                <a:spcPts val="0"/>
+              </a:spcAft>
+              <a:buNone/>
+            </a:pPr>
+            <a:endParaRPr/>
+          </a:p>
+        </p:txBody>
+      </p:sp>
+    </p:spTree>
+  </p:cSld>
+  <p:clrMapOvr>
+    <a:masterClrMapping/>
+  </p:clrMapOvr>
+</p:notes>
+</file>
+
+<file path=ppt/notesSlides/notesSlide21.xml><?xml version="1.0" encoding="utf-8"?>
+<p:notes xmlns:a="http://schemas.openxmlformats.org/drawingml/2006/main" xmlns:r="http://schemas.openxmlformats.org/officeDocument/2006/relationships" xmlns:p="http://schemas.openxmlformats.org/presentationml/2006/main" showMasterSp="0" showMasterPhAnim="0">
+  <p:cSld>
+    <p:spTree>
+      <p:nvGrpSpPr>
+        <p:cNvPr id="1" name="Shape 551"/>
+        <p:cNvGrpSpPr/>
+        <p:nvPr/>
+      </p:nvGrpSpPr>
+      <p:grpSpPr>
+        <a:xfrm>
+          <a:off x="0" y="0"/>
+          <a:ext cx="0" cy="0"/>
+          <a:chOff x="0" y="0"/>
+          <a:chExt cx="0" cy="0"/>
+        </a:xfrm>
+      </p:grpSpPr>
+      <p:sp>
+        <p:nvSpPr>
+          <p:cNvPr id="552" name="Google Shape;552;g35ed75ccf_022:notes"/>
+          <p:cNvSpPr>
+            <a:spLocks noGrp="1" noRot="1" noChangeAspect="1"/>
+          </p:cNvSpPr>
+          <p:nvPr>
+            <p:ph type="sldImg" idx="2"/>
+          </p:nvPr>
+        </p:nvSpPr>
+        <p:spPr>
+          <a:xfrm>
+            <a:off x="381000" y="685800"/>
+            <a:ext cx="6096000" cy="3429000"/>
+          </a:xfrm>
+          <a:custGeom>
+            <a:avLst/>
+            <a:gdLst/>
+            <a:ahLst/>
+            <a:cxnLst/>
+            <a:rect l="l" t="t" r="r" b="b"/>
+            <a:pathLst>
+              <a:path w="120000" h="120000" extrusionOk="0">
+                <a:moveTo>
+                  <a:pt x="0" y="0"/>
+                </a:moveTo>
+                <a:lnTo>
+                  <a:pt x="120000" y="0"/>
+                </a:lnTo>
+                <a:lnTo>
+                  <a:pt x="120000" y="120000"/>
+                </a:lnTo>
+                <a:lnTo>
+                  <a:pt x="0" y="120000"/>
+                </a:lnTo>
+                <a:close/>
+              </a:path>
+            </a:pathLst>
+          </a:custGeom>
+        </p:spPr>
+      </p:sp>
+      <p:sp>
+        <p:nvSpPr>
+          <p:cNvPr id="553" name="Google Shape;553;g35ed75ccf_022:notes"/>
           <p:cNvSpPr txBox="1">
             <a:spLocks noGrp="1"/>
           </p:cNvSpPr>
@@ -1243,7 +2548,7 @@
     </p:spTree>
     <p:extLst>
       <p:ext uri="{BB962C8B-B14F-4D97-AF65-F5344CB8AC3E}">
-        <p14:creationId xmlns:p14="http://schemas.microsoft.com/office/powerpoint/2010/main" val="2859402482"/>
+        <p14:creationId xmlns:p14="http://schemas.microsoft.com/office/powerpoint/2010/main" val="423589306"/>
       </p:ext>
     </p:extLst>
   </p:cSld>
@@ -1350,6 +2655,11 @@
         </p:txBody>
       </p:sp>
     </p:spTree>
+    <p:extLst>
+      <p:ext uri="{BB962C8B-B14F-4D97-AF65-F5344CB8AC3E}">
+        <p14:creationId xmlns:p14="http://schemas.microsoft.com/office/powerpoint/2010/main" val="3561811340"/>
+      </p:ext>
+    </p:extLst>
   </p:cSld>
   <p:clrMapOvr>
     <a:masterClrMapping/>
@@ -1362,7 +2672,7 @@
   <p:cSld>
     <p:spTree>
       <p:nvGrpSpPr>
-        <p:cNvPr id="1" name="Shape 423"/>
+        <p:cNvPr id="1" name="Shape 329"/>
         <p:cNvGrpSpPr/>
         <p:nvPr/>
       </p:nvGrpSpPr>
@@ -1376,7 +2686,7 @@
       </p:grpSpPr>
       <p:sp>
         <p:nvSpPr>
-          <p:cNvPr id="424" name="Google Shape;424;g35f391192_085:notes"/>
+          <p:cNvPr id="330" name="Google Shape;330;g35f391192_029:notes"/>
           <p:cNvSpPr>
             <a:spLocks noGrp="1" noRot="1" noChangeAspect="1"/>
           </p:cNvSpPr>
@@ -1417,7 +2727,7 @@
       </p:sp>
       <p:sp>
         <p:nvSpPr>
-          <p:cNvPr id="425" name="Google Shape;425;g35f391192_085:notes"/>
+          <p:cNvPr id="331" name="Google Shape;331;g35f391192_029:notes"/>
           <p:cNvSpPr txBox="1">
             <a:spLocks noGrp="1"/>
           </p:cNvSpPr>
@@ -1454,6 +2764,11 @@
         </p:txBody>
       </p:sp>
     </p:spTree>
+    <p:extLst>
+      <p:ext uri="{BB962C8B-B14F-4D97-AF65-F5344CB8AC3E}">
+        <p14:creationId xmlns:p14="http://schemas.microsoft.com/office/powerpoint/2010/main" val="3003200383"/>
+      </p:ext>
+    </p:extLst>
   </p:cSld>
   <p:clrMapOvr>
     <a:masterClrMapping/>
@@ -1466,7 +2781,7 @@
   <p:cSld>
     <p:spTree>
       <p:nvGrpSpPr>
-        <p:cNvPr id="1" name="Shape 393"/>
+        <p:cNvPr id="1" name="Shape 543"/>
         <p:cNvGrpSpPr/>
         <p:nvPr/>
       </p:nvGrpSpPr>
@@ -1480,7 +2795,7 @@
       </p:grpSpPr>
       <p:sp>
         <p:nvSpPr>
-          <p:cNvPr id="394" name="Google Shape;394;g35f391192_065:notes"/>
+          <p:cNvPr id="544" name="Google Shape;544;g35ed75ccf_0113:notes"/>
           <p:cNvSpPr>
             <a:spLocks noGrp="1" noRot="1" noChangeAspect="1"/>
           </p:cNvSpPr>
@@ -1521,7 +2836,7 @@
       </p:sp>
       <p:sp>
         <p:nvSpPr>
-          <p:cNvPr id="395" name="Google Shape;395;g35f391192_065:notes"/>
+          <p:cNvPr id="545" name="Google Shape;545;g35ed75ccf_0113:notes"/>
           <p:cNvSpPr txBox="1">
             <a:spLocks noGrp="1"/>
           </p:cNvSpPr>
@@ -1558,6 +2873,11 @@
         </p:txBody>
       </p:sp>
     </p:spTree>
+    <p:extLst>
+      <p:ext uri="{BB962C8B-B14F-4D97-AF65-F5344CB8AC3E}">
+        <p14:creationId xmlns:p14="http://schemas.microsoft.com/office/powerpoint/2010/main" val="2872289873"/>
+      </p:ext>
+    </p:extLst>
   </p:cSld>
   <p:clrMapOvr>
     <a:masterClrMapping/>
@@ -1570,7 +2890,7 @@
   <p:cSld>
     <p:spTree>
       <p:nvGrpSpPr>
-        <p:cNvPr id="1" name="Shape 551"/>
+        <p:cNvPr id="1" name="Shape 329"/>
         <p:cNvGrpSpPr/>
         <p:nvPr/>
       </p:nvGrpSpPr>
@@ -1584,7 +2904,7 @@
       </p:grpSpPr>
       <p:sp>
         <p:nvSpPr>
-          <p:cNvPr id="552" name="Google Shape;552;g35ed75ccf_022:notes"/>
+          <p:cNvPr id="330" name="Google Shape;330;g35f391192_029:notes"/>
           <p:cNvSpPr>
             <a:spLocks noGrp="1" noRot="1" noChangeAspect="1"/>
           </p:cNvSpPr>
@@ -1625,7 +2945,7 @@
       </p:sp>
       <p:sp>
         <p:nvSpPr>
-          <p:cNvPr id="553" name="Google Shape;553;g35ed75ccf_022:notes"/>
+          <p:cNvPr id="331" name="Google Shape;331;g35f391192_029:notes"/>
           <p:cNvSpPr txBox="1">
             <a:spLocks noGrp="1"/>
           </p:cNvSpPr>
@@ -1662,6 +2982,11 @@
         </p:txBody>
       </p:sp>
     </p:spTree>
+    <p:extLst>
+      <p:ext uri="{BB962C8B-B14F-4D97-AF65-F5344CB8AC3E}">
+        <p14:creationId xmlns:p14="http://schemas.microsoft.com/office/powerpoint/2010/main" val="3332073157"/>
+      </p:ext>
+    </p:extLst>
   </p:cSld>
   <p:clrMapOvr>
     <a:masterClrMapping/>
@@ -7370,398 +8695,7 @@
 </p:sld>
 </file>
 
-<file path=ppt/slides/slide2.xml><?xml version="1.0" encoding="utf-8"?>
-<p:sld xmlns:a="http://schemas.openxmlformats.org/drawingml/2006/main" xmlns:r="http://schemas.openxmlformats.org/officeDocument/2006/relationships" xmlns:p="http://schemas.openxmlformats.org/presentationml/2006/main">
-  <p:cSld>
-    <p:spTree>
-      <p:nvGrpSpPr>
-        <p:cNvPr id="1" name="Shape 324"/>
-        <p:cNvGrpSpPr/>
-        <p:nvPr/>
-      </p:nvGrpSpPr>
-      <p:grpSpPr>
-        <a:xfrm>
-          <a:off x="0" y="0"/>
-          <a:ext cx="0" cy="0"/>
-          <a:chOff x="0" y="0"/>
-          <a:chExt cx="0" cy="0"/>
-        </a:xfrm>
-      </p:grpSpPr>
-      <p:sp>
-        <p:nvSpPr>
-          <p:cNvPr id="325" name="Google Shape;325;p14"/>
-          <p:cNvSpPr txBox="1">
-            <a:spLocks noGrp="1"/>
-          </p:cNvSpPr>
-          <p:nvPr>
-            <p:ph type="ctrTitle" idx="4294967295"/>
-          </p:nvPr>
-        </p:nvSpPr>
-        <p:spPr>
-          <a:xfrm>
-            <a:off x="1313736" y="1167942"/>
-            <a:ext cx="4725000" cy="861900"/>
-          </a:xfrm>
-          <a:prstGeom prst="rect">
-            <a:avLst/>
-          </a:prstGeom>
-        </p:spPr>
-        <p:txBody>
-          <a:bodyPr spcFirstLastPara="1" wrap="square" lIns="0" tIns="0" rIns="0" bIns="0" anchor="t" anchorCtr="0">
-            <a:noAutofit/>
-          </a:bodyPr>
-          <a:lstStyle/>
-          <a:p>
-            <a:pPr marL="0" lvl="0" indent="0" algn="l" rtl="0">
-              <a:spcBef>
-                <a:spcPts val="0"/>
-              </a:spcBef>
-              <a:spcAft>
-                <a:spcPts val="0"/>
-              </a:spcAft>
-              <a:buNone/>
-            </a:pPr>
-            <a:r>
-              <a:rPr lang="en" sz="7200">
-                <a:solidFill>
-                  <a:schemeClr val="accent2"/>
-                </a:solidFill>
-              </a:rPr>
-              <a:t>HELLO!</a:t>
-            </a:r>
-            <a:endParaRPr sz="7200">
-              <a:solidFill>
-                <a:schemeClr val="accent2"/>
-              </a:solidFill>
-            </a:endParaRPr>
-          </a:p>
-        </p:txBody>
-      </p:sp>
-      <p:sp>
-        <p:nvSpPr>
-          <p:cNvPr id="326" name="Google Shape;326;p14"/>
-          <p:cNvSpPr txBox="1">
-            <a:spLocks noGrp="1"/>
-          </p:cNvSpPr>
-          <p:nvPr>
-            <p:ph type="subTitle" idx="4294967295"/>
-          </p:nvPr>
-        </p:nvSpPr>
-        <p:spPr>
-          <a:xfrm>
-            <a:off x="1356746" y="2229002"/>
-            <a:ext cx="4725000" cy="2341200"/>
-          </a:xfrm>
-          <a:prstGeom prst="rect">
-            <a:avLst/>
-          </a:prstGeom>
-        </p:spPr>
-        <p:txBody>
-          <a:bodyPr spcFirstLastPara="1" wrap="square" lIns="0" tIns="0" rIns="0" bIns="0" anchor="t" anchorCtr="0">
-            <a:noAutofit/>
-          </a:bodyPr>
-          <a:lstStyle/>
-          <a:p>
-            <a:pPr marL="0" lvl="0" indent="0" algn="l" rtl="0">
-              <a:spcBef>
-                <a:spcPts val="600"/>
-              </a:spcBef>
-              <a:spcAft>
-                <a:spcPts val="0"/>
-              </a:spcAft>
-              <a:buNone/>
-            </a:pPr>
-            <a:r>
-              <a:rPr lang="en-US" b="1" dirty="0">
-                <a:latin typeface="Montserrat"/>
-                <a:ea typeface="Montserrat"/>
-                <a:cs typeface="Montserrat"/>
-                <a:sym typeface="Montserrat"/>
-              </a:rPr>
-              <a:t>Group Members:</a:t>
-            </a:r>
-          </a:p>
-          <a:p>
-            <a:pPr marL="0" lvl="0" indent="0" algn="l" rtl="0">
-              <a:spcBef>
-                <a:spcPts val="600"/>
-              </a:spcBef>
-              <a:spcAft>
-                <a:spcPts val="0"/>
-              </a:spcAft>
-              <a:buClr>
-                <a:schemeClr val="dk1"/>
-              </a:buClr>
-              <a:buSzPts val="1100"/>
-              <a:buFont typeface="Arial"/>
-              <a:buNone/>
-            </a:pPr>
-            <a:r>
-              <a:rPr lang="en-US" dirty="0"/>
-              <a:t>Tyler </a:t>
-            </a:r>
-            <a:r>
-              <a:rPr lang="en-US" dirty="0" err="1"/>
-              <a:t>Fasulo</a:t>
-            </a:r>
-            <a:endParaRPr lang="en-US" dirty="0"/>
-          </a:p>
-          <a:p>
-            <a:pPr marL="0" lvl="0" indent="0" algn="l" rtl="0">
-              <a:spcBef>
-                <a:spcPts val="600"/>
-              </a:spcBef>
-              <a:spcAft>
-                <a:spcPts val="0"/>
-              </a:spcAft>
-              <a:buClr>
-                <a:schemeClr val="dk1"/>
-              </a:buClr>
-              <a:buSzPts val="1100"/>
-              <a:buFont typeface="Arial"/>
-              <a:buNone/>
-            </a:pPr>
-            <a:r>
-              <a:rPr lang="en-US" dirty="0"/>
-              <a:t>Luan </a:t>
-            </a:r>
-            <a:r>
-              <a:rPr lang="en-US" dirty="0" err="1"/>
-              <a:t>Hajnaj</a:t>
-            </a:r>
-            <a:endParaRPr lang="en-US" dirty="0"/>
-          </a:p>
-          <a:p>
-            <a:pPr marL="0" lvl="0" indent="0" algn="l" rtl="0">
-              <a:spcBef>
-                <a:spcPts val="600"/>
-              </a:spcBef>
-              <a:spcAft>
-                <a:spcPts val="0"/>
-              </a:spcAft>
-              <a:buClr>
-                <a:schemeClr val="dk1"/>
-              </a:buClr>
-              <a:buSzPts val="1100"/>
-              <a:buFont typeface="Arial"/>
-              <a:buNone/>
-            </a:pPr>
-            <a:r>
-              <a:rPr lang="en-US" dirty="0"/>
-              <a:t>Paul Wolanski</a:t>
-            </a:r>
-          </a:p>
-        </p:txBody>
-      </p:sp>
-      <p:pic>
-        <p:nvPicPr>
-          <p:cNvPr id="327" name="Google Shape;327;p14" descr="photo-1434030216411-0b793f4b4173.jpg"/>
-          <p:cNvPicPr preferRelativeResize="0"/>
-          <p:nvPr/>
-        </p:nvPicPr>
-        <p:blipFill>
-          <a:blip r:embed="rId3">
-            <a:alphaModFix/>
-          </a:blip>
-          <a:stretch>
-            <a:fillRect/>
-          </a:stretch>
-        </p:blipFill>
-        <p:spPr>
-          <a:xfrm>
-            <a:off x="5720373" y="688148"/>
-            <a:ext cx="2055900" cy="2055900"/>
-          </a:xfrm>
-          <a:prstGeom prst="rect">
-            <a:avLst/>
-          </a:prstGeom>
-          <a:noFill/>
-          <a:ln>
-            <a:noFill/>
-          </a:ln>
-          <a:effectLst>
-            <a:outerShdw blurRad="171450" dist="57150" dir="5400000" algn="bl" rotWithShape="0">
-              <a:schemeClr val="dk1">
-                <a:alpha val="19000"/>
-              </a:schemeClr>
-            </a:outerShdw>
-          </a:effectLst>
-        </p:spPr>
-      </p:pic>
-      <p:sp>
-        <p:nvSpPr>
-          <p:cNvPr id="328" name="Google Shape;328;p14"/>
-          <p:cNvSpPr txBox="1">
-            <a:spLocks noGrp="1"/>
-          </p:cNvSpPr>
-          <p:nvPr>
-            <p:ph type="sldNum" idx="12"/>
-          </p:nvPr>
-        </p:nvSpPr>
-        <p:spPr>
-          <a:xfrm>
-            <a:off x="8729400" y="4734075"/>
-            <a:ext cx="414600" cy="409500"/>
-          </a:xfrm>
-          <a:prstGeom prst="rect">
-            <a:avLst/>
-          </a:prstGeom>
-        </p:spPr>
-        <p:txBody>
-          <a:bodyPr spcFirstLastPara="1" wrap="square" lIns="0" tIns="0" rIns="0" bIns="0" anchor="ctr" anchorCtr="0">
-            <a:noAutofit/>
-          </a:bodyPr>
-          <a:lstStyle/>
-          <a:p>
-            <a:pPr marL="0" lvl="0" indent="0" algn="ctr" rtl="0">
-              <a:spcBef>
-                <a:spcPts val="0"/>
-              </a:spcBef>
-              <a:spcAft>
-                <a:spcPts val="0"/>
-              </a:spcAft>
-              <a:buNone/>
-            </a:pPr>
-            <a:fld id="{00000000-1234-1234-1234-123412341234}" type="slidenum">
-              <a:rPr lang="en"/>
-              <a:t>2</a:t>
-            </a:fld>
-            <a:endParaRPr dirty="0"/>
-          </a:p>
-        </p:txBody>
-      </p:sp>
-    </p:spTree>
-  </p:cSld>
-  <p:clrMapOvr>
-    <a:masterClrMapping/>
-  </p:clrMapOvr>
-</p:sld>
-</file>
-
-<file path=ppt/slides/slide3.xml><?xml version="1.0" encoding="utf-8"?>
-<p:sld xmlns:a="http://schemas.openxmlformats.org/drawingml/2006/main" xmlns:r="http://schemas.openxmlformats.org/officeDocument/2006/relationships" xmlns:p="http://schemas.openxmlformats.org/presentationml/2006/main">
-  <p:cSld>
-    <p:spTree>
-      <p:nvGrpSpPr>
-        <p:cNvPr id="1" name="Shape 332"/>
-        <p:cNvGrpSpPr/>
-        <p:nvPr/>
-      </p:nvGrpSpPr>
-      <p:grpSpPr>
-        <a:xfrm>
-          <a:off x="0" y="0"/>
-          <a:ext cx="0" cy="0"/>
-          <a:chOff x="0" y="0"/>
-          <a:chExt cx="0" cy="0"/>
-        </a:xfrm>
-      </p:grpSpPr>
-      <p:sp>
-        <p:nvSpPr>
-          <p:cNvPr id="333" name="Google Shape;333;p15"/>
-          <p:cNvSpPr txBox="1">
-            <a:spLocks noGrp="1"/>
-          </p:cNvSpPr>
-          <p:nvPr>
-            <p:ph type="ctrTitle"/>
-          </p:nvPr>
-        </p:nvSpPr>
-        <p:spPr>
-          <a:xfrm>
-            <a:off x="2027625" y="1629397"/>
-            <a:ext cx="5088600" cy="1159800"/>
-          </a:xfrm>
-          <a:prstGeom prst="rect">
-            <a:avLst/>
-          </a:prstGeom>
-        </p:spPr>
-        <p:txBody>
-          <a:bodyPr spcFirstLastPara="1" wrap="square" lIns="0" tIns="0" rIns="0" bIns="0" anchor="b" anchorCtr="0">
-            <a:noAutofit/>
-          </a:bodyPr>
-          <a:lstStyle/>
-          <a:p>
-            <a:pPr marL="0" lvl="0" indent="0" algn="l" rtl="0">
-              <a:spcBef>
-                <a:spcPts val="0"/>
-              </a:spcBef>
-              <a:spcAft>
-                <a:spcPts val="0"/>
-              </a:spcAft>
-              <a:buNone/>
-            </a:pPr>
-            <a:r>
-              <a:rPr lang="en" dirty="0">
-                <a:solidFill>
-                  <a:schemeClr val="accent2"/>
-                </a:solidFill>
-              </a:rPr>
-              <a:t>1.</a:t>
-            </a:r>
-            <a:endParaRPr lang="en-US" dirty="0">
-              <a:solidFill>
-                <a:schemeClr val="accent2"/>
-              </a:solidFill>
-            </a:endParaRPr>
-          </a:p>
-          <a:p>
-            <a:pPr marL="0" lvl="0" indent="0" algn="l" rtl="0">
-              <a:spcBef>
-                <a:spcPts val="0"/>
-              </a:spcBef>
-              <a:spcAft>
-                <a:spcPts val="0"/>
-              </a:spcAft>
-              <a:buNone/>
-            </a:pPr>
-            <a:r>
-              <a:rPr lang="en-US" dirty="0"/>
-              <a:t>WORLD BIRTH RATE AVERAGES</a:t>
-            </a:r>
-          </a:p>
-        </p:txBody>
-      </p:sp>
-      <p:sp>
-        <p:nvSpPr>
-          <p:cNvPr id="334" name="Google Shape;334;p15"/>
-          <p:cNvSpPr txBox="1">
-            <a:spLocks noGrp="1"/>
-          </p:cNvSpPr>
-          <p:nvPr>
-            <p:ph type="subTitle" idx="1"/>
-          </p:nvPr>
-        </p:nvSpPr>
-        <p:spPr>
-          <a:xfrm>
-            <a:off x="2027625" y="2886101"/>
-            <a:ext cx="5088600" cy="784800"/>
-          </a:xfrm>
-          <a:prstGeom prst="rect">
-            <a:avLst/>
-          </a:prstGeom>
-        </p:spPr>
-        <p:txBody>
-          <a:bodyPr spcFirstLastPara="1" wrap="square" lIns="0" tIns="0" rIns="0" bIns="0" anchor="t" anchorCtr="0">
-            <a:noAutofit/>
-          </a:bodyPr>
-          <a:lstStyle/>
-          <a:p>
-            <a:pPr marL="0" lvl="0" indent="0"/>
-            <a:r>
-              <a:rPr lang="en-US" dirty="0"/>
-              <a:t>Birth rate, crude (per 1,000 people)</a:t>
-            </a:r>
-          </a:p>
-        </p:txBody>
-      </p:sp>
-    </p:spTree>
-  </p:cSld>
-  <p:clrMapOvr>
-    <a:masterClrMapping/>
-  </p:clrMapOvr>
-</p:sld>
-</file>
-
-<file path=ppt/slides/slide4.xml><?xml version="1.0" encoding="utf-8"?>
+<file path=ppt/slides/slide10.xml><?xml version="1.0" encoding="utf-8"?>
 <p:sld xmlns:a="http://schemas.openxmlformats.org/drawingml/2006/main" xmlns:r="http://schemas.openxmlformats.org/officeDocument/2006/relationships" xmlns:p="http://schemas.openxmlformats.org/presentationml/2006/main">
   <p:cSld>
     <p:bg>
@@ -8338,7 +9272,7 @@
             </a:pPr>
             <a:fld id="{00000000-1234-1234-1234-123412341234}" type="slidenum">
               <a:rPr lang="en"/>
-              <a:t>4</a:t>
+              <a:t>10</a:t>
             </a:fld>
             <a:endParaRPr/>
           </a:p>
@@ -8385,7 +9319,7 @@
                 <a:cs typeface="Poppins"/>
                 <a:sym typeface="Poppins"/>
               </a:rPr>
-              <a:t>Birth Rate &amp; Life Expectancy</a:t>
+              <a:t>Access to Electricity &amp; Life Expectancy</a:t>
             </a:r>
             <a:endParaRPr lang="en-US" sz="1200" dirty="0"/>
           </a:p>
@@ -8402,7 +9336,7 @@
                 </a:solidFill>
                 <a:latin typeface="Courier New" panose="02070309020205020404" pitchFamily="49" charset="0"/>
               </a:rPr>
-              <a:t>0.916443022728935</a:t>
+              <a:t>0.916260309976558</a:t>
             </a:r>
             <a:endParaRPr lang="en-US" sz="1200" dirty="0"/>
           </a:p>
@@ -8419,7 +9353,7 @@
                 </a:solidFill>
                 <a:latin typeface="Courier New" panose="02070309020205020404" pitchFamily="49" charset="0"/>
               </a:rPr>
-              <a:t>1.56169928862533E-15</a:t>
+              <a:t>7.03855446679479E-14</a:t>
             </a:r>
           </a:p>
           <a:p>
@@ -8433,7 +9367,7 @@
           <p:cNvPr id="3" name="Picture 2">
             <a:extLst>
               <a:ext uri="{FF2B5EF4-FFF2-40B4-BE49-F238E27FC236}">
-                <a16:creationId xmlns:a16="http://schemas.microsoft.com/office/drawing/2014/main" id="{4C5BA604-D6A5-421A-A668-51585D38B4B6}"/>
+                <a16:creationId xmlns:a16="http://schemas.microsoft.com/office/drawing/2014/main" id="{BDF90A4F-7994-4F07-9FFD-0983F810F0A3}"/>
               </a:ext>
             </a:extLst>
           </p:cNvPr>
@@ -8442,16 +9376,15 @@
           </p:cNvPicPr>
           <p:nvPr/>
         </p:nvPicPr>
-        <p:blipFill>
+        <p:blipFill rotWithShape="1">
           <a:blip r:embed="rId3"/>
-          <a:stretch>
-            <a:fillRect/>
-          </a:stretch>
+          <a:srcRect l="8177" t="6879" r="5765" b="10002"/>
+          <a:stretch/>
         </p:blipFill>
         <p:spPr>
           <a:xfrm>
-            <a:off x="2690899" y="687468"/>
-            <a:ext cx="5859075" cy="3075473"/>
+            <a:off x="2681942" y="680475"/>
+            <a:ext cx="5881381" cy="3083916"/>
           </a:xfrm>
           <a:prstGeom prst="rect">
             <a:avLst/>
@@ -8461,7 +9394,7 @@
     </p:spTree>
     <p:extLst>
       <p:ext uri="{BB962C8B-B14F-4D97-AF65-F5344CB8AC3E}">
-        <p14:creationId xmlns:p14="http://schemas.microsoft.com/office/powerpoint/2010/main" val="159949467"/>
+        <p14:creationId xmlns:p14="http://schemas.microsoft.com/office/powerpoint/2010/main" val="1993039284"/>
       </p:ext>
     </p:extLst>
   </p:cSld>
@@ -8471,7 +9404,7 @@
 </p:sld>
 </file>
 
-<file path=ppt/slides/slide5.xml><?xml version="1.0" encoding="utf-8"?>
+<file path=ppt/slides/slide11.xml><?xml version="1.0" encoding="utf-8"?>
 <p:sld xmlns:a="http://schemas.openxmlformats.org/drawingml/2006/main" xmlns:r="http://schemas.openxmlformats.org/officeDocument/2006/relationships" xmlns:p="http://schemas.openxmlformats.org/presentationml/2006/main">
   <p:cSld>
     <p:spTree>
@@ -8528,7 +9461,7 @@
                   <a:schemeClr val="accent2"/>
                 </a:solidFill>
               </a:rPr>
-              <a:t>8.</a:t>
+              <a:t>5.</a:t>
             </a:r>
             <a:endParaRPr lang="en-US" dirty="0">
               <a:solidFill>
@@ -8548,7 +9481,7 @@
             </a:pPr>
             <a:r>
               <a:rPr lang="en-US" dirty="0"/>
-              <a:t>UNEMPLOYMENT</a:t>
+              <a:t>WORLD AVERAGE GDP</a:t>
             </a:r>
           </a:p>
         </p:txBody>
@@ -8578,27 +9511,18 @@
           </a:bodyPr>
           <a:lstStyle/>
           <a:p>
-            <a:pPr marL="0" lvl="0" indent="0" algn="l" rtl="0">
-              <a:spcBef>
-                <a:spcPts val="0"/>
-              </a:spcBef>
-              <a:spcAft>
-                <a:spcPts val="0"/>
-              </a:spcAft>
-              <a:buNone/>
-            </a:pPr>
+            <a:pPr marL="0" lvl="0" indent="0"/>
             <a:r>
               <a:rPr lang="en-US" dirty="0"/>
-              <a:t>Percentage of total labor force</a:t>
+              <a:t>Gross Domestic Product (current US$)</a:t>
             </a:r>
-            <a:endParaRPr dirty="0"/>
           </a:p>
         </p:txBody>
       </p:sp>
     </p:spTree>
     <p:extLst>
       <p:ext uri="{BB962C8B-B14F-4D97-AF65-F5344CB8AC3E}">
-        <p14:creationId xmlns:p14="http://schemas.microsoft.com/office/powerpoint/2010/main" val="876415857"/>
+        <p14:creationId xmlns:p14="http://schemas.microsoft.com/office/powerpoint/2010/main" val="4055526265"/>
       </p:ext>
     </p:extLst>
   </p:cSld>
@@ -8608,7 +9532,7 @@
 </p:sld>
 </file>
 
-<file path=ppt/slides/slide6.xml><?xml version="1.0" encoding="utf-8"?>
+<file path=ppt/slides/slide12.xml><?xml version="1.0" encoding="utf-8"?>
 <p:sld xmlns:a="http://schemas.openxmlformats.org/drawingml/2006/main" xmlns:r="http://schemas.openxmlformats.org/officeDocument/2006/relationships" xmlns:p="http://schemas.openxmlformats.org/presentationml/2006/main">
   <p:cSld>
     <p:bg>
@@ -9185,7 +10109,2527 @@
             </a:pPr>
             <a:fld id="{00000000-1234-1234-1234-123412341234}" type="slidenum">
               <a:rPr lang="en"/>
-              <a:t>6</a:t>
+              <a:t>12</a:t>
+            </a:fld>
+            <a:endParaRPr/>
+          </a:p>
+        </p:txBody>
+      </p:sp>
+      <p:sp>
+        <p:nvSpPr>
+          <p:cNvPr id="550" name="Google Shape;550;p33"/>
+          <p:cNvSpPr txBox="1">
+            <a:spLocks noGrp="1"/>
+          </p:cNvSpPr>
+          <p:nvPr>
+            <p:ph type="body" idx="4294967295"/>
+          </p:nvPr>
+        </p:nvSpPr>
+        <p:spPr>
+          <a:xfrm>
+            <a:off x="209427" y="621150"/>
+            <a:ext cx="2153329" cy="2274449"/>
+          </a:xfrm>
+          <a:prstGeom prst="rect">
+            <a:avLst/>
+          </a:prstGeom>
+        </p:spPr>
+        <p:txBody>
+          <a:bodyPr spcFirstLastPara="1" wrap="square" lIns="0" tIns="0" rIns="0" bIns="0" anchor="t" anchorCtr="0">
+            <a:noAutofit/>
+          </a:bodyPr>
+          <a:lstStyle/>
+          <a:p>
+            <a:pPr marL="0" lvl="0" indent="0" algn="l" rtl="0">
+              <a:spcBef>
+                <a:spcPts val="600"/>
+              </a:spcBef>
+              <a:spcAft>
+                <a:spcPts val="0"/>
+              </a:spcAft>
+              <a:buNone/>
+            </a:pPr>
+            <a:r>
+              <a:rPr lang="en-US" sz="1200" b="1" dirty="0">
+                <a:latin typeface="Poppins"/>
+                <a:ea typeface="Poppins"/>
+                <a:cs typeface="Poppins"/>
+                <a:sym typeface="Poppins"/>
+              </a:rPr>
+              <a:t>GDP &amp; Life Expectancy</a:t>
+            </a:r>
+            <a:endParaRPr lang="en-US" sz="1200" dirty="0"/>
+          </a:p>
+          <a:p>
+            <a:pPr marL="228600" indent="-228600"/>
+            <a:r>
+              <a:rPr lang="en-US" sz="1200" dirty="0"/>
+              <a:t>R-Squared: </a:t>
+            </a:r>
+            <a:r>
+              <a:rPr lang="en-US" sz="1200" dirty="0">
+                <a:solidFill>
+                  <a:srgbClr val="000000"/>
+                </a:solidFill>
+                <a:latin typeface="Courier New" panose="02070309020205020404" pitchFamily="49" charset="0"/>
+              </a:rPr>
+              <a:t>0.954891955107018</a:t>
+            </a:r>
+            <a:endParaRPr lang="en-US" sz="1200" dirty="0"/>
+          </a:p>
+          <a:p>
+            <a:pPr marL="228600" indent="-228600"/>
+            <a:r>
+              <a:rPr lang="en-US" sz="1200" dirty="0"/>
+              <a:t>P-Value: </a:t>
+            </a:r>
+            <a:r>
+              <a:rPr lang="en-US" sz="1200" dirty="0">
+                <a:solidFill>
+                  <a:srgbClr val="000000"/>
+                </a:solidFill>
+                <a:latin typeface="Courier New" panose="02070309020205020404" pitchFamily="49" charset="0"/>
+              </a:rPr>
+              <a:t>5.06843130319356E-19</a:t>
+            </a:r>
+          </a:p>
+          <a:p>
+            <a:pPr marL="228600" indent="-228600"/>
+            <a:endParaRPr sz="1200" dirty="0"/>
+          </a:p>
+        </p:txBody>
+      </p:sp>
+      <p:pic>
+        <p:nvPicPr>
+          <p:cNvPr id="4" name="Picture 3">
+            <a:extLst>
+              <a:ext uri="{FF2B5EF4-FFF2-40B4-BE49-F238E27FC236}">
+                <a16:creationId xmlns:a16="http://schemas.microsoft.com/office/drawing/2014/main" id="{42067BDF-1F2D-401F-B30B-C8927F9D0B8A}"/>
+              </a:ext>
+            </a:extLst>
+          </p:cNvPr>
+          <p:cNvPicPr>
+            <a:picLocks noChangeAspect="1"/>
+          </p:cNvPicPr>
+          <p:nvPr/>
+        </p:nvPicPr>
+        <p:blipFill rotWithShape="1">
+          <a:blip r:embed="rId3"/>
+          <a:srcRect l="7299" t="6879" r="6277" b="10002"/>
+          <a:stretch/>
+        </p:blipFill>
+        <p:spPr>
+          <a:xfrm>
+            <a:off x="2663673" y="680474"/>
+            <a:ext cx="5906324" cy="3097265"/>
+          </a:xfrm>
+          <a:prstGeom prst="rect">
+            <a:avLst/>
+          </a:prstGeom>
+        </p:spPr>
+      </p:pic>
+    </p:spTree>
+    <p:extLst>
+      <p:ext uri="{BB962C8B-B14F-4D97-AF65-F5344CB8AC3E}">
+        <p14:creationId xmlns:p14="http://schemas.microsoft.com/office/powerpoint/2010/main" val="946203669"/>
+      </p:ext>
+    </p:extLst>
+  </p:cSld>
+  <p:clrMapOvr>
+    <a:masterClrMapping/>
+  </p:clrMapOvr>
+</p:sld>
+</file>
+
+<file path=ppt/slides/slide13.xml><?xml version="1.0" encoding="utf-8"?>
+<p:sld xmlns:a="http://schemas.openxmlformats.org/drawingml/2006/main" xmlns:r="http://schemas.openxmlformats.org/officeDocument/2006/relationships" xmlns:p="http://schemas.openxmlformats.org/presentationml/2006/main">
+  <p:cSld>
+    <p:spTree>
+      <p:nvGrpSpPr>
+        <p:cNvPr id="1" name="Shape 332"/>
+        <p:cNvGrpSpPr/>
+        <p:nvPr/>
+      </p:nvGrpSpPr>
+      <p:grpSpPr>
+        <a:xfrm>
+          <a:off x="0" y="0"/>
+          <a:ext cx="0" cy="0"/>
+          <a:chOff x="0" y="0"/>
+          <a:chExt cx="0" cy="0"/>
+        </a:xfrm>
+      </p:grpSpPr>
+      <p:sp>
+        <p:nvSpPr>
+          <p:cNvPr id="333" name="Google Shape;333;p15"/>
+          <p:cNvSpPr txBox="1">
+            <a:spLocks noGrp="1"/>
+          </p:cNvSpPr>
+          <p:nvPr>
+            <p:ph type="ctrTitle"/>
+          </p:nvPr>
+        </p:nvSpPr>
+        <p:spPr>
+          <a:xfrm>
+            <a:off x="2027625" y="1629397"/>
+            <a:ext cx="5088600" cy="1159800"/>
+          </a:xfrm>
+          <a:prstGeom prst="rect">
+            <a:avLst/>
+          </a:prstGeom>
+        </p:spPr>
+        <p:txBody>
+          <a:bodyPr spcFirstLastPara="1" wrap="square" lIns="0" tIns="0" rIns="0" bIns="0" anchor="b" anchorCtr="0">
+            <a:noAutofit/>
+          </a:bodyPr>
+          <a:lstStyle/>
+          <a:p>
+            <a:pPr marL="0" lvl="0" indent="0" algn="l" rtl="0">
+              <a:spcBef>
+                <a:spcPts val="0"/>
+              </a:spcBef>
+              <a:spcAft>
+                <a:spcPts val="0"/>
+              </a:spcAft>
+              <a:buNone/>
+            </a:pPr>
+            <a:r>
+              <a:rPr lang="en" dirty="0">
+                <a:solidFill>
+                  <a:schemeClr val="accent2"/>
+                </a:solidFill>
+              </a:rPr>
+              <a:t>6.</a:t>
+            </a:r>
+            <a:endParaRPr lang="en-US" dirty="0">
+              <a:solidFill>
+                <a:schemeClr val="accent2"/>
+              </a:solidFill>
+            </a:endParaRPr>
+          </a:p>
+          <a:p>
+            <a:pPr marL="0" lvl="0" indent="0" algn="l" rtl="0">
+              <a:spcBef>
+                <a:spcPts val="0"/>
+              </a:spcBef>
+              <a:spcAft>
+                <a:spcPts val="0"/>
+              </a:spcAft>
+              <a:buNone/>
+            </a:pPr>
+            <a:r>
+              <a:rPr lang="en-US" dirty="0"/>
+              <a:t>WORLD AVERAGE POLLUTION</a:t>
+            </a:r>
+          </a:p>
+        </p:txBody>
+      </p:sp>
+      <p:sp>
+        <p:nvSpPr>
+          <p:cNvPr id="334" name="Google Shape;334;p15"/>
+          <p:cNvSpPr txBox="1">
+            <a:spLocks noGrp="1"/>
+          </p:cNvSpPr>
+          <p:nvPr>
+            <p:ph type="subTitle" idx="1"/>
+          </p:nvPr>
+        </p:nvSpPr>
+        <p:spPr>
+          <a:xfrm>
+            <a:off x="2027625" y="2886101"/>
+            <a:ext cx="5088600" cy="784800"/>
+          </a:xfrm>
+          <a:prstGeom prst="rect">
+            <a:avLst/>
+          </a:prstGeom>
+        </p:spPr>
+        <p:txBody>
+          <a:bodyPr spcFirstLastPara="1" wrap="square" lIns="0" tIns="0" rIns="0" bIns="0" anchor="t" anchorCtr="0">
+            <a:noAutofit/>
+          </a:bodyPr>
+          <a:lstStyle/>
+          <a:p>
+            <a:pPr marL="0" lvl="0" indent="0"/>
+            <a:r>
+              <a:rPr lang="en-US" dirty="0"/>
+              <a:t>CO2 emissions (metric tons per capita)</a:t>
+            </a:r>
+          </a:p>
+        </p:txBody>
+      </p:sp>
+    </p:spTree>
+    <p:extLst>
+      <p:ext uri="{BB962C8B-B14F-4D97-AF65-F5344CB8AC3E}">
+        <p14:creationId xmlns:p14="http://schemas.microsoft.com/office/powerpoint/2010/main" val="468078079"/>
+      </p:ext>
+    </p:extLst>
+  </p:cSld>
+  <p:clrMapOvr>
+    <a:masterClrMapping/>
+  </p:clrMapOvr>
+</p:sld>
+</file>
+
+<file path=ppt/slides/slide14.xml><?xml version="1.0" encoding="utf-8"?>
+<p:sld xmlns:a="http://schemas.openxmlformats.org/drawingml/2006/main" xmlns:r="http://schemas.openxmlformats.org/officeDocument/2006/relationships" xmlns:p="http://schemas.openxmlformats.org/presentationml/2006/main">
+  <p:cSld>
+    <p:bg>
+      <p:bgPr>
+        <a:gradFill>
+          <a:gsLst>
+            <a:gs pos="0">
+              <a:srgbClr val="F4F7FF"/>
+            </a:gs>
+            <a:gs pos="62000">
+              <a:srgbClr val="CCD4EB"/>
+            </a:gs>
+            <a:gs pos="100000">
+              <a:schemeClr val="accent2"/>
+            </a:gs>
+          </a:gsLst>
+          <a:path path="circle">
+            <a:fillToRect r="100000" b="100000"/>
+          </a:path>
+          <a:tileRect l="-100000" t="-100000"/>
+        </a:gradFill>
+        <a:effectLst/>
+      </p:bgPr>
+    </p:bg>
+    <p:spTree>
+      <p:nvGrpSpPr>
+        <p:cNvPr id="1" name="Shape 546"/>
+        <p:cNvGrpSpPr/>
+        <p:nvPr/>
+      </p:nvGrpSpPr>
+      <p:grpSpPr>
+        <a:xfrm>
+          <a:off x="0" y="0"/>
+          <a:ext cx="0" cy="0"/>
+          <a:chOff x="0" y="0"/>
+          <a:chExt cx="0" cy="0"/>
+        </a:xfrm>
+      </p:grpSpPr>
+      <p:sp>
+        <p:nvSpPr>
+          <p:cNvPr id="547" name="Google Shape;547;p33"/>
+          <p:cNvSpPr/>
+          <p:nvPr/>
+        </p:nvSpPr>
+        <p:spPr>
+          <a:xfrm>
+            <a:off x="2425751" y="468751"/>
+            <a:ext cx="6389374" cy="4112923"/>
+          </a:xfrm>
+          <a:custGeom>
+            <a:avLst/>
+            <a:gdLst/>
+            <a:ahLst/>
+            <a:cxnLst/>
+            <a:rect l="l" t="t" r="r" b="b"/>
+            <a:pathLst>
+              <a:path w="143434" h="111665" extrusionOk="0">
+                <a:moveTo>
+                  <a:pt x="71751" y="2308"/>
+                </a:moveTo>
+                <a:lnTo>
+                  <a:pt x="71887" y="2376"/>
+                </a:lnTo>
+                <a:lnTo>
+                  <a:pt x="72091" y="2444"/>
+                </a:lnTo>
+                <a:lnTo>
+                  <a:pt x="72159" y="2647"/>
+                </a:lnTo>
+                <a:lnTo>
+                  <a:pt x="72226" y="2783"/>
+                </a:lnTo>
+                <a:lnTo>
+                  <a:pt x="72159" y="2987"/>
+                </a:lnTo>
+                <a:lnTo>
+                  <a:pt x="72091" y="3190"/>
+                </a:lnTo>
+                <a:lnTo>
+                  <a:pt x="71887" y="3258"/>
+                </a:lnTo>
+                <a:lnTo>
+                  <a:pt x="71751" y="3326"/>
+                </a:lnTo>
+                <a:lnTo>
+                  <a:pt x="71548" y="3258"/>
+                </a:lnTo>
+                <a:lnTo>
+                  <a:pt x="71344" y="3190"/>
+                </a:lnTo>
+                <a:lnTo>
+                  <a:pt x="71276" y="2987"/>
+                </a:lnTo>
+                <a:lnTo>
+                  <a:pt x="71208" y="2783"/>
+                </a:lnTo>
+                <a:lnTo>
+                  <a:pt x="71276" y="2647"/>
+                </a:lnTo>
+                <a:lnTo>
+                  <a:pt x="71344" y="2444"/>
+                </a:lnTo>
+                <a:lnTo>
+                  <a:pt x="71548" y="2376"/>
+                </a:lnTo>
+                <a:lnTo>
+                  <a:pt x="71751" y="2308"/>
+                </a:lnTo>
+                <a:close/>
+                <a:moveTo>
+                  <a:pt x="137528" y="5906"/>
+                </a:moveTo>
+                <a:lnTo>
+                  <a:pt x="137596" y="5974"/>
+                </a:lnTo>
+                <a:lnTo>
+                  <a:pt x="137596" y="89604"/>
+                </a:lnTo>
+                <a:lnTo>
+                  <a:pt x="5906" y="89604"/>
+                </a:lnTo>
+                <a:lnTo>
+                  <a:pt x="5906" y="5974"/>
+                </a:lnTo>
+                <a:lnTo>
+                  <a:pt x="5906" y="5906"/>
+                </a:lnTo>
+                <a:close/>
+                <a:moveTo>
+                  <a:pt x="3530" y="0"/>
+                </a:moveTo>
+                <a:lnTo>
+                  <a:pt x="3191" y="68"/>
+                </a:lnTo>
+                <a:lnTo>
+                  <a:pt x="2444" y="339"/>
+                </a:lnTo>
+                <a:lnTo>
+                  <a:pt x="1766" y="679"/>
+                </a:lnTo>
+                <a:lnTo>
+                  <a:pt x="1155" y="1154"/>
+                </a:lnTo>
+                <a:lnTo>
+                  <a:pt x="679" y="1765"/>
+                </a:lnTo>
+                <a:lnTo>
+                  <a:pt x="272" y="2444"/>
+                </a:lnTo>
+                <a:lnTo>
+                  <a:pt x="69" y="3190"/>
+                </a:lnTo>
+                <a:lnTo>
+                  <a:pt x="1" y="3598"/>
+                </a:lnTo>
+                <a:lnTo>
+                  <a:pt x="1" y="4005"/>
+                </a:lnTo>
+                <a:lnTo>
+                  <a:pt x="1" y="91572"/>
+                </a:lnTo>
+                <a:lnTo>
+                  <a:pt x="1" y="91979"/>
+                </a:lnTo>
+                <a:lnTo>
+                  <a:pt x="69" y="92319"/>
+                </a:lnTo>
+                <a:lnTo>
+                  <a:pt x="272" y="93065"/>
+                </a:lnTo>
+                <a:lnTo>
+                  <a:pt x="679" y="93744"/>
+                </a:lnTo>
+                <a:lnTo>
+                  <a:pt x="1155" y="94355"/>
+                </a:lnTo>
+                <a:lnTo>
+                  <a:pt x="1766" y="94830"/>
+                </a:lnTo>
+                <a:lnTo>
+                  <a:pt x="2444" y="95238"/>
+                </a:lnTo>
+                <a:lnTo>
+                  <a:pt x="3191" y="95441"/>
+                </a:lnTo>
+                <a:lnTo>
+                  <a:pt x="3530" y="95509"/>
+                </a:lnTo>
+                <a:lnTo>
+                  <a:pt x="139904" y="95509"/>
+                </a:lnTo>
+                <a:lnTo>
+                  <a:pt x="140311" y="95441"/>
+                </a:lnTo>
+                <a:lnTo>
+                  <a:pt x="141058" y="95238"/>
+                </a:lnTo>
+                <a:lnTo>
+                  <a:pt x="141737" y="94830"/>
+                </a:lnTo>
+                <a:lnTo>
+                  <a:pt x="142280" y="94355"/>
+                </a:lnTo>
+                <a:lnTo>
+                  <a:pt x="142755" y="93744"/>
+                </a:lnTo>
+                <a:lnTo>
+                  <a:pt x="143162" y="93065"/>
+                </a:lnTo>
+                <a:lnTo>
+                  <a:pt x="143366" y="92319"/>
+                </a:lnTo>
+                <a:lnTo>
+                  <a:pt x="143434" y="91979"/>
+                </a:lnTo>
+                <a:lnTo>
+                  <a:pt x="143434" y="91572"/>
+                </a:lnTo>
+                <a:lnTo>
+                  <a:pt x="143434" y="4005"/>
+                </a:lnTo>
+                <a:lnTo>
+                  <a:pt x="143434" y="3598"/>
+                </a:lnTo>
+                <a:lnTo>
+                  <a:pt x="143366" y="3190"/>
+                </a:lnTo>
+                <a:lnTo>
+                  <a:pt x="143162" y="2444"/>
+                </a:lnTo>
+                <a:lnTo>
+                  <a:pt x="142755" y="1765"/>
+                </a:lnTo>
+                <a:lnTo>
+                  <a:pt x="142280" y="1154"/>
+                </a:lnTo>
+                <a:lnTo>
+                  <a:pt x="141737" y="679"/>
+                </a:lnTo>
+                <a:lnTo>
+                  <a:pt x="141058" y="339"/>
+                </a:lnTo>
+                <a:lnTo>
+                  <a:pt x="140311" y="68"/>
+                </a:lnTo>
+                <a:lnTo>
+                  <a:pt x="139904" y="0"/>
+                </a:lnTo>
+                <a:close/>
+                <a:moveTo>
+                  <a:pt x="55324" y="95713"/>
+                </a:moveTo>
+                <a:lnTo>
+                  <a:pt x="55052" y="98971"/>
+                </a:lnTo>
+                <a:lnTo>
+                  <a:pt x="54713" y="102297"/>
+                </a:lnTo>
+                <a:lnTo>
+                  <a:pt x="54374" y="105284"/>
+                </a:lnTo>
+                <a:lnTo>
+                  <a:pt x="53966" y="107388"/>
+                </a:lnTo>
+                <a:lnTo>
+                  <a:pt x="53763" y="108203"/>
+                </a:lnTo>
+                <a:lnTo>
+                  <a:pt x="53627" y="108746"/>
+                </a:lnTo>
+                <a:lnTo>
+                  <a:pt x="53423" y="109153"/>
+                </a:lnTo>
+                <a:lnTo>
+                  <a:pt x="53220" y="109357"/>
+                </a:lnTo>
+                <a:lnTo>
+                  <a:pt x="52677" y="109493"/>
+                </a:lnTo>
+                <a:lnTo>
+                  <a:pt x="51794" y="109696"/>
+                </a:lnTo>
+                <a:lnTo>
+                  <a:pt x="49690" y="110036"/>
+                </a:lnTo>
+                <a:lnTo>
+                  <a:pt x="48061" y="110307"/>
+                </a:lnTo>
+                <a:lnTo>
+                  <a:pt x="47450" y="110443"/>
+                </a:lnTo>
+                <a:lnTo>
+                  <a:pt x="47110" y="110511"/>
+                </a:lnTo>
+                <a:lnTo>
+                  <a:pt x="47042" y="110579"/>
+                </a:lnTo>
+                <a:lnTo>
+                  <a:pt x="47042" y="110783"/>
+                </a:lnTo>
+                <a:lnTo>
+                  <a:pt x="47110" y="110850"/>
+                </a:lnTo>
+                <a:lnTo>
+                  <a:pt x="47585" y="110918"/>
+                </a:lnTo>
+                <a:lnTo>
+                  <a:pt x="48400" y="110986"/>
+                </a:lnTo>
+                <a:lnTo>
+                  <a:pt x="51387" y="111054"/>
+                </a:lnTo>
+                <a:lnTo>
+                  <a:pt x="56071" y="111122"/>
+                </a:lnTo>
+                <a:lnTo>
+                  <a:pt x="87092" y="111122"/>
+                </a:lnTo>
+                <a:lnTo>
+                  <a:pt x="91708" y="111054"/>
+                </a:lnTo>
+                <a:lnTo>
+                  <a:pt x="94695" y="110986"/>
+                </a:lnTo>
+                <a:lnTo>
+                  <a:pt x="95578" y="110918"/>
+                </a:lnTo>
+                <a:lnTo>
+                  <a:pt x="96053" y="110850"/>
+                </a:lnTo>
+                <a:lnTo>
+                  <a:pt x="96121" y="110783"/>
+                </a:lnTo>
+                <a:lnTo>
+                  <a:pt x="96121" y="110579"/>
+                </a:lnTo>
+                <a:lnTo>
+                  <a:pt x="96053" y="110511"/>
+                </a:lnTo>
+                <a:lnTo>
+                  <a:pt x="95713" y="110443"/>
+                </a:lnTo>
+                <a:lnTo>
+                  <a:pt x="95102" y="110307"/>
+                </a:lnTo>
+                <a:lnTo>
+                  <a:pt x="93473" y="110036"/>
+                </a:lnTo>
+                <a:lnTo>
+                  <a:pt x="91369" y="109696"/>
+                </a:lnTo>
+                <a:lnTo>
+                  <a:pt x="90487" y="109493"/>
+                </a:lnTo>
+                <a:lnTo>
+                  <a:pt x="89943" y="109357"/>
+                </a:lnTo>
+                <a:lnTo>
+                  <a:pt x="89740" y="109153"/>
+                </a:lnTo>
+                <a:lnTo>
+                  <a:pt x="89536" y="108746"/>
+                </a:lnTo>
+                <a:lnTo>
+                  <a:pt x="89333" y="108203"/>
+                </a:lnTo>
+                <a:lnTo>
+                  <a:pt x="89197" y="107388"/>
+                </a:lnTo>
+                <a:lnTo>
+                  <a:pt x="88789" y="105284"/>
+                </a:lnTo>
+                <a:lnTo>
+                  <a:pt x="88382" y="102297"/>
+                </a:lnTo>
+                <a:lnTo>
+                  <a:pt x="88043" y="98971"/>
+                </a:lnTo>
+                <a:lnTo>
+                  <a:pt x="87839" y="95713"/>
+                </a:lnTo>
+                <a:close/>
+                <a:moveTo>
+                  <a:pt x="47450" y="111054"/>
+                </a:moveTo>
+                <a:lnTo>
+                  <a:pt x="47450" y="111122"/>
+                </a:lnTo>
+                <a:lnTo>
+                  <a:pt x="47450" y="111393"/>
+                </a:lnTo>
+                <a:lnTo>
+                  <a:pt x="47518" y="111461"/>
+                </a:lnTo>
+                <a:lnTo>
+                  <a:pt x="48807" y="111529"/>
+                </a:lnTo>
+                <a:lnTo>
+                  <a:pt x="52473" y="111597"/>
+                </a:lnTo>
+                <a:lnTo>
+                  <a:pt x="62384" y="111665"/>
+                </a:lnTo>
+                <a:lnTo>
+                  <a:pt x="80779" y="111665"/>
+                </a:lnTo>
+                <a:lnTo>
+                  <a:pt x="90622" y="111597"/>
+                </a:lnTo>
+                <a:lnTo>
+                  <a:pt x="94356" y="111529"/>
+                </a:lnTo>
+                <a:lnTo>
+                  <a:pt x="95646" y="111461"/>
+                </a:lnTo>
+                <a:lnTo>
+                  <a:pt x="95713" y="111393"/>
+                </a:lnTo>
+                <a:lnTo>
+                  <a:pt x="95713" y="111122"/>
+                </a:lnTo>
+                <a:lnTo>
+                  <a:pt x="95646" y="111054"/>
+                </a:lnTo>
+                <a:lnTo>
+                  <a:pt x="94084" y="111122"/>
+                </a:lnTo>
+                <a:lnTo>
+                  <a:pt x="91233" y="111190"/>
+                </a:lnTo>
+                <a:lnTo>
+                  <a:pt x="80847" y="111258"/>
+                </a:lnTo>
+                <a:lnTo>
+                  <a:pt x="62316" y="111258"/>
+                </a:lnTo>
+                <a:lnTo>
+                  <a:pt x="51930" y="111190"/>
+                </a:lnTo>
+                <a:lnTo>
+                  <a:pt x="49079" y="111122"/>
+                </a:lnTo>
+                <a:lnTo>
+                  <a:pt x="47518" y="111054"/>
+                </a:lnTo>
+                <a:close/>
+              </a:path>
+            </a:pathLst>
+          </a:custGeom>
+          <a:solidFill>
+            <a:schemeClr val="dk1"/>
+          </a:solidFill>
+          <a:ln>
+            <a:noFill/>
+          </a:ln>
+          <a:effectLst>
+            <a:outerShdw blurRad="171450" dist="38100" dir="5400000" algn="bl" rotWithShape="0">
+              <a:schemeClr val="dk1">
+                <a:alpha val="20000"/>
+              </a:schemeClr>
+            </a:outerShdw>
+          </a:effectLst>
+        </p:spPr>
+        <p:txBody>
+          <a:bodyPr spcFirstLastPara="1" wrap="square" lIns="91425" tIns="91425" rIns="91425" bIns="91425" anchor="ctr" anchorCtr="0">
+            <a:noAutofit/>
+          </a:bodyPr>
+          <a:lstStyle/>
+          <a:p>
+            <a:pPr marL="0" lvl="0" indent="0" algn="l" rtl="0">
+              <a:spcBef>
+                <a:spcPts val="0"/>
+              </a:spcBef>
+              <a:spcAft>
+                <a:spcPts val="0"/>
+              </a:spcAft>
+              <a:buNone/>
+            </a:pPr>
+            <a:endParaRPr/>
+          </a:p>
+        </p:txBody>
+      </p:sp>
+      <p:sp>
+        <p:nvSpPr>
+          <p:cNvPr id="548" name="Google Shape;548;p33"/>
+          <p:cNvSpPr/>
+          <p:nvPr/>
+        </p:nvSpPr>
+        <p:spPr>
+          <a:xfrm>
+            <a:off x="2546375" y="825013"/>
+            <a:ext cx="4518300" cy="2885100"/>
+          </a:xfrm>
+          <a:prstGeom prst="rect">
+            <a:avLst/>
+          </a:prstGeom>
+          <a:noFill/>
+          <a:ln>
+            <a:noFill/>
+          </a:ln>
+        </p:spPr>
+        <p:txBody>
+          <a:bodyPr spcFirstLastPara="1" wrap="square" lIns="91425" tIns="91425" rIns="91425" bIns="91425" anchor="ctr" anchorCtr="0">
+            <a:noAutofit/>
+          </a:bodyPr>
+          <a:lstStyle/>
+          <a:p>
+            <a:pPr marL="0" lvl="0" indent="0" algn="ctr" rtl="0">
+              <a:spcBef>
+                <a:spcPts val="0"/>
+              </a:spcBef>
+              <a:spcAft>
+                <a:spcPts val="0"/>
+              </a:spcAft>
+              <a:buNone/>
+            </a:pPr>
+            <a:r>
+              <a:rPr lang="en" sz="1000" dirty="0">
+                <a:solidFill>
+                  <a:schemeClr val="lt1"/>
+                </a:solidFill>
+                <a:latin typeface="Montserrat"/>
+                <a:ea typeface="Montserrat"/>
+                <a:cs typeface="Montserrat"/>
+                <a:sym typeface="Montserrat"/>
+              </a:rPr>
+              <a:t>Place your screenshot here</a:t>
+            </a:r>
+            <a:endParaRPr sz="1000" dirty="0">
+              <a:solidFill>
+                <a:schemeClr val="lt1"/>
+              </a:solidFill>
+              <a:latin typeface="Montserrat"/>
+              <a:ea typeface="Montserrat"/>
+              <a:cs typeface="Montserrat"/>
+              <a:sym typeface="Montserrat"/>
+            </a:endParaRPr>
+          </a:p>
+        </p:txBody>
+      </p:sp>
+      <p:sp>
+        <p:nvSpPr>
+          <p:cNvPr id="549" name="Google Shape;549;p33"/>
+          <p:cNvSpPr txBox="1">
+            <a:spLocks noGrp="1"/>
+          </p:cNvSpPr>
+          <p:nvPr>
+            <p:ph type="sldNum" idx="12"/>
+          </p:nvPr>
+        </p:nvSpPr>
+        <p:spPr>
+          <a:xfrm>
+            <a:off x="8729400" y="4734075"/>
+            <a:ext cx="414600" cy="409500"/>
+          </a:xfrm>
+          <a:prstGeom prst="rect">
+            <a:avLst/>
+          </a:prstGeom>
+        </p:spPr>
+        <p:txBody>
+          <a:bodyPr spcFirstLastPara="1" wrap="square" lIns="0" tIns="0" rIns="0" bIns="0" anchor="ctr" anchorCtr="0">
+            <a:noAutofit/>
+          </a:bodyPr>
+          <a:lstStyle/>
+          <a:p>
+            <a:pPr marL="0" lvl="0" indent="0" algn="ctr" rtl="0">
+              <a:spcBef>
+                <a:spcPts val="0"/>
+              </a:spcBef>
+              <a:spcAft>
+                <a:spcPts val="0"/>
+              </a:spcAft>
+              <a:buNone/>
+            </a:pPr>
+            <a:fld id="{00000000-1234-1234-1234-123412341234}" type="slidenum">
+              <a:rPr lang="en"/>
+              <a:t>14</a:t>
+            </a:fld>
+            <a:endParaRPr/>
+          </a:p>
+        </p:txBody>
+      </p:sp>
+      <p:sp>
+        <p:nvSpPr>
+          <p:cNvPr id="550" name="Google Shape;550;p33"/>
+          <p:cNvSpPr txBox="1">
+            <a:spLocks noGrp="1"/>
+          </p:cNvSpPr>
+          <p:nvPr>
+            <p:ph type="body" idx="4294967295"/>
+          </p:nvPr>
+        </p:nvSpPr>
+        <p:spPr>
+          <a:xfrm>
+            <a:off x="209427" y="621150"/>
+            <a:ext cx="2153329" cy="2274449"/>
+          </a:xfrm>
+          <a:prstGeom prst="rect">
+            <a:avLst/>
+          </a:prstGeom>
+        </p:spPr>
+        <p:txBody>
+          <a:bodyPr spcFirstLastPara="1" wrap="square" lIns="0" tIns="0" rIns="0" bIns="0" anchor="t" anchorCtr="0">
+            <a:noAutofit/>
+          </a:bodyPr>
+          <a:lstStyle/>
+          <a:p>
+            <a:pPr marL="0" lvl="0" indent="0" algn="l" rtl="0">
+              <a:spcBef>
+                <a:spcPts val="600"/>
+              </a:spcBef>
+              <a:spcAft>
+                <a:spcPts val="0"/>
+              </a:spcAft>
+              <a:buNone/>
+            </a:pPr>
+            <a:r>
+              <a:rPr lang="en-US" sz="1200" b="1" dirty="0">
+                <a:latin typeface="Poppins"/>
+                <a:ea typeface="Poppins"/>
+                <a:cs typeface="Poppins"/>
+                <a:sym typeface="Poppins"/>
+              </a:rPr>
+              <a:t>CO2 Emissions &amp; Life Expectancy</a:t>
+            </a:r>
+            <a:endParaRPr lang="en-US" sz="1200" dirty="0"/>
+          </a:p>
+          <a:p>
+            <a:pPr marL="228600" indent="-228600"/>
+            <a:r>
+              <a:rPr lang="en-US" sz="1200" dirty="0"/>
+              <a:t>R-Squared: </a:t>
+            </a:r>
+            <a:r>
+              <a:rPr lang="en-US" sz="1200" dirty="0">
+                <a:solidFill>
+                  <a:srgbClr val="000000"/>
+                </a:solidFill>
+                <a:latin typeface="Courier New" panose="02070309020205020404" pitchFamily="49" charset="0"/>
+              </a:rPr>
+              <a:t>0.843862840857235</a:t>
+            </a:r>
+            <a:endParaRPr lang="en-US" sz="1200" dirty="0"/>
+          </a:p>
+          <a:p>
+            <a:pPr marL="228600" indent="-228600"/>
+            <a:r>
+              <a:rPr lang="en-US" sz="1200" dirty="0"/>
+              <a:t>P-Value: </a:t>
+            </a:r>
+            <a:r>
+              <a:rPr lang="en-US" sz="1200" dirty="0">
+                <a:solidFill>
+                  <a:srgbClr val="000000"/>
+                </a:solidFill>
+                <a:latin typeface="Courier New" panose="02070309020205020404" pitchFamily="49" charset="0"/>
+              </a:rPr>
+              <a:t>9.44890708619281E-11</a:t>
+            </a:r>
+          </a:p>
+          <a:p>
+            <a:pPr marL="228600" indent="-228600"/>
+            <a:endParaRPr sz="1200" dirty="0"/>
+          </a:p>
+        </p:txBody>
+      </p:sp>
+      <p:pic>
+        <p:nvPicPr>
+          <p:cNvPr id="3" name="Picture 2">
+            <a:extLst>
+              <a:ext uri="{FF2B5EF4-FFF2-40B4-BE49-F238E27FC236}">
+                <a16:creationId xmlns:a16="http://schemas.microsoft.com/office/drawing/2014/main" id="{CD4D2F0B-D3D5-43F5-A436-2B35DECB1D21}"/>
+              </a:ext>
+            </a:extLst>
+          </p:cNvPr>
+          <p:cNvPicPr>
+            <a:picLocks noChangeAspect="1"/>
+          </p:cNvPicPr>
+          <p:nvPr/>
+        </p:nvPicPr>
+        <p:blipFill rotWithShape="1">
+          <a:blip r:embed="rId3"/>
+          <a:srcRect l="7227" t="6879" r="5109" b="10002"/>
+          <a:stretch/>
+        </p:blipFill>
+        <p:spPr>
+          <a:xfrm>
+            <a:off x="2685903" y="687149"/>
+            <a:ext cx="5874084" cy="3077242"/>
+          </a:xfrm>
+          <a:prstGeom prst="rect">
+            <a:avLst/>
+          </a:prstGeom>
+        </p:spPr>
+      </p:pic>
+    </p:spTree>
+    <p:extLst>
+      <p:ext uri="{BB962C8B-B14F-4D97-AF65-F5344CB8AC3E}">
+        <p14:creationId xmlns:p14="http://schemas.microsoft.com/office/powerpoint/2010/main" val="1749646529"/>
+      </p:ext>
+    </p:extLst>
+  </p:cSld>
+  <p:clrMapOvr>
+    <a:masterClrMapping/>
+  </p:clrMapOvr>
+</p:sld>
+</file>
+
+<file path=ppt/slides/slide15.xml><?xml version="1.0" encoding="utf-8"?>
+<p:sld xmlns:a="http://schemas.openxmlformats.org/drawingml/2006/main" xmlns:r="http://schemas.openxmlformats.org/officeDocument/2006/relationships" xmlns:p="http://schemas.openxmlformats.org/presentationml/2006/main">
+  <p:cSld>
+    <p:spTree>
+      <p:nvGrpSpPr>
+        <p:cNvPr id="1" name="Shape 332"/>
+        <p:cNvGrpSpPr/>
+        <p:nvPr/>
+      </p:nvGrpSpPr>
+      <p:grpSpPr>
+        <a:xfrm>
+          <a:off x="0" y="0"/>
+          <a:ext cx="0" cy="0"/>
+          <a:chOff x="0" y="0"/>
+          <a:chExt cx="0" cy="0"/>
+        </a:xfrm>
+      </p:grpSpPr>
+      <p:sp>
+        <p:nvSpPr>
+          <p:cNvPr id="333" name="Google Shape;333;p15"/>
+          <p:cNvSpPr txBox="1">
+            <a:spLocks noGrp="1"/>
+          </p:cNvSpPr>
+          <p:nvPr>
+            <p:ph type="ctrTitle"/>
+          </p:nvPr>
+        </p:nvSpPr>
+        <p:spPr>
+          <a:xfrm>
+            <a:off x="2027625" y="1629397"/>
+            <a:ext cx="5088600" cy="1159800"/>
+          </a:xfrm>
+          <a:prstGeom prst="rect">
+            <a:avLst/>
+          </a:prstGeom>
+        </p:spPr>
+        <p:txBody>
+          <a:bodyPr spcFirstLastPara="1" wrap="square" lIns="0" tIns="0" rIns="0" bIns="0" anchor="b" anchorCtr="0">
+            <a:noAutofit/>
+          </a:bodyPr>
+          <a:lstStyle/>
+          <a:p>
+            <a:pPr marL="0" lvl="0" indent="0" algn="l" rtl="0">
+              <a:spcBef>
+                <a:spcPts val="0"/>
+              </a:spcBef>
+              <a:spcAft>
+                <a:spcPts val="0"/>
+              </a:spcAft>
+              <a:buNone/>
+            </a:pPr>
+            <a:r>
+              <a:rPr lang="en" dirty="0">
+                <a:solidFill>
+                  <a:schemeClr val="accent2"/>
+                </a:solidFill>
+              </a:rPr>
+              <a:t>7.</a:t>
+            </a:r>
+            <a:endParaRPr lang="en-US" dirty="0">
+              <a:solidFill>
+                <a:schemeClr val="accent2"/>
+              </a:solidFill>
+            </a:endParaRPr>
+          </a:p>
+          <a:p>
+            <a:pPr marL="0" lvl="0" indent="0" algn="l" rtl="0">
+              <a:spcBef>
+                <a:spcPts val="0"/>
+              </a:spcBef>
+              <a:spcAft>
+                <a:spcPts val="0"/>
+              </a:spcAft>
+              <a:buNone/>
+            </a:pPr>
+            <a:r>
+              <a:rPr lang="en-US" dirty="0"/>
+              <a:t>UNDERNOURISHED POPULATION</a:t>
+            </a:r>
+          </a:p>
+        </p:txBody>
+      </p:sp>
+      <p:sp>
+        <p:nvSpPr>
+          <p:cNvPr id="334" name="Google Shape;334;p15"/>
+          <p:cNvSpPr txBox="1">
+            <a:spLocks noGrp="1"/>
+          </p:cNvSpPr>
+          <p:nvPr>
+            <p:ph type="subTitle" idx="1"/>
+          </p:nvPr>
+        </p:nvSpPr>
+        <p:spPr>
+          <a:xfrm>
+            <a:off x="2027625" y="2886101"/>
+            <a:ext cx="5088600" cy="784800"/>
+          </a:xfrm>
+          <a:prstGeom prst="rect">
+            <a:avLst/>
+          </a:prstGeom>
+        </p:spPr>
+        <p:txBody>
+          <a:bodyPr spcFirstLastPara="1" wrap="square" lIns="0" tIns="0" rIns="0" bIns="0" anchor="t" anchorCtr="0">
+            <a:noAutofit/>
+          </a:bodyPr>
+          <a:lstStyle/>
+          <a:p>
+            <a:pPr marL="0" lvl="0" indent="0"/>
+            <a:r>
+              <a:rPr lang="en-US" dirty="0"/>
+              <a:t>Undernourished (% of population)</a:t>
+            </a:r>
+          </a:p>
+        </p:txBody>
+      </p:sp>
+    </p:spTree>
+    <p:extLst>
+      <p:ext uri="{BB962C8B-B14F-4D97-AF65-F5344CB8AC3E}">
+        <p14:creationId xmlns:p14="http://schemas.microsoft.com/office/powerpoint/2010/main" val="389932125"/>
+      </p:ext>
+    </p:extLst>
+  </p:cSld>
+  <p:clrMapOvr>
+    <a:masterClrMapping/>
+  </p:clrMapOvr>
+</p:sld>
+</file>
+
+<file path=ppt/slides/slide16.xml><?xml version="1.0" encoding="utf-8"?>
+<p:sld xmlns:a="http://schemas.openxmlformats.org/drawingml/2006/main" xmlns:r="http://schemas.openxmlformats.org/officeDocument/2006/relationships" xmlns:p="http://schemas.openxmlformats.org/presentationml/2006/main">
+  <p:cSld>
+    <p:bg>
+      <p:bgPr>
+        <a:gradFill>
+          <a:gsLst>
+            <a:gs pos="0">
+              <a:srgbClr val="F4F7FF"/>
+            </a:gs>
+            <a:gs pos="62000">
+              <a:srgbClr val="CCD4EB"/>
+            </a:gs>
+            <a:gs pos="100000">
+              <a:schemeClr val="accent2"/>
+            </a:gs>
+          </a:gsLst>
+          <a:path path="circle">
+            <a:fillToRect r="100000" b="100000"/>
+          </a:path>
+          <a:tileRect l="-100000" t="-100000"/>
+        </a:gradFill>
+        <a:effectLst/>
+      </p:bgPr>
+    </p:bg>
+    <p:spTree>
+      <p:nvGrpSpPr>
+        <p:cNvPr id="1" name="Shape 546"/>
+        <p:cNvGrpSpPr/>
+        <p:nvPr/>
+      </p:nvGrpSpPr>
+      <p:grpSpPr>
+        <a:xfrm>
+          <a:off x="0" y="0"/>
+          <a:ext cx="0" cy="0"/>
+          <a:chOff x="0" y="0"/>
+          <a:chExt cx="0" cy="0"/>
+        </a:xfrm>
+      </p:grpSpPr>
+      <p:sp>
+        <p:nvSpPr>
+          <p:cNvPr id="547" name="Google Shape;547;p33"/>
+          <p:cNvSpPr/>
+          <p:nvPr/>
+        </p:nvSpPr>
+        <p:spPr>
+          <a:xfrm>
+            <a:off x="2425751" y="468751"/>
+            <a:ext cx="6389374" cy="4112923"/>
+          </a:xfrm>
+          <a:custGeom>
+            <a:avLst/>
+            <a:gdLst/>
+            <a:ahLst/>
+            <a:cxnLst/>
+            <a:rect l="l" t="t" r="r" b="b"/>
+            <a:pathLst>
+              <a:path w="143434" h="111665" extrusionOk="0">
+                <a:moveTo>
+                  <a:pt x="71751" y="2308"/>
+                </a:moveTo>
+                <a:lnTo>
+                  <a:pt x="71887" y="2376"/>
+                </a:lnTo>
+                <a:lnTo>
+                  <a:pt x="72091" y="2444"/>
+                </a:lnTo>
+                <a:lnTo>
+                  <a:pt x="72159" y="2647"/>
+                </a:lnTo>
+                <a:lnTo>
+                  <a:pt x="72226" y="2783"/>
+                </a:lnTo>
+                <a:lnTo>
+                  <a:pt x="72159" y="2987"/>
+                </a:lnTo>
+                <a:lnTo>
+                  <a:pt x="72091" y="3190"/>
+                </a:lnTo>
+                <a:lnTo>
+                  <a:pt x="71887" y="3258"/>
+                </a:lnTo>
+                <a:lnTo>
+                  <a:pt x="71751" y="3326"/>
+                </a:lnTo>
+                <a:lnTo>
+                  <a:pt x="71548" y="3258"/>
+                </a:lnTo>
+                <a:lnTo>
+                  <a:pt x="71344" y="3190"/>
+                </a:lnTo>
+                <a:lnTo>
+                  <a:pt x="71276" y="2987"/>
+                </a:lnTo>
+                <a:lnTo>
+                  <a:pt x="71208" y="2783"/>
+                </a:lnTo>
+                <a:lnTo>
+                  <a:pt x="71276" y="2647"/>
+                </a:lnTo>
+                <a:lnTo>
+                  <a:pt x="71344" y="2444"/>
+                </a:lnTo>
+                <a:lnTo>
+                  <a:pt x="71548" y="2376"/>
+                </a:lnTo>
+                <a:lnTo>
+                  <a:pt x="71751" y="2308"/>
+                </a:lnTo>
+                <a:close/>
+                <a:moveTo>
+                  <a:pt x="137528" y="5906"/>
+                </a:moveTo>
+                <a:lnTo>
+                  <a:pt x="137596" y="5974"/>
+                </a:lnTo>
+                <a:lnTo>
+                  <a:pt x="137596" y="89604"/>
+                </a:lnTo>
+                <a:lnTo>
+                  <a:pt x="5906" y="89604"/>
+                </a:lnTo>
+                <a:lnTo>
+                  <a:pt x="5906" y="5974"/>
+                </a:lnTo>
+                <a:lnTo>
+                  <a:pt x="5906" y="5906"/>
+                </a:lnTo>
+                <a:close/>
+                <a:moveTo>
+                  <a:pt x="3530" y="0"/>
+                </a:moveTo>
+                <a:lnTo>
+                  <a:pt x="3191" y="68"/>
+                </a:lnTo>
+                <a:lnTo>
+                  <a:pt x="2444" y="339"/>
+                </a:lnTo>
+                <a:lnTo>
+                  <a:pt x="1766" y="679"/>
+                </a:lnTo>
+                <a:lnTo>
+                  <a:pt x="1155" y="1154"/>
+                </a:lnTo>
+                <a:lnTo>
+                  <a:pt x="679" y="1765"/>
+                </a:lnTo>
+                <a:lnTo>
+                  <a:pt x="272" y="2444"/>
+                </a:lnTo>
+                <a:lnTo>
+                  <a:pt x="69" y="3190"/>
+                </a:lnTo>
+                <a:lnTo>
+                  <a:pt x="1" y="3598"/>
+                </a:lnTo>
+                <a:lnTo>
+                  <a:pt x="1" y="4005"/>
+                </a:lnTo>
+                <a:lnTo>
+                  <a:pt x="1" y="91572"/>
+                </a:lnTo>
+                <a:lnTo>
+                  <a:pt x="1" y="91979"/>
+                </a:lnTo>
+                <a:lnTo>
+                  <a:pt x="69" y="92319"/>
+                </a:lnTo>
+                <a:lnTo>
+                  <a:pt x="272" y="93065"/>
+                </a:lnTo>
+                <a:lnTo>
+                  <a:pt x="679" y="93744"/>
+                </a:lnTo>
+                <a:lnTo>
+                  <a:pt x="1155" y="94355"/>
+                </a:lnTo>
+                <a:lnTo>
+                  <a:pt x="1766" y="94830"/>
+                </a:lnTo>
+                <a:lnTo>
+                  <a:pt x="2444" y="95238"/>
+                </a:lnTo>
+                <a:lnTo>
+                  <a:pt x="3191" y="95441"/>
+                </a:lnTo>
+                <a:lnTo>
+                  <a:pt x="3530" y="95509"/>
+                </a:lnTo>
+                <a:lnTo>
+                  <a:pt x="139904" y="95509"/>
+                </a:lnTo>
+                <a:lnTo>
+                  <a:pt x="140311" y="95441"/>
+                </a:lnTo>
+                <a:lnTo>
+                  <a:pt x="141058" y="95238"/>
+                </a:lnTo>
+                <a:lnTo>
+                  <a:pt x="141737" y="94830"/>
+                </a:lnTo>
+                <a:lnTo>
+                  <a:pt x="142280" y="94355"/>
+                </a:lnTo>
+                <a:lnTo>
+                  <a:pt x="142755" y="93744"/>
+                </a:lnTo>
+                <a:lnTo>
+                  <a:pt x="143162" y="93065"/>
+                </a:lnTo>
+                <a:lnTo>
+                  <a:pt x="143366" y="92319"/>
+                </a:lnTo>
+                <a:lnTo>
+                  <a:pt x="143434" y="91979"/>
+                </a:lnTo>
+                <a:lnTo>
+                  <a:pt x="143434" y="91572"/>
+                </a:lnTo>
+                <a:lnTo>
+                  <a:pt x="143434" y="4005"/>
+                </a:lnTo>
+                <a:lnTo>
+                  <a:pt x="143434" y="3598"/>
+                </a:lnTo>
+                <a:lnTo>
+                  <a:pt x="143366" y="3190"/>
+                </a:lnTo>
+                <a:lnTo>
+                  <a:pt x="143162" y="2444"/>
+                </a:lnTo>
+                <a:lnTo>
+                  <a:pt x="142755" y="1765"/>
+                </a:lnTo>
+                <a:lnTo>
+                  <a:pt x="142280" y="1154"/>
+                </a:lnTo>
+                <a:lnTo>
+                  <a:pt x="141737" y="679"/>
+                </a:lnTo>
+                <a:lnTo>
+                  <a:pt x="141058" y="339"/>
+                </a:lnTo>
+                <a:lnTo>
+                  <a:pt x="140311" y="68"/>
+                </a:lnTo>
+                <a:lnTo>
+                  <a:pt x="139904" y="0"/>
+                </a:lnTo>
+                <a:close/>
+                <a:moveTo>
+                  <a:pt x="55324" y="95713"/>
+                </a:moveTo>
+                <a:lnTo>
+                  <a:pt x="55052" y="98971"/>
+                </a:lnTo>
+                <a:lnTo>
+                  <a:pt x="54713" y="102297"/>
+                </a:lnTo>
+                <a:lnTo>
+                  <a:pt x="54374" y="105284"/>
+                </a:lnTo>
+                <a:lnTo>
+                  <a:pt x="53966" y="107388"/>
+                </a:lnTo>
+                <a:lnTo>
+                  <a:pt x="53763" y="108203"/>
+                </a:lnTo>
+                <a:lnTo>
+                  <a:pt x="53627" y="108746"/>
+                </a:lnTo>
+                <a:lnTo>
+                  <a:pt x="53423" y="109153"/>
+                </a:lnTo>
+                <a:lnTo>
+                  <a:pt x="53220" y="109357"/>
+                </a:lnTo>
+                <a:lnTo>
+                  <a:pt x="52677" y="109493"/>
+                </a:lnTo>
+                <a:lnTo>
+                  <a:pt x="51794" y="109696"/>
+                </a:lnTo>
+                <a:lnTo>
+                  <a:pt x="49690" y="110036"/>
+                </a:lnTo>
+                <a:lnTo>
+                  <a:pt x="48061" y="110307"/>
+                </a:lnTo>
+                <a:lnTo>
+                  <a:pt x="47450" y="110443"/>
+                </a:lnTo>
+                <a:lnTo>
+                  <a:pt x="47110" y="110511"/>
+                </a:lnTo>
+                <a:lnTo>
+                  <a:pt x="47042" y="110579"/>
+                </a:lnTo>
+                <a:lnTo>
+                  <a:pt x="47042" y="110783"/>
+                </a:lnTo>
+                <a:lnTo>
+                  <a:pt x="47110" y="110850"/>
+                </a:lnTo>
+                <a:lnTo>
+                  <a:pt x="47585" y="110918"/>
+                </a:lnTo>
+                <a:lnTo>
+                  <a:pt x="48400" y="110986"/>
+                </a:lnTo>
+                <a:lnTo>
+                  <a:pt x="51387" y="111054"/>
+                </a:lnTo>
+                <a:lnTo>
+                  <a:pt x="56071" y="111122"/>
+                </a:lnTo>
+                <a:lnTo>
+                  <a:pt x="87092" y="111122"/>
+                </a:lnTo>
+                <a:lnTo>
+                  <a:pt x="91708" y="111054"/>
+                </a:lnTo>
+                <a:lnTo>
+                  <a:pt x="94695" y="110986"/>
+                </a:lnTo>
+                <a:lnTo>
+                  <a:pt x="95578" y="110918"/>
+                </a:lnTo>
+                <a:lnTo>
+                  <a:pt x="96053" y="110850"/>
+                </a:lnTo>
+                <a:lnTo>
+                  <a:pt x="96121" y="110783"/>
+                </a:lnTo>
+                <a:lnTo>
+                  <a:pt x="96121" y="110579"/>
+                </a:lnTo>
+                <a:lnTo>
+                  <a:pt x="96053" y="110511"/>
+                </a:lnTo>
+                <a:lnTo>
+                  <a:pt x="95713" y="110443"/>
+                </a:lnTo>
+                <a:lnTo>
+                  <a:pt x="95102" y="110307"/>
+                </a:lnTo>
+                <a:lnTo>
+                  <a:pt x="93473" y="110036"/>
+                </a:lnTo>
+                <a:lnTo>
+                  <a:pt x="91369" y="109696"/>
+                </a:lnTo>
+                <a:lnTo>
+                  <a:pt x="90487" y="109493"/>
+                </a:lnTo>
+                <a:lnTo>
+                  <a:pt x="89943" y="109357"/>
+                </a:lnTo>
+                <a:lnTo>
+                  <a:pt x="89740" y="109153"/>
+                </a:lnTo>
+                <a:lnTo>
+                  <a:pt x="89536" y="108746"/>
+                </a:lnTo>
+                <a:lnTo>
+                  <a:pt x="89333" y="108203"/>
+                </a:lnTo>
+                <a:lnTo>
+                  <a:pt x="89197" y="107388"/>
+                </a:lnTo>
+                <a:lnTo>
+                  <a:pt x="88789" y="105284"/>
+                </a:lnTo>
+                <a:lnTo>
+                  <a:pt x="88382" y="102297"/>
+                </a:lnTo>
+                <a:lnTo>
+                  <a:pt x="88043" y="98971"/>
+                </a:lnTo>
+                <a:lnTo>
+                  <a:pt x="87839" y="95713"/>
+                </a:lnTo>
+                <a:close/>
+                <a:moveTo>
+                  <a:pt x="47450" y="111054"/>
+                </a:moveTo>
+                <a:lnTo>
+                  <a:pt x="47450" y="111122"/>
+                </a:lnTo>
+                <a:lnTo>
+                  <a:pt x="47450" y="111393"/>
+                </a:lnTo>
+                <a:lnTo>
+                  <a:pt x="47518" y="111461"/>
+                </a:lnTo>
+                <a:lnTo>
+                  <a:pt x="48807" y="111529"/>
+                </a:lnTo>
+                <a:lnTo>
+                  <a:pt x="52473" y="111597"/>
+                </a:lnTo>
+                <a:lnTo>
+                  <a:pt x="62384" y="111665"/>
+                </a:lnTo>
+                <a:lnTo>
+                  <a:pt x="80779" y="111665"/>
+                </a:lnTo>
+                <a:lnTo>
+                  <a:pt x="90622" y="111597"/>
+                </a:lnTo>
+                <a:lnTo>
+                  <a:pt x="94356" y="111529"/>
+                </a:lnTo>
+                <a:lnTo>
+                  <a:pt x="95646" y="111461"/>
+                </a:lnTo>
+                <a:lnTo>
+                  <a:pt x="95713" y="111393"/>
+                </a:lnTo>
+                <a:lnTo>
+                  <a:pt x="95713" y="111122"/>
+                </a:lnTo>
+                <a:lnTo>
+                  <a:pt x="95646" y="111054"/>
+                </a:lnTo>
+                <a:lnTo>
+                  <a:pt x="94084" y="111122"/>
+                </a:lnTo>
+                <a:lnTo>
+                  <a:pt x="91233" y="111190"/>
+                </a:lnTo>
+                <a:lnTo>
+                  <a:pt x="80847" y="111258"/>
+                </a:lnTo>
+                <a:lnTo>
+                  <a:pt x="62316" y="111258"/>
+                </a:lnTo>
+                <a:lnTo>
+                  <a:pt x="51930" y="111190"/>
+                </a:lnTo>
+                <a:lnTo>
+                  <a:pt x="49079" y="111122"/>
+                </a:lnTo>
+                <a:lnTo>
+                  <a:pt x="47518" y="111054"/>
+                </a:lnTo>
+                <a:close/>
+              </a:path>
+            </a:pathLst>
+          </a:custGeom>
+          <a:solidFill>
+            <a:schemeClr val="dk1"/>
+          </a:solidFill>
+          <a:ln>
+            <a:noFill/>
+          </a:ln>
+          <a:effectLst>
+            <a:outerShdw blurRad="171450" dist="38100" dir="5400000" algn="bl" rotWithShape="0">
+              <a:schemeClr val="dk1">
+                <a:alpha val="20000"/>
+              </a:schemeClr>
+            </a:outerShdw>
+          </a:effectLst>
+        </p:spPr>
+        <p:txBody>
+          <a:bodyPr spcFirstLastPara="1" wrap="square" lIns="91425" tIns="91425" rIns="91425" bIns="91425" anchor="ctr" anchorCtr="0">
+            <a:noAutofit/>
+          </a:bodyPr>
+          <a:lstStyle/>
+          <a:p>
+            <a:pPr marL="0" lvl="0" indent="0" algn="l" rtl="0">
+              <a:spcBef>
+                <a:spcPts val="0"/>
+              </a:spcBef>
+              <a:spcAft>
+                <a:spcPts val="0"/>
+              </a:spcAft>
+              <a:buNone/>
+            </a:pPr>
+            <a:endParaRPr/>
+          </a:p>
+        </p:txBody>
+      </p:sp>
+      <p:sp>
+        <p:nvSpPr>
+          <p:cNvPr id="548" name="Google Shape;548;p33"/>
+          <p:cNvSpPr/>
+          <p:nvPr/>
+        </p:nvSpPr>
+        <p:spPr>
+          <a:xfrm>
+            <a:off x="2546375" y="825013"/>
+            <a:ext cx="4518300" cy="2885100"/>
+          </a:xfrm>
+          <a:prstGeom prst="rect">
+            <a:avLst/>
+          </a:prstGeom>
+          <a:noFill/>
+          <a:ln>
+            <a:noFill/>
+          </a:ln>
+        </p:spPr>
+        <p:txBody>
+          <a:bodyPr spcFirstLastPara="1" wrap="square" lIns="91425" tIns="91425" rIns="91425" bIns="91425" anchor="ctr" anchorCtr="0">
+            <a:noAutofit/>
+          </a:bodyPr>
+          <a:lstStyle/>
+          <a:p>
+            <a:pPr marL="0" lvl="0" indent="0" algn="ctr" rtl="0">
+              <a:spcBef>
+                <a:spcPts val="0"/>
+              </a:spcBef>
+              <a:spcAft>
+                <a:spcPts val="0"/>
+              </a:spcAft>
+              <a:buNone/>
+            </a:pPr>
+            <a:r>
+              <a:rPr lang="en" sz="1000" dirty="0">
+                <a:solidFill>
+                  <a:schemeClr val="lt1"/>
+                </a:solidFill>
+                <a:latin typeface="Montserrat"/>
+                <a:ea typeface="Montserrat"/>
+                <a:cs typeface="Montserrat"/>
+                <a:sym typeface="Montserrat"/>
+              </a:rPr>
+              <a:t>Place your screenshot here</a:t>
+            </a:r>
+            <a:endParaRPr sz="1000" dirty="0">
+              <a:solidFill>
+                <a:schemeClr val="lt1"/>
+              </a:solidFill>
+              <a:latin typeface="Montserrat"/>
+              <a:ea typeface="Montserrat"/>
+              <a:cs typeface="Montserrat"/>
+              <a:sym typeface="Montserrat"/>
+            </a:endParaRPr>
+          </a:p>
+        </p:txBody>
+      </p:sp>
+      <p:sp>
+        <p:nvSpPr>
+          <p:cNvPr id="549" name="Google Shape;549;p33"/>
+          <p:cNvSpPr txBox="1">
+            <a:spLocks noGrp="1"/>
+          </p:cNvSpPr>
+          <p:nvPr>
+            <p:ph type="sldNum" idx="12"/>
+          </p:nvPr>
+        </p:nvSpPr>
+        <p:spPr>
+          <a:xfrm>
+            <a:off x="8729400" y="4734075"/>
+            <a:ext cx="414600" cy="409500"/>
+          </a:xfrm>
+          <a:prstGeom prst="rect">
+            <a:avLst/>
+          </a:prstGeom>
+        </p:spPr>
+        <p:txBody>
+          <a:bodyPr spcFirstLastPara="1" wrap="square" lIns="0" tIns="0" rIns="0" bIns="0" anchor="ctr" anchorCtr="0">
+            <a:noAutofit/>
+          </a:bodyPr>
+          <a:lstStyle/>
+          <a:p>
+            <a:pPr marL="0" lvl="0" indent="0" algn="ctr" rtl="0">
+              <a:spcBef>
+                <a:spcPts val="0"/>
+              </a:spcBef>
+              <a:spcAft>
+                <a:spcPts val="0"/>
+              </a:spcAft>
+              <a:buNone/>
+            </a:pPr>
+            <a:fld id="{00000000-1234-1234-1234-123412341234}" type="slidenum">
+              <a:rPr lang="en"/>
+              <a:t>16</a:t>
+            </a:fld>
+            <a:endParaRPr/>
+          </a:p>
+        </p:txBody>
+      </p:sp>
+      <p:sp>
+        <p:nvSpPr>
+          <p:cNvPr id="550" name="Google Shape;550;p33"/>
+          <p:cNvSpPr txBox="1">
+            <a:spLocks noGrp="1"/>
+          </p:cNvSpPr>
+          <p:nvPr>
+            <p:ph type="body" idx="4294967295"/>
+          </p:nvPr>
+        </p:nvSpPr>
+        <p:spPr>
+          <a:xfrm>
+            <a:off x="209427" y="621150"/>
+            <a:ext cx="2153329" cy="2274449"/>
+          </a:xfrm>
+          <a:prstGeom prst="rect">
+            <a:avLst/>
+          </a:prstGeom>
+        </p:spPr>
+        <p:txBody>
+          <a:bodyPr spcFirstLastPara="1" wrap="square" lIns="0" tIns="0" rIns="0" bIns="0" anchor="t" anchorCtr="0">
+            <a:noAutofit/>
+          </a:bodyPr>
+          <a:lstStyle/>
+          <a:p>
+            <a:pPr marL="0" lvl="0" indent="0" algn="l" rtl="0">
+              <a:spcBef>
+                <a:spcPts val="600"/>
+              </a:spcBef>
+              <a:spcAft>
+                <a:spcPts val="0"/>
+              </a:spcAft>
+              <a:buNone/>
+            </a:pPr>
+            <a:r>
+              <a:rPr lang="en-US" sz="1200" b="1" dirty="0">
+                <a:latin typeface="Poppins"/>
+                <a:ea typeface="Poppins"/>
+                <a:cs typeface="Poppins"/>
+                <a:sym typeface="Poppins"/>
+              </a:rPr>
+              <a:t>CO2 Emissions &amp; Life Expectancy</a:t>
+            </a:r>
+            <a:endParaRPr lang="en-US" sz="1200" dirty="0"/>
+          </a:p>
+          <a:p>
+            <a:pPr marL="228600" indent="-228600"/>
+            <a:r>
+              <a:rPr lang="en-US" sz="1200" dirty="0"/>
+              <a:t>R-Squared: </a:t>
+            </a:r>
+            <a:r>
+              <a:rPr lang="en-US" sz="1200" dirty="0">
+                <a:solidFill>
+                  <a:srgbClr val="000000"/>
+                </a:solidFill>
+                <a:latin typeface="Courier New" panose="02070309020205020404" pitchFamily="49" charset="0"/>
+              </a:rPr>
+              <a:t>0.953909647678448</a:t>
+            </a:r>
+            <a:endParaRPr lang="en-US" sz="1200" dirty="0"/>
+          </a:p>
+          <a:p>
+            <a:pPr marL="228600" indent="-228600"/>
+            <a:r>
+              <a:rPr lang="en-US" sz="1200" dirty="0"/>
+              <a:t>P-Value: </a:t>
+            </a:r>
+            <a:r>
+              <a:rPr lang="en-US" sz="1200" dirty="0">
+                <a:solidFill>
+                  <a:srgbClr val="000000"/>
+                </a:solidFill>
+                <a:latin typeface="Courier New" panose="02070309020205020404" pitchFamily="49" charset="0"/>
+              </a:rPr>
+              <a:t>1.96225905836121E-11</a:t>
+            </a:r>
+          </a:p>
+          <a:p>
+            <a:pPr marL="228600" indent="-228600"/>
+            <a:endParaRPr sz="1200" dirty="0"/>
+          </a:p>
+        </p:txBody>
+      </p:sp>
+      <p:pic>
+        <p:nvPicPr>
+          <p:cNvPr id="4" name="Picture 3">
+            <a:extLst>
+              <a:ext uri="{FF2B5EF4-FFF2-40B4-BE49-F238E27FC236}">
+                <a16:creationId xmlns:a16="http://schemas.microsoft.com/office/drawing/2014/main" id="{3B9B58EC-C9D5-4D99-98EB-1266591855BA}"/>
+              </a:ext>
+            </a:extLst>
+          </p:cNvPr>
+          <p:cNvPicPr>
+            <a:picLocks noChangeAspect="1"/>
+          </p:cNvPicPr>
+          <p:nvPr/>
+        </p:nvPicPr>
+        <p:blipFill rotWithShape="1">
+          <a:blip r:embed="rId3"/>
+          <a:srcRect l="7883" t="6879" r="5621" b="10002"/>
+          <a:stretch/>
+        </p:blipFill>
+        <p:spPr>
+          <a:xfrm>
+            <a:off x="2665360" y="680475"/>
+            <a:ext cx="5911312" cy="3083916"/>
+          </a:xfrm>
+          <a:prstGeom prst="rect">
+            <a:avLst/>
+          </a:prstGeom>
+        </p:spPr>
+      </p:pic>
+    </p:spTree>
+    <p:extLst>
+      <p:ext uri="{BB962C8B-B14F-4D97-AF65-F5344CB8AC3E}">
+        <p14:creationId xmlns:p14="http://schemas.microsoft.com/office/powerpoint/2010/main" val="3123690946"/>
+      </p:ext>
+    </p:extLst>
+  </p:cSld>
+  <p:clrMapOvr>
+    <a:masterClrMapping/>
+  </p:clrMapOvr>
+</p:sld>
+</file>
+
+<file path=ppt/slides/slide17.xml><?xml version="1.0" encoding="utf-8"?>
+<p:sld xmlns:a="http://schemas.openxmlformats.org/drawingml/2006/main" xmlns:r="http://schemas.openxmlformats.org/officeDocument/2006/relationships" xmlns:p="http://schemas.openxmlformats.org/presentationml/2006/main">
+  <p:cSld>
+    <p:spTree>
+      <p:nvGrpSpPr>
+        <p:cNvPr id="1" name="Shape 332"/>
+        <p:cNvGrpSpPr/>
+        <p:nvPr/>
+      </p:nvGrpSpPr>
+      <p:grpSpPr>
+        <a:xfrm>
+          <a:off x="0" y="0"/>
+          <a:ext cx="0" cy="0"/>
+          <a:chOff x="0" y="0"/>
+          <a:chExt cx="0" cy="0"/>
+        </a:xfrm>
+      </p:grpSpPr>
+      <p:sp>
+        <p:nvSpPr>
+          <p:cNvPr id="333" name="Google Shape;333;p15"/>
+          <p:cNvSpPr txBox="1">
+            <a:spLocks noGrp="1"/>
+          </p:cNvSpPr>
+          <p:nvPr>
+            <p:ph type="ctrTitle"/>
+          </p:nvPr>
+        </p:nvSpPr>
+        <p:spPr>
+          <a:xfrm>
+            <a:off x="2027625" y="1629397"/>
+            <a:ext cx="5088600" cy="1159800"/>
+          </a:xfrm>
+          <a:prstGeom prst="rect">
+            <a:avLst/>
+          </a:prstGeom>
+        </p:spPr>
+        <p:txBody>
+          <a:bodyPr spcFirstLastPara="1" wrap="square" lIns="0" tIns="0" rIns="0" bIns="0" anchor="b" anchorCtr="0">
+            <a:noAutofit/>
+          </a:bodyPr>
+          <a:lstStyle/>
+          <a:p>
+            <a:pPr marL="0" lvl="0" indent="0" algn="l" rtl="0">
+              <a:spcBef>
+                <a:spcPts val="0"/>
+              </a:spcBef>
+              <a:spcAft>
+                <a:spcPts val="0"/>
+              </a:spcAft>
+              <a:buNone/>
+            </a:pPr>
+            <a:r>
+              <a:rPr lang="en" dirty="0">
+                <a:solidFill>
+                  <a:schemeClr val="accent2"/>
+                </a:solidFill>
+              </a:rPr>
+              <a:t>8.</a:t>
+            </a:r>
+            <a:endParaRPr lang="en-US" dirty="0">
+              <a:solidFill>
+                <a:schemeClr val="accent2"/>
+              </a:solidFill>
+            </a:endParaRPr>
+          </a:p>
+          <a:p>
+            <a:pPr marL="0" lvl="0" indent="0" algn="l" rtl="0">
+              <a:spcBef>
+                <a:spcPts val="0"/>
+              </a:spcBef>
+              <a:spcAft>
+                <a:spcPts val="0"/>
+              </a:spcAft>
+              <a:buNone/>
+            </a:pPr>
+            <a:r>
+              <a:rPr lang="en-US" dirty="0"/>
+              <a:t>UNEMPLOYMENT</a:t>
+            </a:r>
+          </a:p>
+        </p:txBody>
+      </p:sp>
+      <p:sp>
+        <p:nvSpPr>
+          <p:cNvPr id="334" name="Google Shape;334;p15"/>
+          <p:cNvSpPr txBox="1">
+            <a:spLocks noGrp="1"/>
+          </p:cNvSpPr>
+          <p:nvPr>
+            <p:ph type="subTitle" idx="1"/>
+          </p:nvPr>
+        </p:nvSpPr>
+        <p:spPr>
+          <a:xfrm>
+            <a:off x="2027625" y="2886101"/>
+            <a:ext cx="5088600" cy="784800"/>
+          </a:xfrm>
+          <a:prstGeom prst="rect">
+            <a:avLst/>
+          </a:prstGeom>
+        </p:spPr>
+        <p:txBody>
+          <a:bodyPr spcFirstLastPara="1" wrap="square" lIns="0" tIns="0" rIns="0" bIns="0" anchor="t" anchorCtr="0">
+            <a:noAutofit/>
+          </a:bodyPr>
+          <a:lstStyle/>
+          <a:p>
+            <a:pPr marL="0" lvl="0" indent="0" algn="l" rtl="0">
+              <a:spcBef>
+                <a:spcPts val="0"/>
+              </a:spcBef>
+              <a:spcAft>
+                <a:spcPts val="0"/>
+              </a:spcAft>
+              <a:buNone/>
+            </a:pPr>
+            <a:r>
+              <a:rPr lang="en-US" dirty="0"/>
+              <a:t>Percentage of total labor force</a:t>
+            </a:r>
+            <a:endParaRPr dirty="0"/>
+          </a:p>
+        </p:txBody>
+      </p:sp>
+    </p:spTree>
+    <p:extLst>
+      <p:ext uri="{BB962C8B-B14F-4D97-AF65-F5344CB8AC3E}">
+        <p14:creationId xmlns:p14="http://schemas.microsoft.com/office/powerpoint/2010/main" val="876415857"/>
+      </p:ext>
+    </p:extLst>
+  </p:cSld>
+  <p:clrMapOvr>
+    <a:masterClrMapping/>
+  </p:clrMapOvr>
+</p:sld>
+</file>
+
+<file path=ppt/slides/slide18.xml><?xml version="1.0" encoding="utf-8"?>
+<p:sld xmlns:a="http://schemas.openxmlformats.org/drawingml/2006/main" xmlns:r="http://schemas.openxmlformats.org/officeDocument/2006/relationships" xmlns:p="http://schemas.openxmlformats.org/presentationml/2006/main">
+  <p:cSld>
+    <p:bg>
+      <p:bgPr>
+        <a:gradFill>
+          <a:gsLst>
+            <a:gs pos="0">
+              <a:srgbClr val="F4F7FF"/>
+            </a:gs>
+            <a:gs pos="62000">
+              <a:srgbClr val="CCD4EB"/>
+            </a:gs>
+            <a:gs pos="100000">
+              <a:schemeClr val="accent2"/>
+            </a:gs>
+          </a:gsLst>
+          <a:path path="circle">
+            <a:fillToRect r="100000" b="100000"/>
+          </a:path>
+          <a:tileRect l="-100000" t="-100000"/>
+        </a:gradFill>
+        <a:effectLst/>
+      </p:bgPr>
+    </p:bg>
+    <p:spTree>
+      <p:nvGrpSpPr>
+        <p:cNvPr id="1" name="Shape 546"/>
+        <p:cNvGrpSpPr/>
+        <p:nvPr/>
+      </p:nvGrpSpPr>
+      <p:grpSpPr>
+        <a:xfrm>
+          <a:off x="0" y="0"/>
+          <a:ext cx="0" cy="0"/>
+          <a:chOff x="0" y="0"/>
+          <a:chExt cx="0" cy="0"/>
+        </a:xfrm>
+      </p:grpSpPr>
+      <p:sp>
+        <p:nvSpPr>
+          <p:cNvPr id="547" name="Google Shape;547;p33"/>
+          <p:cNvSpPr/>
+          <p:nvPr/>
+        </p:nvSpPr>
+        <p:spPr>
+          <a:xfrm>
+            <a:off x="2425751" y="468751"/>
+            <a:ext cx="6389374" cy="4112923"/>
+          </a:xfrm>
+          <a:custGeom>
+            <a:avLst/>
+            <a:gdLst/>
+            <a:ahLst/>
+            <a:cxnLst/>
+            <a:rect l="l" t="t" r="r" b="b"/>
+            <a:pathLst>
+              <a:path w="143434" h="111665" extrusionOk="0">
+                <a:moveTo>
+                  <a:pt x="71751" y="2308"/>
+                </a:moveTo>
+                <a:lnTo>
+                  <a:pt x="71887" y="2376"/>
+                </a:lnTo>
+                <a:lnTo>
+                  <a:pt x="72091" y="2444"/>
+                </a:lnTo>
+                <a:lnTo>
+                  <a:pt x="72159" y="2647"/>
+                </a:lnTo>
+                <a:lnTo>
+                  <a:pt x="72226" y="2783"/>
+                </a:lnTo>
+                <a:lnTo>
+                  <a:pt x="72159" y="2987"/>
+                </a:lnTo>
+                <a:lnTo>
+                  <a:pt x="72091" y="3190"/>
+                </a:lnTo>
+                <a:lnTo>
+                  <a:pt x="71887" y="3258"/>
+                </a:lnTo>
+                <a:lnTo>
+                  <a:pt x="71751" y="3326"/>
+                </a:lnTo>
+                <a:lnTo>
+                  <a:pt x="71548" y="3258"/>
+                </a:lnTo>
+                <a:lnTo>
+                  <a:pt x="71344" y="3190"/>
+                </a:lnTo>
+                <a:lnTo>
+                  <a:pt x="71276" y="2987"/>
+                </a:lnTo>
+                <a:lnTo>
+                  <a:pt x="71208" y="2783"/>
+                </a:lnTo>
+                <a:lnTo>
+                  <a:pt x="71276" y="2647"/>
+                </a:lnTo>
+                <a:lnTo>
+                  <a:pt x="71344" y="2444"/>
+                </a:lnTo>
+                <a:lnTo>
+                  <a:pt x="71548" y="2376"/>
+                </a:lnTo>
+                <a:lnTo>
+                  <a:pt x="71751" y="2308"/>
+                </a:lnTo>
+                <a:close/>
+                <a:moveTo>
+                  <a:pt x="137528" y="5906"/>
+                </a:moveTo>
+                <a:lnTo>
+                  <a:pt x="137596" y="5974"/>
+                </a:lnTo>
+                <a:lnTo>
+                  <a:pt x="137596" y="89604"/>
+                </a:lnTo>
+                <a:lnTo>
+                  <a:pt x="5906" y="89604"/>
+                </a:lnTo>
+                <a:lnTo>
+                  <a:pt x="5906" y="5974"/>
+                </a:lnTo>
+                <a:lnTo>
+                  <a:pt x="5906" y="5906"/>
+                </a:lnTo>
+                <a:close/>
+                <a:moveTo>
+                  <a:pt x="3530" y="0"/>
+                </a:moveTo>
+                <a:lnTo>
+                  <a:pt x="3191" y="68"/>
+                </a:lnTo>
+                <a:lnTo>
+                  <a:pt x="2444" y="339"/>
+                </a:lnTo>
+                <a:lnTo>
+                  <a:pt x="1766" y="679"/>
+                </a:lnTo>
+                <a:lnTo>
+                  <a:pt x="1155" y="1154"/>
+                </a:lnTo>
+                <a:lnTo>
+                  <a:pt x="679" y="1765"/>
+                </a:lnTo>
+                <a:lnTo>
+                  <a:pt x="272" y="2444"/>
+                </a:lnTo>
+                <a:lnTo>
+                  <a:pt x="69" y="3190"/>
+                </a:lnTo>
+                <a:lnTo>
+                  <a:pt x="1" y="3598"/>
+                </a:lnTo>
+                <a:lnTo>
+                  <a:pt x="1" y="4005"/>
+                </a:lnTo>
+                <a:lnTo>
+                  <a:pt x="1" y="91572"/>
+                </a:lnTo>
+                <a:lnTo>
+                  <a:pt x="1" y="91979"/>
+                </a:lnTo>
+                <a:lnTo>
+                  <a:pt x="69" y="92319"/>
+                </a:lnTo>
+                <a:lnTo>
+                  <a:pt x="272" y="93065"/>
+                </a:lnTo>
+                <a:lnTo>
+                  <a:pt x="679" y="93744"/>
+                </a:lnTo>
+                <a:lnTo>
+                  <a:pt x="1155" y="94355"/>
+                </a:lnTo>
+                <a:lnTo>
+                  <a:pt x="1766" y="94830"/>
+                </a:lnTo>
+                <a:lnTo>
+                  <a:pt x="2444" y="95238"/>
+                </a:lnTo>
+                <a:lnTo>
+                  <a:pt x="3191" y="95441"/>
+                </a:lnTo>
+                <a:lnTo>
+                  <a:pt x="3530" y="95509"/>
+                </a:lnTo>
+                <a:lnTo>
+                  <a:pt x="139904" y="95509"/>
+                </a:lnTo>
+                <a:lnTo>
+                  <a:pt x="140311" y="95441"/>
+                </a:lnTo>
+                <a:lnTo>
+                  <a:pt x="141058" y="95238"/>
+                </a:lnTo>
+                <a:lnTo>
+                  <a:pt x="141737" y="94830"/>
+                </a:lnTo>
+                <a:lnTo>
+                  <a:pt x="142280" y="94355"/>
+                </a:lnTo>
+                <a:lnTo>
+                  <a:pt x="142755" y="93744"/>
+                </a:lnTo>
+                <a:lnTo>
+                  <a:pt x="143162" y="93065"/>
+                </a:lnTo>
+                <a:lnTo>
+                  <a:pt x="143366" y="92319"/>
+                </a:lnTo>
+                <a:lnTo>
+                  <a:pt x="143434" y="91979"/>
+                </a:lnTo>
+                <a:lnTo>
+                  <a:pt x="143434" y="91572"/>
+                </a:lnTo>
+                <a:lnTo>
+                  <a:pt x="143434" y="4005"/>
+                </a:lnTo>
+                <a:lnTo>
+                  <a:pt x="143434" y="3598"/>
+                </a:lnTo>
+                <a:lnTo>
+                  <a:pt x="143366" y="3190"/>
+                </a:lnTo>
+                <a:lnTo>
+                  <a:pt x="143162" y="2444"/>
+                </a:lnTo>
+                <a:lnTo>
+                  <a:pt x="142755" y="1765"/>
+                </a:lnTo>
+                <a:lnTo>
+                  <a:pt x="142280" y="1154"/>
+                </a:lnTo>
+                <a:lnTo>
+                  <a:pt x="141737" y="679"/>
+                </a:lnTo>
+                <a:lnTo>
+                  <a:pt x="141058" y="339"/>
+                </a:lnTo>
+                <a:lnTo>
+                  <a:pt x="140311" y="68"/>
+                </a:lnTo>
+                <a:lnTo>
+                  <a:pt x="139904" y="0"/>
+                </a:lnTo>
+                <a:close/>
+                <a:moveTo>
+                  <a:pt x="55324" y="95713"/>
+                </a:moveTo>
+                <a:lnTo>
+                  <a:pt x="55052" y="98971"/>
+                </a:lnTo>
+                <a:lnTo>
+                  <a:pt x="54713" y="102297"/>
+                </a:lnTo>
+                <a:lnTo>
+                  <a:pt x="54374" y="105284"/>
+                </a:lnTo>
+                <a:lnTo>
+                  <a:pt x="53966" y="107388"/>
+                </a:lnTo>
+                <a:lnTo>
+                  <a:pt x="53763" y="108203"/>
+                </a:lnTo>
+                <a:lnTo>
+                  <a:pt x="53627" y="108746"/>
+                </a:lnTo>
+                <a:lnTo>
+                  <a:pt x="53423" y="109153"/>
+                </a:lnTo>
+                <a:lnTo>
+                  <a:pt x="53220" y="109357"/>
+                </a:lnTo>
+                <a:lnTo>
+                  <a:pt x="52677" y="109493"/>
+                </a:lnTo>
+                <a:lnTo>
+                  <a:pt x="51794" y="109696"/>
+                </a:lnTo>
+                <a:lnTo>
+                  <a:pt x="49690" y="110036"/>
+                </a:lnTo>
+                <a:lnTo>
+                  <a:pt x="48061" y="110307"/>
+                </a:lnTo>
+                <a:lnTo>
+                  <a:pt x="47450" y="110443"/>
+                </a:lnTo>
+                <a:lnTo>
+                  <a:pt x="47110" y="110511"/>
+                </a:lnTo>
+                <a:lnTo>
+                  <a:pt x="47042" y="110579"/>
+                </a:lnTo>
+                <a:lnTo>
+                  <a:pt x="47042" y="110783"/>
+                </a:lnTo>
+                <a:lnTo>
+                  <a:pt x="47110" y="110850"/>
+                </a:lnTo>
+                <a:lnTo>
+                  <a:pt x="47585" y="110918"/>
+                </a:lnTo>
+                <a:lnTo>
+                  <a:pt x="48400" y="110986"/>
+                </a:lnTo>
+                <a:lnTo>
+                  <a:pt x="51387" y="111054"/>
+                </a:lnTo>
+                <a:lnTo>
+                  <a:pt x="56071" y="111122"/>
+                </a:lnTo>
+                <a:lnTo>
+                  <a:pt x="87092" y="111122"/>
+                </a:lnTo>
+                <a:lnTo>
+                  <a:pt x="91708" y="111054"/>
+                </a:lnTo>
+                <a:lnTo>
+                  <a:pt x="94695" y="110986"/>
+                </a:lnTo>
+                <a:lnTo>
+                  <a:pt x="95578" y="110918"/>
+                </a:lnTo>
+                <a:lnTo>
+                  <a:pt x="96053" y="110850"/>
+                </a:lnTo>
+                <a:lnTo>
+                  <a:pt x="96121" y="110783"/>
+                </a:lnTo>
+                <a:lnTo>
+                  <a:pt x="96121" y="110579"/>
+                </a:lnTo>
+                <a:lnTo>
+                  <a:pt x="96053" y="110511"/>
+                </a:lnTo>
+                <a:lnTo>
+                  <a:pt x="95713" y="110443"/>
+                </a:lnTo>
+                <a:lnTo>
+                  <a:pt x="95102" y="110307"/>
+                </a:lnTo>
+                <a:lnTo>
+                  <a:pt x="93473" y="110036"/>
+                </a:lnTo>
+                <a:lnTo>
+                  <a:pt x="91369" y="109696"/>
+                </a:lnTo>
+                <a:lnTo>
+                  <a:pt x="90487" y="109493"/>
+                </a:lnTo>
+                <a:lnTo>
+                  <a:pt x="89943" y="109357"/>
+                </a:lnTo>
+                <a:lnTo>
+                  <a:pt x="89740" y="109153"/>
+                </a:lnTo>
+                <a:lnTo>
+                  <a:pt x="89536" y="108746"/>
+                </a:lnTo>
+                <a:lnTo>
+                  <a:pt x="89333" y="108203"/>
+                </a:lnTo>
+                <a:lnTo>
+                  <a:pt x="89197" y="107388"/>
+                </a:lnTo>
+                <a:lnTo>
+                  <a:pt x="88789" y="105284"/>
+                </a:lnTo>
+                <a:lnTo>
+                  <a:pt x="88382" y="102297"/>
+                </a:lnTo>
+                <a:lnTo>
+                  <a:pt x="88043" y="98971"/>
+                </a:lnTo>
+                <a:lnTo>
+                  <a:pt x="87839" y="95713"/>
+                </a:lnTo>
+                <a:close/>
+                <a:moveTo>
+                  <a:pt x="47450" y="111054"/>
+                </a:moveTo>
+                <a:lnTo>
+                  <a:pt x="47450" y="111122"/>
+                </a:lnTo>
+                <a:lnTo>
+                  <a:pt x="47450" y="111393"/>
+                </a:lnTo>
+                <a:lnTo>
+                  <a:pt x="47518" y="111461"/>
+                </a:lnTo>
+                <a:lnTo>
+                  <a:pt x="48807" y="111529"/>
+                </a:lnTo>
+                <a:lnTo>
+                  <a:pt x="52473" y="111597"/>
+                </a:lnTo>
+                <a:lnTo>
+                  <a:pt x="62384" y="111665"/>
+                </a:lnTo>
+                <a:lnTo>
+                  <a:pt x="80779" y="111665"/>
+                </a:lnTo>
+                <a:lnTo>
+                  <a:pt x="90622" y="111597"/>
+                </a:lnTo>
+                <a:lnTo>
+                  <a:pt x="94356" y="111529"/>
+                </a:lnTo>
+                <a:lnTo>
+                  <a:pt x="95646" y="111461"/>
+                </a:lnTo>
+                <a:lnTo>
+                  <a:pt x="95713" y="111393"/>
+                </a:lnTo>
+                <a:lnTo>
+                  <a:pt x="95713" y="111122"/>
+                </a:lnTo>
+                <a:lnTo>
+                  <a:pt x="95646" y="111054"/>
+                </a:lnTo>
+                <a:lnTo>
+                  <a:pt x="94084" y="111122"/>
+                </a:lnTo>
+                <a:lnTo>
+                  <a:pt x="91233" y="111190"/>
+                </a:lnTo>
+                <a:lnTo>
+                  <a:pt x="80847" y="111258"/>
+                </a:lnTo>
+                <a:lnTo>
+                  <a:pt x="62316" y="111258"/>
+                </a:lnTo>
+                <a:lnTo>
+                  <a:pt x="51930" y="111190"/>
+                </a:lnTo>
+                <a:lnTo>
+                  <a:pt x="49079" y="111122"/>
+                </a:lnTo>
+                <a:lnTo>
+                  <a:pt x="47518" y="111054"/>
+                </a:lnTo>
+                <a:close/>
+              </a:path>
+            </a:pathLst>
+          </a:custGeom>
+          <a:solidFill>
+            <a:schemeClr val="dk1"/>
+          </a:solidFill>
+          <a:ln>
+            <a:noFill/>
+          </a:ln>
+          <a:effectLst>
+            <a:outerShdw blurRad="171450" dist="38100" dir="5400000" algn="bl" rotWithShape="0">
+              <a:schemeClr val="dk1">
+                <a:alpha val="20000"/>
+              </a:schemeClr>
+            </a:outerShdw>
+          </a:effectLst>
+        </p:spPr>
+        <p:txBody>
+          <a:bodyPr spcFirstLastPara="1" wrap="square" lIns="91425" tIns="91425" rIns="91425" bIns="91425" anchor="ctr" anchorCtr="0">
+            <a:noAutofit/>
+          </a:bodyPr>
+          <a:lstStyle/>
+          <a:p>
+            <a:pPr marL="0" lvl="0" indent="0" algn="l" rtl="0">
+              <a:spcBef>
+                <a:spcPts val="0"/>
+              </a:spcBef>
+              <a:spcAft>
+                <a:spcPts val="0"/>
+              </a:spcAft>
+              <a:buNone/>
+            </a:pPr>
+            <a:endParaRPr/>
+          </a:p>
+        </p:txBody>
+      </p:sp>
+      <p:sp>
+        <p:nvSpPr>
+          <p:cNvPr id="548" name="Google Shape;548;p33"/>
+          <p:cNvSpPr/>
+          <p:nvPr/>
+        </p:nvSpPr>
+        <p:spPr>
+          <a:xfrm>
+            <a:off x="2546375" y="825013"/>
+            <a:ext cx="4518300" cy="2885100"/>
+          </a:xfrm>
+          <a:prstGeom prst="rect">
+            <a:avLst/>
+          </a:prstGeom>
+          <a:noFill/>
+          <a:ln>
+            <a:noFill/>
+          </a:ln>
+        </p:spPr>
+        <p:txBody>
+          <a:bodyPr spcFirstLastPara="1" wrap="square" lIns="91425" tIns="91425" rIns="91425" bIns="91425" anchor="ctr" anchorCtr="0">
+            <a:noAutofit/>
+          </a:bodyPr>
+          <a:lstStyle/>
+          <a:p>
+            <a:pPr marL="0" lvl="0" indent="0" algn="ctr" rtl="0">
+              <a:spcBef>
+                <a:spcPts val="0"/>
+              </a:spcBef>
+              <a:spcAft>
+                <a:spcPts val="0"/>
+              </a:spcAft>
+              <a:buNone/>
+            </a:pPr>
+            <a:r>
+              <a:rPr lang="en" sz="1000" dirty="0">
+                <a:solidFill>
+                  <a:schemeClr val="lt1"/>
+                </a:solidFill>
+                <a:latin typeface="Montserrat"/>
+                <a:ea typeface="Montserrat"/>
+                <a:cs typeface="Montserrat"/>
+                <a:sym typeface="Montserrat"/>
+              </a:rPr>
+              <a:t>Place your screenshot here</a:t>
+            </a:r>
+            <a:endParaRPr sz="1000" dirty="0">
+              <a:solidFill>
+                <a:schemeClr val="lt1"/>
+              </a:solidFill>
+              <a:latin typeface="Montserrat"/>
+              <a:ea typeface="Montserrat"/>
+              <a:cs typeface="Montserrat"/>
+              <a:sym typeface="Montserrat"/>
+            </a:endParaRPr>
+          </a:p>
+        </p:txBody>
+      </p:sp>
+      <p:sp>
+        <p:nvSpPr>
+          <p:cNvPr id="549" name="Google Shape;549;p33"/>
+          <p:cNvSpPr txBox="1">
+            <a:spLocks noGrp="1"/>
+          </p:cNvSpPr>
+          <p:nvPr>
+            <p:ph type="sldNum" idx="12"/>
+          </p:nvPr>
+        </p:nvSpPr>
+        <p:spPr>
+          <a:xfrm>
+            <a:off x="8729400" y="4734075"/>
+            <a:ext cx="414600" cy="409500"/>
+          </a:xfrm>
+          <a:prstGeom prst="rect">
+            <a:avLst/>
+          </a:prstGeom>
+        </p:spPr>
+        <p:txBody>
+          <a:bodyPr spcFirstLastPara="1" wrap="square" lIns="0" tIns="0" rIns="0" bIns="0" anchor="ctr" anchorCtr="0">
+            <a:noAutofit/>
+          </a:bodyPr>
+          <a:lstStyle/>
+          <a:p>
+            <a:pPr marL="0" lvl="0" indent="0" algn="ctr" rtl="0">
+              <a:spcBef>
+                <a:spcPts val="0"/>
+              </a:spcBef>
+              <a:spcAft>
+                <a:spcPts val="0"/>
+              </a:spcAft>
+              <a:buNone/>
+            </a:pPr>
+            <a:fld id="{00000000-1234-1234-1234-123412341234}" type="slidenum">
+              <a:rPr lang="en"/>
+              <a:t>18</a:t>
             </a:fld>
             <a:endParaRPr/>
           </a:p>
@@ -9313,7 +12757,7 @@
 </p:sld>
 </file>
 
-<file path=ppt/slides/slide7.xml><?xml version="1.0" encoding="utf-8"?>
+<file path=ppt/slides/slide19.xml><?xml version="1.0" encoding="utf-8"?>
 <p:sld xmlns:a="http://schemas.openxmlformats.org/drawingml/2006/main" xmlns:r="http://schemas.openxmlformats.org/officeDocument/2006/relationships" xmlns:p="http://schemas.openxmlformats.org/presentationml/2006/main">
   <p:cSld>
     <p:spTree>
@@ -9385,7 +12829,7 @@
           <p:nvPr>
             <p:extLst>
               <p:ext uri="{D42A27DB-BD31-4B8C-83A1-F6EECF244321}">
-                <p14:modId xmlns:p14="http://schemas.microsoft.com/office/powerpoint/2010/main" val="4258077292"/>
+                <p14:modId xmlns:p14="http://schemas.microsoft.com/office/powerpoint/2010/main" val="2149049741"/>
               </p:ext>
             </p:extLst>
           </p:nvPr>
@@ -10554,7 +13998,7 @@
                     <a:p>
                       <a:pPr algn="ctr" fontAlgn="b"/>
                       <a:r>
-                        <a:rPr lang="en-US" sz="1100" b="0" i="0" u="none" strike="noStrike">
+                        <a:rPr lang="en-US" sz="1100" b="0" i="0" u="none" strike="noStrike" dirty="0">
                           <a:solidFill>
                             <a:srgbClr val="000000"/>
                           </a:solidFill>
@@ -10732,7 +14176,7 @@
                     <a:p>
                       <a:pPr algn="ctr" fontAlgn="b"/>
                       <a:r>
-                        <a:rPr lang="en-US" sz="1100" b="0" i="0" u="none" strike="noStrike">
+                        <a:rPr lang="en-US" sz="1100" b="0" i="0" u="none" strike="noStrike" dirty="0">
                           <a:solidFill>
                             <a:srgbClr val="000000"/>
                           </a:solidFill>
@@ -11063,7 +14507,7 @@
             </a:pPr>
             <a:fld id="{00000000-1234-1234-1234-123412341234}" type="slidenum">
               <a:rPr lang="en"/>
-              <a:t>7</a:t>
+              <a:t>19</a:t>
             </a:fld>
             <a:endParaRPr/>
           </a:p>
@@ -11077,7 +14521,275 @@
 </p:sld>
 </file>
 
-<file path=ppt/slides/slide8.xml><?xml version="1.0" encoding="utf-8"?>
+<file path=ppt/slides/slide2.xml><?xml version="1.0" encoding="utf-8"?>
+<p:sld xmlns:a="http://schemas.openxmlformats.org/drawingml/2006/main" xmlns:r="http://schemas.openxmlformats.org/officeDocument/2006/relationships" xmlns:p="http://schemas.openxmlformats.org/presentationml/2006/main">
+  <p:cSld>
+    <p:spTree>
+      <p:nvGrpSpPr>
+        <p:cNvPr id="1" name="Shape 324"/>
+        <p:cNvGrpSpPr/>
+        <p:nvPr/>
+      </p:nvGrpSpPr>
+      <p:grpSpPr>
+        <a:xfrm>
+          <a:off x="0" y="0"/>
+          <a:ext cx="0" cy="0"/>
+          <a:chOff x="0" y="0"/>
+          <a:chExt cx="0" cy="0"/>
+        </a:xfrm>
+      </p:grpSpPr>
+      <p:sp>
+        <p:nvSpPr>
+          <p:cNvPr id="325" name="Google Shape;325;p14"/>
+          <p:cNvSpPr txBox="1">
+            <a:spLocks noGrp="1"/>
+          </p:cNvSpPr>
+          <p:nvPr>
+            <p:ph type="ctrTitle" idx="4294967295"/>
+          </p:nvPr>
+        </p:nvSpPr>
+        <p:spPr>
+          <a:xfrm>
+            <a:off x="1313736" y="1167942"/>
+            <a:ext cx="4725000" cy="861900"/>
+          </a:xfrm>
+          <a:prstGeom prst="rect">
+            <a:avLst/>
+          </a:prstGeom>
+        </p:spPr>
+        <p:txBody>
+          <a:bodyPr spcFirstLastPara="1" wrap="square" lIns="0" tIns="0" rIns="0" bIns="0" anchor="t" anchorCtr="0">
+            <a:noAutofit/>
+          </a:bodyPr>
+          <a:lstStyle/>
+          <a:p>
+            <a:pPr marL="0" lvl="0" indent="0" algn="l" rtl="0">
+              <a:spcBef>
+                <a:spcPts val="0"/>
+              </a:spcBef>
+              <a:spcAft>
+                <a:spcPts val="0"/>
+              </a:spcAft>
+              <a:buNone/>
+            </a:pPr>
+            <a:r>
+              <a:rPr lang="en" sz="7200">
+                <a:solidFill>
+                  <a:schemeClr val="accent2"/>
+                </a:solidFill>
+              </a:rPr>
+              <a:t>HELLO!</a:t>
+            </a:r>
+            <a:endParaRPr sz="7200">
+              <a:solidFill>
+                <a:schemeClr val="accent2"/>
+              </a:solidFill>
+            </a:endParaRPr>
+          </a:p>
+        </p:txBody>
+      </p:sp>
+      <p:sp>
+        <p:nvSpPr>
+          <p:cNvPr id="326" name="Google Shape;326;p14"/>
+          <p:cNvSpPr txBox="1">
+            <a:spLocks noGrp="1"/>
+          </p:cNvSpPr>
+          <p:nvPr>
+            <p:ph type="subTitle" idx="4294967295"/>
+          </p:nvPr>
+        </p:nvSpPr>
+        <p:spPr>
+          <a:xfrm>
+            <a:off x="1356746" y="2229002"/>
+            <a:ext cx="4725000" cy="2341200"/>
+          </a:xfrm>
+          <a:prstGeom prst="rect">
+            <a:avLst/>
+          </a:prstGeom>
+        </p:spPr>
+        <p:txBody>
+          <a:bodyPr spcFirstLastPara="1" wrap="square" lIns="0" tIns="0" rIns="0" bIns="0" anchor="t" anchorCtr="0">
+            <a:noAutofit/>
+          </a:bodyPr>
+          <a:lstStyle/>
+          <a:p>
+            <a:pPr marL="0" lvl="0" indent="0" algn="l" rtl="0">
+              <a:spcBef>
+                <a:spcPts val="600"/>
+              </a:spcBef>
+              <a:spcAft>
+                <a:spcPts val="0"/>
+              </a:spcAft>
+              <a:buNone/>
+            </a:pPr>
+            <a:r>
+              <a:rPr lang="en-US" b="1" dirty="0">
+                <a:latin typeface="Montserrat"/>
+                <a:ea typeface="Montserrat"/>
+                <a:cs typeface="Montserrat"/>
+                <a:sym typeface="Montserrat"/>
+              </a:rPr>
+              <a:t>Group Members:</a:t>
+            </a:r>
+          </a:p>
+          <a:p>
+            <a:pPr marL="0" lvl="0" indent="0" algn="l" rtl="0">
+              <a:spcBef>
+                <a:spcPts val="600"/>
+              </a:spcBef>
+              <a:spcAft>
+                <a:spcPts val="0"/>
+              </a:spcAft>
+              <a:buClr>
+                <a:schemeClr val="dk1"/>
+              </a:buClr>
+              <a:buSzPts val="1100"/>
+              <a:buFont typeface="Arial"/>
+              <a:buNone/>
+            </a:pPr>
+            <a:r>
+              <a:rPr lang="en-US" dirty="0"/>
+              <a:t>Tyler </a:t>
+            </a:r>
+            <a:r>
+              <a:rPr lang="en-US" dirty="0" err="1"/>
+              <a:t>Fasulo</a:t>
+            </a:r>
+            <a:endParaRPr lang="en-US" dirty="0"/>
+          </a:p>
+          <a:p>
+            <a:pPr marL="0" lvl="0" indent="0" algn="l" rtl="0">
+              <a:spcBef>
+                <a:spcPts val="600"/>
+              </a:spcBef>
+              <a:spcAft>
+                <a:spcPts val="0"/>
+              </a:spcAft>
+              <a:buClr>
+                <a:schemeClr val="dk1"/>
+              </a:buClr>
+              <a:buSzPts val="1100"/>
+              <a:buFont typeface="Arial"/>
+              <a:buNone/>
+            </a:pPr>
+            <a:r>
+              <a:rPr lang="en-US" dirty="0"/>
+              <a:t>Luan </a:t>
+            </a:r>
+            <a:r>
+              <a:rPr lang="en-US" dirty="0" err="1"/>
+              <a:t>Hajnaj</a:t>
+            </a:r>
+            <a:endParaRPr lang="en-US" dirty="0"/>
+          </a:p>
+          <a:p>
+            <a:pPr marL="0" lvl="0" indent="0" algn="l" rtl="0">
+              <a:spcBef>
+                <a:spcPts val="600"/>
+              </a:spcBef>
+              <a:spcAft>
+                <a:spcPts val="0"/>
+              </a:spcAft>
+              <a:buClr>
+                <a:schemeClr val="dk1"/>
+              </a:buClr>
+              <a:buSzPts val="1100"/>
+              <a:buFont typeface="Arial"/>
+              <a:buNone/>
+            </a:pPr>
+            <a:r>
+              <a:rPr lang="en-US" dirty="0"/>
+              <a:t>Paul Wolanski</a:t>
+            </a:r>
+          </a:p>
+        </p:txBody>
+      </p:sp>
+      <p:pic>
+        <p:nvPicPr>
+          <p:cNvPr id="327" name="Google Shape;327;p14" descr="photo-1434030216411-0b793f4b4173.jpg"/>
+          <p:cNvPicPr preferRelativeResize="0"/>
+          <p:nvPr/>
+        </p:nvPicPr>
+        <p:blipFill>
+          <a:blip r:embed="rId3">
+            <a:alphaModFix/>
+          </a:blip>
+          <a:stretch>
+            <a:fillRect/>
+          </a:stretch>
+        </p:blipFill>
+        <p:spPr>
+          <a:xfrm>
+            <a:off x="5720373" y="688148"/>
+            <a:ext cx="2055900" cy="2055900"/>
+          </a:xfrm>
+          <a:prstGeom prst="rect">
+            <a:avLst/>
+          </a:prstGeom>
+          <a:noFill/>
+          <a:ln>
+            <a:noFill/>
+          </a:ln>
+          <a:effectLst>
+            <a:outerShdw blurRad="171450" dist="57150" dir="5400000" algn="bl" rotWithShape="0">
+              <a:schemeClr val="dk1">
+                <a:alpha val="19000"/>
+              </a:schemeClr>
+            </a:outerShdw>
+          </a:effectLst>
+        </p:spPr>
+      </p:pic>
+      <p:sp>
+        <p:nvSpPr>
+          <p:cNvPr id="328" name="Google Shape;328;p14"/>
+          <p:cNvSpPr txBox="1">
+            <a:spLocks noGrp="1"/>
+          </p:cNvSpPr>
+          <p:nvPr>
+            <p:ph type="sldNum" idx="12"/>
+          </p:nvPr>
+        </p:nvSpPr>
+        <p:spPr>
+          <a:xfrm>
+            <a:off x="8729400" y="4734075"/>
+            <a:ext cx="414600" cy="409500"/>
+          </a:xfrm>
+          <a:prstGeom prst="rect">
+            <a:avLst/>
+          </a:prstGeom>
+        </p:spPr>
+        <p:txBody>
+          <a:bodyPr spcFirstLastPara="1" wrap="square" lIns="0" tIns="0" rIns="0" bIns="0" anchor="ctr" anchorCtr="0">
+            <a:noAutofit/>
+          </a:bodyPr>
+          <a:lstStyle/>
+          <a:p>
+            <a:pPr marL="0" lvl="0" indent="0" algn="ctr" rtl="0">
+              <a:spcBef>
+                <a:spcPts val="0"/>
+              </a:spcBef>
+              <a:spcAft>
+                <a:spcPts val="0"/>
+              </a:spcAft>
+              <a:buNone/>
+            </a:pPr>
+            <a:fld id="{00000000-1234-1234-1234-123412341234}" type="slidenum">
+              <a:rPr lang="en"/>
+              <a:t>2</a:t>
+            </a:fld>
+            <a:endParaRPr dirty="0"/>
+          </a:p>
+        </p:txBody>
+      </p:sp>
+    </p:spTree>
+  </p:cSld>
+  <p:clrMapOvr>
+    <a:masterClrMapping/>
+  </p:clrMapOvr>
+</p:sld>
+</file>
+
+<file path=ppt/slides/slide20.xml><?xml version="1.0" encoding="utf-8"?>
 <p:sld xmlns:a="http://schemas.openxmlformats.org/drawingml/2006/main" xmlns:r="http://schemas.openxmlformats.org/officeDocument/2006/relationships" xmlns:p="http://schemas.openxmlformats.org/presentationml/2006/main">
   <p:cSld>
     <p:bg>
@@ -11147,7 +14859,7 @@
                   <a:schemeClr val="lt1"/>
                 </a:solidFill>
               </a:rPr>
-              <a:t>WHAT ARE THE LEADING CAUSES TOWARDS THE INCREASE IN LIFE EXPEXTANCY</a:t>
+              <a:t>WHAT ARE THE MAIN FACTORS IN OUR CURRENT GROWTH OF WORLD LIFE EXPECTANCY</a:t>
             </a:r>
             <a:r>
               <a:rPr lang="en" sz="2400" b="0" dirty="0">
@@ -11208,7 +14920,7 @@
             </a:pPr>
             <a:fld id="{00000000-1234-1234-1234-123412341234}" type="slidenum">
               <a:rPr lang="en"/>
-              <a:t>8</a:t>
+              <a:t>20</a:t>
             </a:fld>
             <a:endParaRPr/>
           </a:p>
@@ -11272,7 +14984,7 @@
                 <a:cs typeface="Poppins"/>
                 <a:sym typeface="Poppins"/>
               </a:rPr>
-              <a:t>DECREASES IN HUMAN DEATH RATE</a:t>
+              <a:t>DECREASES IN AVERAGE HUMAN DEATH RATE</a:t>
             </a:r>
           </a:p>
           <a:p>
@@ -11336,7 +15048,7 @@
 </p:sld>
 </file>
 
-<file path=ppt/slides/slide9.xml><?xml version="1.0" encoding="utf-8"?>
+<file path=ppt/slides/slide21.xml><?xml version="1.0" encoding="utf-8"?>
 <p:sld xmlns:a="http://schemas.openxmlformats.org/drawingml/2006/main" xmlns:r="http://schemas.openxmlformats.org/officeDocument/2006/relationships" xmlns:p="http://schemas.openxmlformats.org/presentationml/2006/main">
   <p:cSld>
     <p:spTree>
@@ -11389,7 +15101,7 @@
             </a:pPr>
             <a:fld id="{00000000-1234-1234-1234-123412341234}" type="slidenum">
               <a:rPr lang="en"/>
-              <a:t>9</a:t>
+              <a:t>21</a:t>
             </a:fld>
             <a:endParaRPr/>
           </a:p>
@@ -11498,6 +15210,2673 @@
         </p:txBody>
       </p:sp>
     </p:spTree>
+  </p:cSld>
+  <p:clrMapOvr>
+    <a:masterClrMapping/>
+  </p:clrMapOvr>
+</p:sld>
+</file>
+
+<file path=ppt/slides/slide3.xml><?xml version="1.0" encoding="utf-8"?>
+<p:sld xmlns:a="http://schemas.openxmlformats.org/drawingml/2006/main" xmlns:r="http://schemas.openxmlformats.org/officeDocument/2006/relationships" xmlns:p="http://schemas.openxmlformats.org/presentationml/2006/main">
+  <p:cSld>
+    <p:bg>
+      <p:bgPr>
+        <a:gradFill>
+          <a:gsLst>
+            <a:gs pos="0">
+              <a:srgbClr val="C00000"/>
+            </a:gs>
+            <a:gs pos="24000">
+              <a:schemeClr val="lt2"/>
+            </a:gs>
+            <a:gs pos="72000">
+              <a:schemeClr val="accent6">
+                <a:lumMod val="40000"/>
+                <a:lumOff val="60000"/>
+              </a:schemeClr>
+            </a:gs>
+            <a:gs pos="100000">
+              <a:schemeClr val="accent3">
+                <a:lumMod val="75000"/>
+              </a:schemeClr>
+            </a:gs>
+          </a:gsLst>
+          <a:path path="circle">
+            <a:fillToRect r="100000" b="100000"/>
+          </a:path>
+        </a:gradFill>
+        <a:effectLst/>
+      </p:bgPr>
+    </p:bg>
+    <p:spTree>
+      <p:nvGrpSpPr>
+        <p:cNvPr id="1" name="Shape 332"/>
+        <p:cNvGrpSpPr/>
+        <p:nvPr/>
+      </p:nvGrpSpPr>
+      <p:grpSpPr>
+        <a:xfrm>
+          <a:off x="0" y="0"/>
+          <a:ext cx="0" cy="0"/>
+          <a:chOff x="0" y="0"/>
+          <a:chExt cx="0" cy="0"/>
+        </a:xfrm>
+      </p:grpSpPr>
+      <p:sp>
+        <p:nvSpPr>
+          <p:cNvPr id="333" name="Google Shape;333;p15"/>
+          <p:cNvSpPr txBox="1">
+            <a:spLocks noGrp="1"/>
+          </p:cNvSpPr>
+          <p:nvPr>
+            <p:ph type="ctrTitle"/>
+          </p:nvPr>
+        </p:nvSpPr>
+        <p:spPr>
+          <a:xfrm>
+            <a:off x="2027625" y="1629397"/>
+            <a:ext cx="5088600" cy="1159800"/>
+          </a:xfrm>
+          <a:prstGeom prst="rect">
+            <a:avLst/>
+          </a:prstGeom>
+        </p:spPr>
+        <p:txBody>
+          <a:bodyPr spcFirstLastPara="1" wrap="square" lIns="0" tIns="0" rIns="0" bIns="0" anchor="b" anchorCtr="0">
+            <a:noAutofit/>
+          </a:bodyPr>
+          <a:lstStyle/>
+          <a:p>
+            <a:pPr marL="0" lvl="0" indent="0" algn="l" rtl="0">
+              <a:spcBef>
+                <a:spcPts val="0"/>
+              </a:spcBef>
+              <a:spcAft>
+                <a:spcPts val="0"/>
+              </a:spcAft>
+              <a:buNone/>
+            </a:pPr>
+            <a:r>
+              <a:rPr lang="en" dirty="0">
+                <a:solidFill>
+                  <a:schemeClr val="accent2"/>
+                </a:solidFill>
+              </a:rPr>
+              <a:t>1.</a:t>
+            </a:r>
+            <a:endParaRPr lang="en-US" dirty="0">
+              <a:solidFill>
+                <a:schemeClr val="accent2"/>
+              </a:solidFill>
+            </a:endParaRPr>
+          </a:p>
+          <a:p>
+            <a:pPr marL="0" lvl="0" indent="0" algn="l" rtl="0">
+              <a:spcBef>
+                <a:spcPts val="0"/>
+              </a:spcBef>
+              <a:spcAft>
+                <a:spcPts val="0"/>
+              </a:spcAft>
+              <a:buNone/>
+            </a:pPr>
+            <a:r>
+              <a:rPr lang="en-US" dirty="0"/>
+              <a:t>WORLD BIRTH RATE AVERAGES</a:t>
+            </a:r>
+          </a:p>
+        </p:txBody>
+      </p:sp>
+      <p:sp>
+        <p:nvSpPr>
+          <p:cNvPr id="334" name="Google Shape;334;p15"/>
+          <p:cNvSpPr txBox="1">
+            <a:spLocks noGrp="1"/>
+          </p:cNvSpPr>
+          <p:nvPr>
+            <p:ph type="subTitle" idx="1"/>
+          </p:nvPr>
+        </p:nvSpPr>
+        <p:spPr>
+          <a:xfrm>
+            <a:off x="2027625" y="2886101"/>
+            <a:ext cx="5088600" cy="784800"/>
+          </a:xfrm>
+          <a:prstGeom prst="rect">
+            <a:avLst/>
+          </a:prstGeom>
+        </p:spPr>
+        <p:txBody>
+          <a:bodyPr spcFirstLastPara="1" wrap="square" lIns="0" tIns="0" rIns="0" bIns="0" anchor="t" anchorCtr="0">
+            <a:noAutofit/>
+          </a:bodyPr>
+          <a:lstStyle/>
+          <a:p>
+            <a:pPr marL="0" lvl="0" indent="0"/>
+            <a:r>
+              <a:rPr lang="en-US" dirty="0"/>
+              <a:t>Birth rate, crude (per 1,000 people)</a:t>
+            </a:r>
+          </a:p>
+        </p:txBody>
+      </p:sp>
+    </p:spTree>
+  </p:cSld>
+  <p:clrMapOvr>
+    <a:masterClrMapping/>
+  </p:clrMapOvr>
+</p:sld>
+</file>
+
+<file path=ppt/slides/slide4.xml><?xml version="1.0" encoding="utf-8"?>
+<p:sld xmlns:a="http://schemas.openxmlformats.org/drawingml/2006/main" xmlns:r="http://schemas.openxmlformats.org/officeDocument/2006/relationships" xmlns:p="http://schemas.openxmlformats.org/presentationml/2006/main">
+  <p:cSld>
+    <p:bg>
+      <p:bgPr>
+        <a:gradFill>
+          <a:gsLst>
+            <a:gs pos="0">
+              <a:srgbClr val="F4F7FF"/>
+            </a:gs>
+            <a:gs pos="62000">
+              <a:srgbClr val="CCD4EB"/>
+            </a:gs>
+            <a:gs pos="100000">
+              <a:schemeClr val="accent3">
+                <a:lumMod val="60000"/>
+                <a:lumOff val="40000"/>
+              </a:schemeClr>
+            </a:gs>
+          </a:gsLst>
+          <a:path path="circle">
+            <a:fillToRect r="100000" b="100000"/>
+          </a:path>
+          <a:tileRect l="-100000" t="-100000"/>
+        </a:gradFill>
+        <a:effectLst/>
+      </p:bgPr>
+    </p:bg>
+    <p:spTree>
+      <p:nvGrpSpPr>
+        <p:cNvPr id="1" name="Shape 546"/>
+        <p:cNvGrpSpPr/>
+        <p:nvPr/>
+      </p:nvGrpSpPr>
+      <p:grpSpPr>
+        <a:xfrm>
+          <a:off x="0" y="0"/>
+          <a:ext cx="0" cy="0"/>
+          <a:chOff x="0" y="0"/>
+          <a:chExt cx="0" cy="0"/>
+        </a:xfrm>
+      </p:grpSpPr>
+      <p:sp>
+        <p:nvSpPr>
+          <p:cNvPr id="547" name="Google Shape;547;p33"/>
+          <p:cNvSpPr/>
+          <p:nvPr/>
+        </p:nvSpPr>
+        <p:spPr>
+          <a:xfrm>
+            <a:off x="2425751" y="468751"/>
+            <a:ext cx="6389374" cy="4112923"/>
+          </a:xfrm>
+          <a:custGeom>
+            <a:avLst/>
+            <a:gdLst/>
+            <a:ahLst/>
+            <a:cxnLst/>
+            <a:rect l="l" t="t" r="r" b="b"/>
+            <a:pathLst>
+              <a:path w="143434" h="111665" extrusionOk="0">
+                <a:moveTo>
+                  <a:pt x="71751" y="2308"/>
+                </a:moveTo>
+                <a:lnTo>
+                  <a:pt x="71887" y="2376"/>
+                </a:lnTo>
+                <a:lnTo>
+                  <a:pt x="72091" y="2444"/>
+                </a:lnTo>
+                <a:lnTo>
+                  <a:pt x="72159" y="2647"/>
+                </a:lnTo>
+                <a:lnTo>
+                  <a:pt x="72226" y="2783"/>
+                </a:lnTo>
+                <a:lnTo>
+                  <a:pt x="72159" y="2987"/>
+                </a:lnTo>
+                <a:lnTo>
+                  <a:pt x="72091" y="3190"/>
+                </a:lnTo>
+                <a:lnTo>
+                  <a:pt x="71887" y="3258"/>
+                </a:lnTo>
+                <a:lnTo>
+                  <a:pt x="71751" y="3326"/>
+                </a:lnTo>
+                <a:lnTo>
+                  <a:pt x="71548" y="3258"/>
+                </a:lnTo>
+                <a:lnTo>
+                  <a:pt x="71344" y="3190"/>
+                </a:lnTo>
+                <a:lnTo>
+                  <a:pt x="71276" y="2987"/>
+                </a:lnTo>
+                <a:lnTo>
+                  <a:pt x="71208" y="2783"/>
+                </a:lnTo>
+                <a:lnTo>
+                  <a:pt x="71276" y="2647"/>
+                </a:lnTo>
+                <a:lnTo>
+                  <a:pt x="71344" y="2444"/>
+                </a:lnTo>
+                <a:lnTo>
+                  <a:pt x="71548" y="2376"/>
+                </a:lnTo>
+                <a:lnTo>
+                  <a:pt x="71751" y="2308"/>
+                </a:lnTo>
+                <a:close/>
+                <a:moveTo>
+                  <a:pt x="137528" y="5906"/>
+                </a:moveTo>
+                <a:lnTo>
+                  <a:pt x="137596" y="5974"/>
+                </a:lnTo>
+                <a:lnTo>
+                  <a:pt x="137596" y="89604"/>
+                </a:lnTo>
+                <a:lnTo>
+                  <a:pt x="5906" y="89604"/>
+                </a:lnTo>
+                <a:lnTo>
+                  <a:pt x="5906" y="5974"/>
+                </a:lnTo>
+                <a:lnTo>
+                  <a:pt x="5906" y="5906"/>
+                </a:lnTo>
+                <a:close/>
+                <a:moveTo>
+                  <a:pt x="3530" y="0"/>
+                </a:moveTo>
+                <a:lnTo>
+                  <a:pt x="3191" y="68"/>
+                </a:lnTo>
+                <a:lnTo>
+                  <a:pt x="2444" y="339"/>
+                </a:lnTo>
+                <a:lnTo>
+                  <a:pt x="1766" y="679"/>
+                </a:lnTo>
+                <a:lnTo>
+                  <a:pt x="1155" y="1154"/>
+                </a:lnTo>
+                <a:lnTo>
+                  <a:pt x="679" y="1765"/>
+                </a:lnTo>
+                <a:lnTo>
+                  <a:pt x="272" y="2444"/>
+                </a:lnTo>
+                <a:lnTo>
+                  <a:pt x="69" y="3190"/>
+                </a:lnTo>
+                <a:lnTo>
+                  <a:pt x="1" y="3598"/>
+                </a:lnTo>
+                <a:lnTo>
+                  <a:pt x="1" y="4005"/>
+                </a:lnTo>
+                <a:lnTo>
+                  <a:pt x="1" y="91572"/>
+                </a:lnTo>
+                <a:lnTo>
+                  <a:pt x="1" y="91979"/>
+                </a:lnTo>
+                <a:lnTo>
+                  <a:pt x="69" y="92319"/>
+                </a:lnTo>
+                <a:lnTo>
+                  <a:pt x="272" y="93065"/>
+                </a:lnTo>
+                <a:lnTo>
+                  <a:pt x="679" y="93744"/>
+                </a:lnTo>
+                <a:lnTo>
+                  <a:pt x="1155" y="94355"/>
+                </a:lnTo>
+                <a:lnTo>
+                  <a:pt x="1766" y="94830"/>
+                </a:lnTo>
+                <a:lnTo>
+                  <a:pt x="2444" y="95238"/>
+                </a:lnTo>
+                <a:lnTo>
+                  <a:pt x="3191" y="95441"/>
+                </a:lnTo>
+                <a:lnTo>
+                  <a:pt x="3530" y="95509"/>
+                </a:lnTo>
+                <a:lnTo>
+                  <a:pt x="139904" y="95509"/>
+                </a:lnTo>
+                <a:lnTo>
+                  <a:pt x="140311" y="95441"/>
+                </a:lnTo>
+                <a:lnTo>
+                  <a:pt x="141058" y="95238"/>
+                </a:lnTo>
+                <a:lnTo>
+                  <a:pt x="141737" y="94830"/>
+                </a:lnTo>
+                <a:lnTo>
+                  <a:pt x="142280" y="94355"/>
+                </a:lnTo>
+                <a:lnTo>
+                  <a:pt x="142755" y="93744"/>
+                </a:lnTo>
+                <a:lnTo>
+                  <a:pt x="143162" y="93065"/>
+                </a:lnTo>
+                <a:lnTo>
+                  <a:pt x="143366" y="92319"/>
+                </a:lnTo>
+                <a:lnTo>
+                  <a:pt x="143434" y="91979"/>
+                </a:lnTo>
+                <a:lnTo>
+                  <a:pt x="143434" y="91572"/>
+                </a:lnTo>
+                <a:lnTo>
+                  <a:pt x="143434" y="4005"/>
+                </a:lnTo>
+                <a:lnTo>
+                  <a:pt x="143434" y="3598"/>
+                </a:lnTo>
+                <a:lnTo>
+                  <a:pt x="143366" y="3190"/>
+                </a:lnTo>
+                <a:lnTo>
+                  <a:pt x="143162" y="2444"/>
+                </a:lnTo>
+                <a:lnTo>
+                  <a:pt x="142755" y="1765"/>
+                </a:lnTo>
+                <a:lnTo>
+                  <a:pt x="142280" y="1154"/>
+                </a:lnTo>
+                <a:lnTo>
+                  <a:pt x="141737" y="679"/>
+                </a:lnTo>
+                <a:lnTo>
+                  <a:pt x="141058" y="339"/>
+                </a:lnTo>
+                <a:lnTo>
+                  <a:pt x="140311" y="68"/>
+                </a:lnTo>
+                <a:lnTo>
+                  <a:pt x="139904" y="0"/>
+                </a:lnTo>
+                <a:close/>
+                <a:moveTo>
+                  <a:pt x="55324" y="95713"/>
+                </a:moveTo>
+                <a:lnTo>
+                  <a:pt x="55052" y="98971"/>
+                </a:lnTo>
+                <a:lnTo>
+                  <a:pt x="54713" y="102297"/>
+                </a:lnTo>
+                <a:lnTo>
+                  <a:pt x="54374" y="105284"/>
+                </a:lnTo>
+                <a:lnTo>
+                  <a:pt x="53966" y="107388"/>
+                </a:lnTo>
+                <a:lnTo>
+                  <a:pt x="53763" y="108203"/>
+                </a:lnTo>
+                <a:lnTo>
+                  <a:pt x="53627" y="108746"/>
+                </a:lnTo>
+                <a:lnTo>
+                  <a:pt x="53423" y="109153"/>
+                </a:lnTo>
+                <a:lnTo>
+                  <a:pt x="53220" y="109357"/>
+                </a:lnTo>
+                <a:lnTo>
+                  <a:pt x="52677" y="109493"/>
+                </a:lnTo>
+                <a:lnTo>
+                  <a:pt x="51794" y="109696"/>
+                </a:lnTo>
+                <a:lnTo>
+                  <a:pt x="49690" y="110036"/>
+                </a:lnTo>
+                <a:lnTo>
+                  <a:pt x="48061" y="110307"/>
+                </a:lnTo>
+                <a:lnTo>
+                  <a:pt x="47450" y="110443"/>
+                </a:lnTo>
+                <a:lnTo>
+                  <a:pt x="47110" y="110511"/>
+                </a:lnTo>
+                <a:lnTo>
+                  <a:pt x="47042" y="110579"/>
+                </a:lnTo>
+                <a:lnTo>
+                  <a:pt x="47042" y="110783"/>
+                </a:lnTo>
+                <a:lnTo>
+                  <a:pt x="47110" y="110850"/>
+                </a:lnTo>
+                <a:lnTo>
+                  <a:pt x="47585" y="110918"/>
+                </a:lnTo>
+                <a:lnTo>
+                  <a:pt x="48400" y="110986"/>
+                </a:lnTo>
+                <a:lnTo>
+                  <a:pt x="51387" y="111054"/>
+                </a:lnTo>
+                <a:lnTo>
+                  <a:pt x="56071" y="111122"/>
+                </a:lnTo>
+                <a:lnTo>
+                  <a:pt x="87092" y="111122"/>
+                </a:lnTo>
+                <a:lnTo>
+                  <a:pt x="91708" y="111054"/>
+                </a:lnTo>
+                <a:lnTo>
+                  <a:pt x="94695" y="110986"/>
+                </a:lnTo>
+                <a:lnTo>
+                  <a:pt x="95578" y="110918"/>
+                </a:lnTo>
+                <a:lnTo>
+                  <a:pt x="96053" y="110850"/>
+                </a:lnTo>
+                <a:lnTo>
+                  <a:pt x="96121" y="110783"/>
+                </a:lnTo>
+                <a:lnTo>
+                  <a:pt x="96121" y="110579"/>
+                </a:lnTo>
+                <a:lnTo>
+                  <a:pt x="96053" y="110511"/>
+                </a:lnTo>
+                <a:lnTo>
+                  <a:pt x="95713" y="110443"/>
+                </a:lnTo>
+                <a:lnTo>
+                  <a:pt x="95102" y="110307"/>
+                </a:lnTo>
+                <a:lnTo>
+                  <a:pt x="93473" y="110036"/>
+                </a:lnTo>
+                <a:lnTo>
+                  <a:pt x="91369" y="109696"/>
+                </a:lnTo>
+                <a:lnTo>
+                  <a:pt x="90487" y="109493"/>
+                </a:lnTo>
+                <a:lnTo>
+                  <a:pt x="89943" y="109357"/>
+                </a:lnTo>
+                <a:lnTo>
+                  <a:pt x="89740" y="109153"/>
+                </a:lnTo>
+                <a:lnTo>
+                  <a:pt x="89536" y="108746"/>
+                </a:lnTo>
+                <a:lnTo>
+                  <a:pt x="89333" y="108203"/>
+                </a:lnTo>
+                <a:lnTo>
+                  <a:pt x="89197" y="107388"/>
+                </a:lnTo>
+                <a:lnTo>
+                  <a:pt x="88789" y="105284"/>
+                </a:lnTo>
+                <a:lnTo>
+                  <a:pt x="88382" y="102297"/>
+                </a:lnTo>
+                <a:lnTo>
+                  <a:pt x="88043" y="98971"/>
+                </a:lnTo>
+                <a:lnTo>
+                  <a:pt x="87839" y="95713"/>
+                </a:lnTo>
+                <a:close/>
+                <a:moveTo>
+                  <a:pt x="47450" y="111054"/>
+                </a:moveTo>
+                <a:lnTo>
+                  <a:pt x="47450" y="111122"/>
+                </a:lnTo>
+                <a:lnTo>
+                  <a:pt x="47450" y="111393"/>
+                </a:lnTo>
+                <a:lnTo>
+                  <a:pt x="47518" y="111461"/>
+                </a:lnTo>
+                <a:lnTo>
+                  <a:pt x="48807" y="111529"/>
+                </a:lnTo>
+                <a:lnTo>
+                  <a:pt x="52473" y="111597"/>
+                </a:lnTo>
+                <a:lnTo>
+                  <a:pt x="62384" y="111665"/>
+                </a:lnTo>
+                <a:lnTo>
+                  <a:pt x="80779" y="111665"/>
+                </a:lnTo>
+                <a:lnTo>
+                  <a:pt x="90622" y="111597"/>
+                </a:lnTo>
+                <a:lnTo>
+                  <a:pt x="94356" y="111529"/>
+                </a:lnTo>
+                <a:lnTo>
+                  <a:pt x="95646" y="111461"/>
+                </a:lnTo>
+                <a:lnTo>
+                  <a:pt x="95713" y="111393"/>
+                </a:lnTo>
+                <a:lnTo>
+                  <a:pt x="95713" y="111122"/>
+                </a:lnTo>
+                <a:lnTo>
+                  <a:pt x="95646" y="111054"/>
+                </a:lnTo>
+                <a:lnTo>
+                  <a:pt x="94084" y="111122"/>
+                </a:lnTo>
+                <a:lnTo>
+                  <a:pt x="91233" y="111190"/>
+                </a:lnTo>
+                <a:lnTo>
+                  <a:pt x="80847" y="111258"/>
+                </a:lnTo>
+                <a:lnTo>
+                  <a:pt x="62316" y="111258"/>
+                </a:lnTo>
+                <a:lnTo>
+                  <a:pt x="51930" y="111190"/>
+                </a:lnTo>
+                <a:lnTo>
+                  <a:pt x="49079" y="111122"/>
+                </a:lnTo>
+                <a:lnTo>
+                  <a:pt x="47518" y="111054"/>
+                </a:lnTo>
+                <a:close/>
+              </a:path>
+            </a:pathLst>
+          </a:custGeom>
+          <a:solidFill>
+            <a:schemeClr val="dk1"/>
+          </a:solidFill>
+          <a:ln>
+            <a:noFill/>
+          </a:ln>
+          <a:effectLst>
+            <a:outerShdw blurRad="171450" dist="38100" dir="5400000" algn="bl" rotWithShape="0">
+              <a:schemeClr val="dk1">
+                <a:alpha val="20000"/>
+              </a:schemeClr>
+            </a:outerShdw>
+          </a:effectLst>
+        </p:spPr>
+        <p:txBody>
+          <a:bodyPr spcFirstLastPara="1" wrap="square" lIns="91425" tIns="91425" rIns="91425" bIns="91425" anchor="ctr" anchorCtr="0">
+            <a:noAutofit/>
+          </a:bodyPr>
+          <a:lstStyle/>
+          <a:p>
+            <a:pPr marL="0" lvl="0" indent="0" algn="l" rtl="0">
+              <a:spcBef>
+                <a:spcPts val="0"/>
+              </a:spcBef>
+              <a:spcAft>
+                <a:spcPts val="0"/>
+              </a:spcAft>
+              <a:buNone/>
+            </a:pPr>
+            <a:endParaRPr/>
+          </a:p>
+        </p:txBody>
+      </p:sp>
+      <p:sp>
+        <p:nvSpPr>
+          <p:cNvPr id="548" name="Google Shape;548;p33"/>
+          <p:cNvSpPr/>
+          <p:nvPr/>
+        </p:nvSpPr>
+        <p:spPr>
+          <a:xfrm>
+            <a:off x="2546375" y="825013"/>
+            <a:ext cx="4518300" cy="2885100"/>
+          </a:xfrm>
+          <a:prstGeom prst="rect">
+            <a:avLst/>
+          </a:prstGeom>
+          <a:noFill/>
+          <a:ln>
+            <a:noFill/>
+          </a:ln>
+        </p:spPr>
+        <p:txBody>
+          <a:bodyPr spcFirstLastPara="1" wrap="square" lIns="91425" tIns="91425" rIns="91425" bIns="91425" anchor="ctr" anchorCtr="0">
+            <a:noAutofit/>
+          </a:bodyPr>
+          <a:lstStyle/>
+          <a:p>
+            <a:pPr marL="0" lvl="0" indent="0" algn="ctr" rtl="0">
+              <a:spcBef>
+                <a:spcPts val="0"/>
+              </a:spcBef>
+              <a:spcAft>
+                <a:spcPts val="0"/>
+              </a:spcAft>
+              <a:buNone/>
+            </a:pPr>
+            <a:r>
+              <a:rPr lang="en" sz="1000" dirty="0">
+                <a:solidFill>
+                  <a:schemeClr val="lt1"/>
+                </a:solidFill>
+                <a:latin typeface="Montserrat"/>
+                <a:ea typeface="Montserrat"/>
+                <a:cs typeface="Montserrat"/>
+                <a:sym typeface="Montserrat"/>
+              </a:rPr>
+              <a:t>Place your screenshot here</a:t>
+            </a:r>
+            <a:endParaRPr sz="1000" dirty="0">
+              <a:solidFill>
+                <a:schemeClr val="lt1"/>
+              </a:solidFill>
+              <a:latin typeface="Montserrat"/>
+              <a:ea typeface="Montserrat"/>
+              <a:cs typeface="Montserrat"/>
+              <a:sym typeface="Montserrat"/>
+            </a:endParaRPr>
+          </a:p>
+        </p:txBody>
+      </p:sp>
+      <p:sp>
+        <p:nvSpPr>
+          <p:cNvPr id="549" name="Google Shape;549;p33"/>
+          <p:cNvSpPr txBox="1">
+            <a:spLocks noGrp="1"/>
+          </p:cNvSpPr>
+          <p:nvPr>
+            <p:ph type="sldNum" idx="12"/>
+          </p:nvPr>
+        </p:nvSpPr>
+        <p:spPr>
+          <a:xfrm>
+            <a:off x="8729400" y="4734075"/>
+            <a:ext cx="414600" cy="409500"/>
+          </a:xfrm>
+          <a:prstGeom prst="rect">
+            <a:avLst/>
+          </a:prstGeom>
+        </p:spPr>
+        <p:txBody>
+          <a:bodyPr spcFirstLastPara="1" wrap="square" lIns="0" tIns="0" rIns="0" bIns="0" anchor="ctr" anchorCtr="0">
+            <a:noAutofit/>
+          </a:bodyPr>
+          <a:lstStyle/>
+          <a:p>
+            <a:pPr marL="0" lvl="0" indent="0" algn="ctr" rtl="0">
+              <a:spcBef>
+                <a:spcPts val="0"/>
+              </a:spcBef>
+              <a:spcAft>
+                <a:spcPts val="0"/>
+              </a:spcAft>
+              <a:buNone/>
+            </a:pPr>
+            <a:fld id="{00000000-1234-1234-1234-123412341234}" type="slidenum">
+              <a:rPr lang="en"/>
+              <a:t>4</a:t>
+            </a:fld>
+            <a:endParaRPr/>
+          </a:p>
+        </p:txBody>
+      </p:sp>
+      <p:sp>
+        <p:nvSpPr>
+          <p:cNvPr id="550" name="Google Shape;550;p33"/>
+          <p:cNvSpPr txBox="1">
+            <a:spLocks noGrp="1"/>
+          </p:cNvSpPr>
+          <p:nvPr>
+            <p:ph type="body" idx="4294967295"/>
+          </p:nvPr>
+        </p:nvSpPr>
+        <p:spPr>
+          <a:xfrm>
+            <a:off x="209427" y="621150"/>
+            <a:ext cx="2153329" cy="2274449"/>
+          </a:xfrm>
+          <a:prstGeom prst="rect">
+            <a:avLst/>
+          </a:prstGeom>
+        </p:spPr>
+        <p:txBody>
+          <a:bodyPr spcFirstLastPara="1" wrap="square" lIns="0" tIns="0" rIns="0" bIns="0" anchor="t" anchorCtr="0">
+            <a:noAutofit/>
+          </a:bodyPr>
+          <a:lstStyle/>
+          <a:p>
+            <a:pPr marL="0" lvl="0" indent="0" algn="l" rtl="0">
+              <a:spcBef>
+                <a:spcPts val="600"/>
+              </a:spcBef>
+              <a:spcAft>
+                <a:spcPts val="0"/>
+              </a:spcAft>
+              <a:buNone/>
+            </a:pPr>
+            <a:r>
+              <a:rPr lang="en-US" sz="1200" b="1" dirty="0">
+                <a:latin typeface="Poppins"/>
+                <a:ea typeface="Poppins"/>
+                <a:cs typeface="Poppins"/>
+                <a:sym typeface="Poppins"/>
+              </a:rPr>
+              <a:t>Birth Rate &amp; Life Expectancy</a:t>
+            </a:r>
+            <a:endParaRPr lang="en-US" sz="1200" dirty="0"/>
+          </a:p>
+          <a:p>
+            <a:pPr marL="228600" indent="-228600"/>
+            <a:r>
+              <a:rPr lang="en-US" sz="1200" dirty="0"/>
+              <a:t>R-Squared: </a:t>
+            </a:r>
+            <a:r>
+              <a:rPr lang="en-US" sz="1200" dirty="0">
+                <a:solidFill>
+                  <a:srgbClr val="000000"/>
+                </a:solidFill>
+                <a:latin typeface="Courier New" panose="02070309020205020404" pitchFamily="49" charset="0"/>
+              </a:rPr>
+              <a:t>0.916443022728935</a:t>
+            </a:r>
+            <a:endParaRPr lang="en-US" sz="1200" dirty="0"/>
+          </a:p>
+          <a:p>
+            <a:pPr marL="228600" indent="-228600"/>
+            <a:r>
+              <a:rPr lang="en-US" sz="1200" dirty="0"/>
+              <a:t>P-Value: </a:t>
+            </a:r>
+            <a:r>
+              <a:rPr lang="en-US" sz="1200" dirty="0">
+                <a:solidFill>
+                  <a:srgbClr val="000000"/>
+                </a:solidFill>
+                <a:latin typeface="Courier New" panose="02070309020205020404" pitchFamily="49" charset="0"/>
+              </a:rPr>
+              <a:t>1.56169928862533E-15</a:t>
+            </a:r>
+          </a:p>
+          <a:p>
+            <a:pPr marL="228600" indent="-228600"/>
+            <a:endParaRPr sz="1200" dirty="0"/>
+          </a:p>
+        </p:txBody>
+      </p:sp>
+      <p:pic>
+        <p:nvPicPr>
+          <p:cNvPr id="3" name="Picture 2">
+            <a:extLst>
+              <a:ext uri="{FF2B5EF4-FFF2-40B4-BE49-F238E27FC236}">
+                <a16:creationId xmlns:a16="http://schemas.microsoft.com/office/drawing/2014/main" id="{4C5BA604-D6A5-421A-A668-51585D38B4B6}"/>
+              </a:ext>
+            </a:extLst>
+          </p:cNvPr>
+          <p:cNvPicPr>
+            <a:picLocks noChangeAspect="1"/>
+          </p:cNvPicPr>
+          <p:nvPr/>
+        </p:nvPicPr>
+        <p:blipFill>
+          <a:blip r:embed="rId3"/>
+          <a:stretch>
+            <a:fillRect/>
+          </a:stretch>
+        </p:blipFill>
+        <p:spPr>
+          <a:xfrm>
+            <a:off x="2690899" y="687468"/>
+            <a:ext cx="5859075" cy="3075473"/>
+          </a:xfrm>
+          <a:prstGeom prst="rect">
+            <a:avLst/>
+          </a:prstGeom>
+        </p:spPr>
+      </p:pic>
+    </p:spTree>
+    <p:extLst>
+      <p:ext uri="{BB962C8B-B14F-4D97-AF65-F5344CB8AC3E}">
+        <p14:creationId xmlns:p14="http://schemas.microsoft.com/office/powerpoint/2010/main" val="159949467"/>
+      </p:ext>
+    </p:extLst>
+  </p:cSld>
+  <p:clrMapOvr>
+    <a:masterClrMapping/>
+  </p:clrMapOvr>
+</p:sld>
+</file>
+
+<file path=ppt/slides/slide5.xml><?xml version="1.0" encoding="utf-8"?>
+<p:sld xmlns:a="http://schemas.openxmlformats.org/drawingml/2006/main" xmlns:r="http://schemas.openxmlformats.org/officeDocument/2006/relationships" xmlns:p="http://schemas.openxmlformats.org/presentationml/2006/main">
+  <p:cSld>
+    <p:spTree>
+      <p:nvGrpSpPr>
+        <p:cNvPr id="1" name="Shape 332"/>
+        <p:cNvGrpSpPr/>
+        <p:nvPr/>
+      </p:nvGrpSpPr>
+      <p:grpSpPr>
+        <a:xfrm>
+          <a:off x="0" y="0"/>
+          <a:ext cx="0" cy="0"/>
+          <a:chOff x="0" y="0"/>
+          <a:chExt cx="0" cy="0"/>
+        </a:xfrm>
+      </p:grpSpPr>
+      <p:sp>
+        <p:nvSpPr>
+          <p:cNvPr id="333" name="Google Shape;333;p15"/>
+          <p:cNvSpPr txBox="1">
+            <a:spLocks noGrp="1"/>
+          </p:cNvSpPr>
+          <p:nvPr>
+            <p:ph type="ctrTitle"/>
+          </p:nvPr>
+        </p:nvSpPr>
+        <p:spPr>
+          <a:xfrm>
+            <a:off x="2027625" y="1629397"/>
+            <a:ext cx="5088600" cy="1159800"/>
+          </a:xfrm>
+          <a:prstGeom prst="rect">
+            <a:avLst/>
+          </a:prstGeom>
+        </p:spPr>
+        <p:txBody>
+          <a:bodyPr spcFirstLastPara="1" wrap="square" lIns="0" tIns="0" rIns="0" bIns="0" anchor="b" anchorCtr="0">
+            <a:noAutofit/>
+          </a:bodyPr>
+          <a:lstStyle/>
+          <a:p>
+            <a:pPr marL="0" lvl="0" indent="0" algn="l" rtl="0">
+              <a:spcBef>
+                <a:spcPts val="0"/>
+              </a:spcBef>
+              <a:spcAft>
+                <a:spcPts val="0"/>
+              </a:spcAft>
+              <a:buNone/>
+            </a:pPr>
+            <a:r>
+              <a:rPr lang="en" dirty="0">
+                <a:solidFill>
+                  <a:schemeClr val="accent2"/>
+                </a:solidFill>
+              </a:rPr>
+              <a:t>2.</a:t>
+            </a:r>
+            <a:endParaRPr lang="en-US" dirty="0">
+              <a:solidFill>
+                <a:schemeClr val="accent2"/>
+              </a:solidFill>
+            </a:endParaRPr>
+          </a:p>
+          <a:p>
+            <a:pPr marL="0" lvl="0" indent="0" algn="l" rtl="0">
+              <a:spcBef>
+                <a:spcPts val="0"/>
+              </a:spcBef>
+              <a:spcAft>
+                <a:spcPts val="0"/>
+              </a:spcAft>
+              <a:buNone/>
+            </a:pPr>
+            <a:r>
+              <a:rPr lang="en-US" dirty="0"/>
+              <a:t>WORLD DEATH RATE AVERAGES</a:t>
+            </a:r>
+          </a:p>
+        </p:txBody>
+      </p:sp>
+      <p:sp>
+        <p:nvSpPr>
+          <p:cNvPr id="334" name="Google Shape;334;p15"/>
+          <p:cNvSpPr txBox="1">
+            <a:spLocks noGrp="1"/>
+          </p:cNvSpPr>
+          <p:nvPr>
+            <p:ph type="subTitle" idx="1"/>
+          </p:nvPr>
+        </p:nvSpPr>
+        <p:spPr>
+          <a:xfrm>
+            <a:off x="2027625" y="2886101"/>
+            <a:ext cx="5088600" cy="784800"/>
+          </a:xfrm>
+          <a:prstGeom prst="rect">
+            <a:avLst/>
+          </a:prstGeom>
+        </p:spPr>
+        <p:txBody>
+          <a:bodyPr spcFirstLastPara="1" wrap="square" lIns="0" tIns="0" rIns="0" bIns="0" anchor="t" anchorCtr="0">
+            <a:noAutofit/>
+          </a:bodyPr>
+          <a:lstStyle/>
+          <a:p>
+            <a:pPr marL="0" lvl="0" indent="0"/>
+            <a:r>
+              <a:rPr lang="en-US" dirty="0"/>
+              <a:t>Death rate, crude (per 1,000 people)</a:t>
+            </a:r>
+          </a:p>
+        </p:txBody>
+      </p:sp>
+    </p:spTree>
+    <p:extLst>
+      <p:ext uri="{BB962C8B-B14F-4D97-AF65-F5344CB8AC3E}">
+        <p14:creationId xmlns:p14="http://schemas.microsoft.com/office/powerpoint/2010/main" val="2078795444"/>
+      </p:ext>
+    </p:extLst>
+  </p:cSld>
+  <p:clrMapOvr>
+    <a:masterClrMapping/>
+  </p:clrMapOvr>
+</p:sld>
+</file>
+
+<file path=ppt/slides/slide6.xml><?xml version="1.0" encoding="utf-8"?>
+<p:sld xmlns:a="http://schemas.openxmlformats.org/drawingml/2006/main" xmlns:r="http://schemas.openxmlformats.org/officeDocument/2006/relationships" xmlns:p="http://schemas.openxmlformats.org/presentationml/2006/main">
+  <p:cSld>
+    <p:bg>
+      <p:bgPr>
+        <a:gradFill>
+          <a:gsLst>
+            <a:gs pos="0">
+              <a:srgbClr val="F4F7FF"/>
+            </a:gs>
+            <a:gs pos="62000">
+              <a:srgbClr val="CCD4EB"/>
+            </a:gs>
+            <a:gs pos="100000">
+              <a:schemeClr val="accent2"/>
+            </a:gs>
+          </a:gsLst>
+          <a:path path="circle">
+            <a:fillToRect r="100000" b="100000"/>
+          </a:path>
+          <a:tileRect l="-100000" t="-100000"/>
+        </a:gradFill>
+        <a:effectLst/>
+      </p:bgPr>
+    </p:bg>
+    <p:spTree>
+      <p:nvGrpSpPr>
+        <p:cNvPr id="1" name="Shape 546"/>
+        <p:cNvGrpSpPr/>
+        <p:nvPr/>
+      </p:nvGrpSpPr>
+      <p:grpSpPr>
+        <a:xfrm>
+          <a:off x="0" y="0"/>
+          <a:ext cx="0" cy="0"/>
+          <a:chOff x="0" y="0"/>
+          <a:chExt cx="0" cy="0"/>
+        </a:xfrm>
+      </p:grpSpPr>
+      <p:sp>
+        <p:nvSpPr>
+          <p:cNvPr id="547" name="Google Shape;547;p33"/>
+          <p:cNvSpPr/>
+          <p:nvPr/>
+        </p:nvSpPr>
+        <p:spPr>
+          <a:xfrm>
+            <a:off x="2425751" y="468751"/>
+            <a:ext cx="6389374" cy="4112923"/>
+          </a:xfrm>
+          <a:custGeom>
+            <a:avLst/>
+            <a:gdLst/>
+            <a:ahLst/>
+            <a:cxnLst/>
+            <a:rect l="l" t="t" r="r" b="b"/>
+            <a:pathLst>
+              <a:path w="143434" h="111665" extrusionOk="0">
+                <a:moveTo>
+                  <a:pt x="71751" y="2308"/>
+                </a:moveTo>
+                <a:lnTo>
+                  <a:pt x="71887" y="2376"/>
+                </a:lnTo>
+                <a:lnTo>
+                  <a:pt x="72091" y="2444"/>
+                </a:lnTo>
+                <a:lnTo>
+                  <a:pt x="72159" y="2647"/>
+                </a:lnTo>
+                <a:lnTo>
+                  <a:pt x="72226" y="2783"/>
+                </a:lnTo>
+                <a:lnTo>
+                  <a:pt x="72159" y="2987"/>
+                </a:lnTo>
+                <a:lnTo>
+                  <a:pt x="72091" y="3190"/>
+                </a:lnTo>
+                <a:lnTo>
+                  <a:pt x="71887" y="3258"/>
+                </a:lnTo>
+                <a:lnTo>
+                  <a:pt x="71751" y="3326"/>
+                </a:lnTo>
+                <a:lnTo>
+                  <a:pt x="71548" y="3258"/>
+                </a:lnTo>
+                <a:lnTo>
+                  <a:pt x="71344" y="3190"/>
+                </a:lnTo>
+                <a:lnTo>
+                  <a:pt x="71276" y="2987"/>
+                </a:lnTo>
+                <a:lnTo>
+                  <a:pt x="71208" y="2783"/>
+                </a:lnTo>
+                <a:lnTo>
+                  <a:pt x="71276" y="2647"/>
+                </a:lnTo>
+                <a:lnTo>
+                  <a:pt x="71344" y="2444"/>
+                </a:lnTo>
+                <a:lnTo>
+                  <a:pt x="71548" y="2376"/>
+                </a:lnTo>
+                <a:lnTo>
+                  <a:pt x="71751" y="2308"/>
+                </a:lnTo>
+                <a:close/>
+                <a:moveTo>
+                  <a:pt x="137528" y="5906"/>
+                </a:moveTo>
+                <a:lnTo>
+                  <a:pt x="137596" y="5974"/>
+                </a:lnTo>
+                <a:lnTo>
+                  <a:pt x="137596" y="89604"/>
+                </a:lnTo>
+                <a:lnTo>
+                  <a:pt x="5906" y="89604"/>
+                </a:lnTo>
+                <a:lnTo>
+                  <a:pt x="5906" y="5974"/>
+                </a:lnTo>
+                <a:lnTo>
+                  <a:pt x="5906" y="5906"/>
+                </a:lnTo>
+                <a:close/>
+                <a:moveTo>
+                  <a:pt x="3530" y="0"/>
+                </a:moveTo>
+                <a:lnTo>
+                  <a:pt x="3191" y="68"/>
+                </a:lnTo>
+                <a:lnTo>
+                  <a:pt x="2444" y="339"/>
+                </a:lnTo>
+                <a:lnTo>
+                  <a:pt x="1766" y="679"/>
+                </a:lnTo>
+                <a:lnTo>
+                  <a:pt x="1155" y="1154"/>
+                </a:lnTo>
+                <a:lnTo>
+                  <a:pt x="679" y="1765"/>
+                </a:lnTo>
+                <a:lnTo>
+                  <a:pt x="272" y="2444"/>
+                </a:lnTo>
+                <a:lnTo>
+                  <a:pt x="69" y="3190"/>
+                </a:lnTo>
+                <a:lnTo>
+                  <a:pt x="1" y="3598"/>
+                </a:lnTo>
+                <a:lnTo>
+                  <a:pt x="1" y="4005"/>
+                </a:lnTo>
+                <a:lnTo>
+                  <a:pt x="1" y="91572"/>
+                </a:lnTo>
+                <a:lnTo>
+                  <a:pt x="1" y="91979"/>
+                </a:lnTo>
+                <a:lnTo>
+                  <a:pt x="69" y="92319"/>
+                </a:lnTo>
+                <a:lnTo>
+                  <a:pt x="272" y="93065"/>
+                </a:lnTo>
+                <a:lnTo>
+                  <a:pt x="679" y="93744"/>
+                </a:lnTo>
+                <a:lnTo>
+                  <a:pt x="1155" y="94355"/>
+                </a:lnTo>
+                <a:lnTo>
+                  <a:pt x="1766" y="94830"/>
+                </a:lnTo>
+                <a:lnTo>
+                  <a:pt x="2444" y="95238"/>
+                </a:lnTo>
+                <a:lnTo>
+                  <a:pt x="3191" y="95441"/>
+                </a:lnTo>
+                <a:lnTo>
+                  <a:pt x="3530" y="95509"/>
+                </a:lnTo>
+                <a:lnTo>
+                  <a:pt x="139904" y="95509"/>
+                </a:lnTo>
+                <a:lnTo>
+                  <a:pt x="140311" y="95441"/>
+                </a:lnTo>
+                <a:lnTo>
+                  <a:pt x="141058" y="95238"/>
+                </a:lnTo>
+                <a:lnTo>
+                  <a:pt x="141737" y="94830"/>
+                </a:lnTo>
+                <a:lnTo>
+                  <a:pt x="142280" y="94355"/>
+                </a:lnTo>
+                <a:lnTo>
+                  <a:pt x="142755" y="93744"/>
+                </a:lnTo>
+                <a:lnTo>
+                  <a:pt x="143162" y="93065"/>
+                </a:lnTo>
+                <a:lnTo>
+                  <a:pt x="143366" y="92319"/>
+                </a:lnTo>
+                <a:lnTo>
+                  <a:pt x="143434" y="91979"/>
+                </a:lnTo>
+                <a:lnTo>
+                  <a:pt x="143434" y="91572"/>
+                </a:lnTo>
+                <a:lnTo>
+                  <a:pt x="143434" y="4005"/>
+                </a:lnTo>
+                <a:lnTo>
+                  <a:pt x="143434" y="3598"/>
+                </a:lnTo>
+                <a:lnTo>
+                  <a:pt x="143366" y="3190"/>
+                </a:lnTo>
+                <a:lnTo>
+                  <a:pt x="143162" y="2444"/>
+                </a:lnTo>
+                <a:lnTo>
+                  <a:pt x="142755" y="1765"/>
+                </a:lnTo>
+                <a:lnTo>
+                  <a:pt x="142280" y="1154"/>
+                </a:lnTo>
+                <a:lnTo>
+                  <a:pt x="141737" y="679"/>
+                </a:lnTo>
+                <a:lnTo>
+                  <a:pt x="141058" y="339"/>
+                </a:lnTo>
+                <a:lnTo>
+                  <a:pt x="140311" y="68"/>
+                </a:lnTo>
+                <a:lnTo>
+                  <a:pt x="139904" y="0"/>
+                </a:lnTo>
+                <a:close/>
+                <a:moveTo>
+                  <a:pt x="55324" y="95713"/>
+                </a:moveTo>
+                <a:lnTo>
+                  <a:pt x="55052" y="98971"/>
+                </a:lnTo>
+                <a:lnTo>
+                  <a:pt x="54713" y="102297"/>
+                </a:lnTo>
+                <a:lnTo>
+                  <a:pt x="54374" y="105284"/>
+                </a:lnTo>
+                <a:lnTo>
+                  <a:pt x="53966" y="107388"/>
+                </a:lnTo>
+                <a:lnTo>
+                  <a:pt x="53763" y="108203"/>
+                </a:lnTo>
+                <a:lnTo>
+                  <a:pt x="53627" y="108746"/>
+                </a:lnTo>
+                <a:lnTo>
+                  <a:pt x="53423" y="109153"/>
+                </a:lnTo>
+                <a:lnTo>
+                  <a:pt x="53220" y="109357"/>
+                </a:lnTo>
+                <a:lnTo>
+                  <a:pt x="52677" y="109493"/>
+                </a:lnTo>
+                <a:lnTo>
+                  <a:pt x="51794" y="109696"/>
+                </a:lnTo>
+                <a:lnTo>
+                  <a:pt x="49690" y="110036"/>
+                </a:lnTo>
+                <a:lnTo>
+                  <a:pt x="48061" y="110307"/>
+                </a:lnTo>
+                <a:lnTo>
+                  <a:pt x="47450" y="110443"/>
+                </a:lnTo>
+                <a:lnTo>
+                  <a:pt x="47110" y="110511"/>
+                </a:lnTo>
+                <a:lnTo>
+                  <a:pt x="47042" y="110579"/>
+                </a:lnTo>
+                <a:lnTo>
+                  <a:pt x="47042" y="110783"/>
+                </a:lnTo>
+                <a:lnTo>
+                  <a:pt x="47110" y="110850"/>
+                </a:lnTo>
+                <a:lnTo>
+                  <a:pt x="47585" y="110918"/>
+                </a:lnTo>
+                <a:lnTo>
+                  <a:pt x="48400" y="110986"/>
+                </a:lnTo>
+                <a:lnTo>
+                  <a:pt x="51387" y="111054"/>
+                </a:lnTo>
+                <a:lnTo>
+                  <a:pt x="56071" y="111122"/>
+                </a:lnTo>
+                <a:lnTo>
+                  <a:pt x="87092" y="111122"/>
+                </a:lnTo>
+                <a:lnTo>
+                  <a:pt x="91708" y="111054"/>
+                </a:lnTo>
+                <a:lnTo>
+                  <a:pt x="94695" y="110986"/>
+                </a:lnTo>
+                <a:lnTo>
+                  <a:pt x="95578" y="110918"/>
+                </a:lnTo>
+                <a:lnTo>
+                  <a:pt x="96053" y="110850"/>
+                </a:lnTo>
+                <a:lnTo>
+                  <a:pt x="96121" y="110783"/>
+                </a:lnTo>
+                <a:lnTo>
+                  <a:pt x="96121" y="110579"/>
+                </a:lnTo>
+                <a:lnTo>
+                  <a:pt x="96053" y="110511"/>
+                </a:lnTo>
+                <a:lnTo>
+                  <a:pt x="95713" y="110443"/>
+                </a:lnTo>
+                <a:lnTo>
+                  <a:pt x="95102" y="110307"/>
+                </a:lnTo>
+                <a:lnTo>
+                  <a:pt x="93473" y="110036"/>
+                </a:lnTo>
+                <a:lnTo>
+                  <a:pt x="91369" y="109696"/>
+                </a:lnTo>
+                <a:lnTo>
+                  <a:pt x="90487" y="109493"/>
+                </a:lnTo>
+                <a:lnTo>
+                  <a:pt x="89943" y="109357"/>
+                </a:lnTo>
+                <a:lnTo>
+                  <a:pt x="89740" y="109153"/>
+                </a:lnTo>
+                <a:lnTo>
+                  <a:pt x="89536" y="108746"/>
+                </a:lnTo>
+                <a:lnTo>
+                  <a:pt x="89333" y="108203"/>
+                </a:lnTo>
+                <a:lnTo>
+                  <a:pt x="89197" y="107388"/>
+                </a:lnTo>
+                <a:lnTo>
+                  <a:pt x="88789" y="105284"/>
+                </a:lnTo>
+                <a:lnTo>
+                  <a:pt x="88382" y="102297"/>
+                </a:lnTo>
+                <a:lnTo>
+                  <a:pt x="88043" y="98971"/>
+                </a:lnTo>
+                <a:lnTo>
+                  <a:pt x="87839" y="95713"/>
+                </a:lnTo>
+                <a:close/>
+                <a:moveTo>
+                  <a:pt x="47450" y="111054"/>
+                </a:moveTo>
+                <a:lnTo>
+                  <a:pt x="47450" y="111122"/>
+                </a:lnTo>
+                <a:lnTo>
+                  <a:pt x="47450" y="111393"/>
+                </a:lnTo>
+                <a:lnTo>
+                  <a:pt x="47518" y="111461"/>
+                </a:lnTo>
+                <a:lnTo>
+                  <a:pt x="48807" y="111529"/>
+                </a:lnTo>
+                <a:lnTo>
+                  <a:pt x="52473" y="111597"/>
+                </a:lnTo>
+                <a:lnTo>
+                  <a:pt x="62384" y="111665"/>
+                </a:lnTo>
+                <a:lnTo>
+                  <a:pt x="80779" y="111665"/>
+                </a:lnTo>
+                <a:lnTo>
+                  <a:pt x="90622" y="111597"/>
+                </a:lnTo>
+                <a:lnTo>
+                  <a:pt x="94356" y="111529"/>
+                </a:lnTo>
+                <a:lnTo>
+                  <a:pt x="95646" y="111461"/>
+                </a:lnTo>
+                <a:lnTo>
+                  <a:pt x="95713" y="111393"/>
+                </a:lnTo>
+                <a:lnTo>
+                  <a:pt x="95713" y="111122"/>
+                </a:lnTo>
+                <a:lnTo>
+                  <a:pt x="95646" y="111054"/>
+                </a:lnTo>
+                <a:lnTo>
+                  <a:pt x="94084" y="111122"/>
+                </a:lnTo>
+                <a:lnTo>
+                  <a:pt x="91233" y="111190"/>
+                </a:lnTo>
+                <a:lnTo>
+                  <a:pt x="80847" y="111258"/>
+                </a:lnTo>
+                <a:lnTo>
+                  <a:pt x="62316" y="111258"/>
+                </a:lnTo>
+                <a:lnTo>
+                  <a:pt x="51930" y="111190"/>
+                </a:lnTo>
+                <a:lnTo>
+                  <a:pt x="49079" y="111122"/>
+                </a:lnTo>
+                <a:lnTo>
+                  <a:pt x="47518" y="111054"/>
+                </a:lnTo>
+                <a:close/>
+              </a:path>
+            </a:pathLst>
+          </a:custGeom>
+          <a:solidFill>
+            <a:schemeClr val="dk1"/>
+          </a:solidFill>
+          <a:ln>
+            <a:noFill/>
+          </a:ln>
+          <a:effectLst>
+            <a:outerShdw blurRad="171450" dist="38100" dir="5400000" algn="bl" rotWithShape="0">
+              <a:schemeClr val="dk1">
+                <a:alpha val="20000"/>
+              </a:schemeClr>
+            </a:outerShdw>
+          </a:effectLst>
+        </p:spPr>
+        <p:txBody>
+          <a:bodyPr spcFirstLastPara="1" wrap="square" lIns="91425" tIns="91425" rIns="91425" bIns="91425" anchor="ctr" anchorCtr="0">
+            <a:noAutofit/>
+          </a:bodyPr>
+          <a:lstStyle/>
+          <a:p>
+            <a:pPr marL="0" lvl="0" indent="0" algn="l" rtl="0">
+              <a:spcBef>
+                <a:spcPts val="0"/>
+              </a:spcBef>
+              <a:spcAft>
+                <a:spcPts val="0"/>
+              </a:spcAft>
+              <a:buNone/>
+            </a:pPr>
+            <a:endParaRPr/>
+          </a:p>
+        </p:txBody>
+      </p:sp>
+      <p:sp>
+        <p:nvSpPr>
+          <p:cNvPr id="548" name="Google Shape;548;p33"/>
+          <p:cNvSpPr/>
+          <p:nvPr/>
+        </p:nvSpPr>
+        <p:spPr>
+          <a:xfrm>
+            <a:off x="2546375" y="825013"/>
+            <a:ext cx="4518300" cy="2885100"/>
+          </a:xfrm>
+          <a:prstGeom prst="rect">
+            <a:avLst/>
+          </a:prstGeom>
+          <a:noFill/>
+          <a:ln>
+            <a:noFill/>
+          </a:ln>
+        </p:spPr>
+        <p:txBody>
+          <a:bodyPr spcFirstLastPara="1" wrap="square" lIns="91425" tIns="91425" rIns="91425" bIns="91425" anchor="ctr" anchorCtr="0">
+            <a:noAutofit/>
+          </a:bodyPr>
+          <a:lstStyle/>
+          <a:p>
+            <a:pPr marL="0" lvl="0" indent="0" algn="ctr" rtl="0">
+              <a:spcBef>
+                <a:spcPts val="0"/>
+              </a:spcBef>
+              <a:spcAft>
+                <a:spcPts val="0"/>
+              </a:spcAft>
+              <a:buNone/>
+            </a:pPr>
+            <a:r>
+              <a:rPr lang="en" sz="1000" dirty="0">
+                <a:solidFill>
+                  <a:schemeClr val="lt1"/>
+                </a:solidFill>
+                <a:latin typeface="Montserrat"/>
+                <a:ea typeface="Montserrat"/>
+                <a:cs typeface="Montserrat"/>
+                <a:sym typeface="Montserrat"/>
+              </a:rPr>
+              <a:t>Place your screenshot here</a:t>
+            </a:r>
+            <a:endParaRPr sz="1000" dirty="0">
+              <a:solidFill>
+                <a:schemeClr val="lt1"/>
+              </a:solidFill>
+              <a:latin typeface="Montserrat"/>
+              <a:ea typeface="Montserrat"/>
+              <a:cs typeface="Montserrat"/>
+              <a:sym typeface="Montserrat"/>
+            </a:endParaRPr>
+          </a:p>
+        </p:txBody>
+      </p:sp>
+      <p:sp>
+        <p:nvSpPr>
+          <p:cNvPr id="549" name="Google Shape;549;p33"/>
+          <p:cNvSpPr txBox="1">
+            <a:spLocks noGrp="1"/>
+          </p:cNvSpPr>
+          <p:nvPr>
+            <p:ph type="sldNum" idx="12"/>
+          </p:nvPr>
+        </p:nvSpPr>
+        <p:spPr>
+          <a:xfrm>
+            <a:off x="8729400" y="4734075"/>
+            <a:ext cx="414600" cy="409500"/>
+          </a:xfrm>
+          <a:prstGeom prst="rect">
+            <a:avLst/>
+          </a:prstGeom>
+        </p:spPr>
+        <p:txBody>
+          <a:bodyPr spcFirstLastPara="1" wrap="square" lIns="0" tIns="0" rIns="0" bIns="0" anchor="ctr" anchorCtr="0">
+            <a:noAutofit/>
+          </a:bodyPr>
+          <a:lstStyle/>
+          <a:p>
+            <a:pPr marL="0" lvl="0" indent="0" algn="ctr" rtl="0">
+              <a:spcBef>
+                <a:spcPts val="0"/>
+              </a:spcBef>
+              <a:spcAft>
+                <a:spcPts val="0"/>
+              </a:spcAft>
+              <a:buNone/>
+            </a:pPr>
+            <a:fld id="{00000000-1234-1234-1234-123412341234}" type="slidenum">
+              <a:rPr lang="en"/>
+              <a:t>6</a:t>
+            </a:fld>
+            <a:endParaRPr/>
+          </a:p>
+        </p:txBody>
+      </p:sp>
+      <p:sp>
+        <p:nvSpPr>
+          <p:cNvPr id="550" name="Google Shape;550;p33"/>
+          <p:cNvSpPr txBox="1">
+            <a:spLocks noGrp="1"/>
+          </p:cNvSpPr>
+          <p:nvPr>
+            <p:ph type="body" idx="4294967295"/>
+          </p:nvPr>
+        </p:nvSpPr>
+        <p:spPr>
+          <a:xfrm>
+            <a:off x="209427" y="621150"/>
+            <a:ext cx="2153329" cy="2274449"/>
+          </a:xfrm>
+          <a:prstGeom prst="rect">
+            <a:avLst/>
+          </a:prstGeom>
+        </p:spPr>
+        <p:txBody>
+          <a:bodyPr spcFirstLastPara="1" wrap="square" lIns="0" tIns="0" rIns="0" bIns="0" anchor="t" anchorCtr="0">
+            <a:noAutofit/>
+          </a:bodyPr>
+          <a:lstStyle/>
+          <a:p>
+            <a:pPr marL="0" lvl="0" indent="0" algn="l" rtl="0">
+              <a:spcBef>
+                <a:spcPts val="600"/>
+              </a:spcBef>
+              <a:spcAft>
+                <a:spcPts val="0"/>
+              </a:spcAft>
+              <a:buNone/>
+            </a:pPr>
+            <a:r>
+              <a:rPr lang="en-US" sz="1200" b="1" dirty="0">
+                <a:latin typeface="Poppins"/>
+                <a:ea typeface="Poppins"/>
+                <a:cs typeface="Poppins"/>
+                <a:sym typeface="Poppins"/>
+              </a:rPr>
+              <a:t>Death Rate &amp; Life Expectancy</a:t>
+            </a:r>
+            <a:endParaRPr lang="en-US" sz="1200" dirty="0"/>
+          </a:p>
+          <a:p>
+            <a:pPr marL="228600" indent="-228600"/>
+            <a:r>
+              <a:rPr lang="en-US" sz="1200" dirty="0"/>
+              <a:t>R-Squared: </a:t>
+            </a:r>
+            <a:r>
+              <a:rPr lang="en-US" sz="1200" dirty="0">
+                <a:solidFill>
+                  <a:srgbClr val="000000"/>
+                </a:solidFill>
+                <a:latin typeface="Courier New" panose="02070309020205020404" pitchFamily="49" charset="0"/>
+              </a:rPr>
+              <a:t>0.988680085628955</a:t>
+            </a:r>
+            <a:endParaRPr lang="en-US" sz="1200" dirty="0"/>
+          </a:p>
+          <a:p>
+            <a:pPr marL="228600" indent="-228600"/>
+            <a:r>
+              <a:rPr lang="en-US" sz="1200" dirty="0"/>
+              <a:t>P-Value: </a:t>
+            </a:r>
+            <a:r>
+              <a:rPr lang="en-US" sz="1200" dirty="0">
+                <a:solidFill>
+                  <a:srgbClr val="000000"/>
+                </a:solidFill>
+                <a:latin typeface="Courier New" panose="02070309020205020404" pitchFamily="49" charset="0"/>
+              </a:rPr>
+              <a:t>2.12976706389872E-33</a:t>
+            </a:r>
+          </a:p>
+          <a:p>
+            <a:pPr marL="228600" indent="-228600"/>
+            <a:endParaRPr sz="1200" dirty="0"/>
+          </a:p>
+        </p:txBody>
+      </p:sp>
+      <p:pic>
+        <p:nvPicPr>
+          <p:cNvPr id="4" name="Picture 3">
+            <a:extLst>
+              <a:ext uri="{FF2B5EF4-FFF2-40B4-BE49-F238E27FC236}">
+                <a16:creationId xmlns:a16="http://schemas.microsoft.com/office/drawing/2014/main" id="{7EF46FCF-A06F-4DE4-93CD-29B960BEEE59}"/>
+              </a:ext>
+            </a:extLst>
+          </p:cNvPr>
+          <p:cNvPicPr>
+            <a:picLocks noChangeAspect="1"/>
+          </p:cNvPicPr>
+          <p:nvPr/>
+        </p:nvPicPr>
+        <p:blipFill rotWithShape="1">
+          <a:blip r:embed="rId3"/>
+          <a:srcRect l="7737" t="8786" r="5402" b="11859"/>
+          <a:stretch/>
+        </p:blipFill>
+        <p:spPr>
+          <a:xfrm>
+            <a:off x="2683130" y="672612"/>
+            <a:ext cx="5866844" cy="3098454"/>
+          </a:xfrm>
+          <a:prstGeom prst="rect">
+            <a:avLst/>
+          </a:prstGeom>
+        </p:spPr>
+      </p:pic>
+    </p:spTree>
+    <p:extLst>
+      <p:ext uri="{BB962C8B-B14F-4D97-AF65-F5344CB8AC3E}">
+        <p14:creationId xmlns:p14="http://schemas.microsoft.com/office/powerpoint/2010/main" val="1477196627"/>
+      </p:ext>
+    </p:extLst>
+  </p:cSld>
+  <p:clrMapOvr>
+    <a:masterClrMapping/>
+  </p:clrMapOvr>
+</p:sld>
+</file>
+
+<file path=ppt/slides/slide7.xml><?xml version="1.0" encoding="utf-8"?>
+<p:sld xmlns:a="http://schemas.openxmlformats.org/drawingml/2006/main" xmlns:r="http://schemas.openxmlformats.org/officeDocument/2006/relationships" xmlns:p="http://schemas.openxmlformats.org/presentationml/2006/main">
+  <p:cSld>
+    <p:spTree>
+      <p:nvGrpSpPr>
+        <p:cNvPr id="1" name="Shape 332"/>
+        <p:cNvGrpSpPr/>
+        <p:nvPr/>
+      </p:nvGrpSpPr>
+      <p:grpSpPr>
+        <a:xfrm>
+          <a:off x="0" y="0"/>
+          <a:ext cx="0" cy="0"/>
+          <a:chOff x="0" y="0"/>
+          <a:chExt cx="0" cy="0"/>
+        </a:xfrm>
+      </p:grpSpPr>
+      <p:sp>
+        <p:nvSpPr>
+          <p:cNvPr id="333" name="Google Shape;333;p15"/>
+          <p:cNvSpPr txBox="1">
+            <a:spLocks noGrp="1"/>
+          </p:cNvSpPr>
+          <p:nvPr>
+            <p:ph type="ctrTitle"/>
+          </p:nvPr>
+        </p:nvSpPr>
+        <p:spPr>
+          <a:xfrm>
+            <a:off x="2027625" y="1629397"/>
+            <a:ext cx="5088600" cy="1159800"/>
+          </a:xfrm>
+          <a:prstGeom prst="rect">
+            <a:avLst/>
+          </a:prstGeom>
+        </p:spPr>
+        <p:txBody>
+          <a:bodyPr spcFirstLastPara="1" wrap="square" lIns="0" tIns="0" rIns="0" bIns="0" anchor="b" anchorCtr="0">
+            <a:noAutofit/>
+          </a:bodyPr>
+          <a:lstStyle/>
+          <a:p>
+            <a:pPr marL="0" lvl="0" indent="0" algn="l" rtl="0">
+              <a:spcBef>
+                <a:spcPts val="0"/>
+              </a:spcBef>
+              <a:spcAft>
+                <a:spcPts val="0"/>
+              </a:spcAft>
+              <a:buNone/>
+            </a:pPr>
+            <a:r>
+              <a:rPr lang="en" dirty="0">
+                <a:solidFill>
+                  <a:schemeClr val="accent2"/>
+                </a:solidFill>
+              </a:rPr>
+              <a:t>3.</a:t>
+            </a:r>
+            <a:endParaRPr lang="en-US" dirty="0">
+              <a:solidFill>
+                <a:schemeClr val="accent2"/>
+              </a:solidFill>
+            </a:endParaRPr>
+          </a:p>
+          <a:p>
+            <a:pPr marL="0" lvl="0" indent="0" algn="l" rtl="0">
+              <a:spcBef>
+                <a:spcPts val="0"/>
+              </a:spcBef>
+              <a:spcAft>
+                <a:spcPts val="0"/>
+              </a:spcAft>
+              <a:buNone/>
+            </a:pPr>
+            <a:r>
+              <a:rPr lang="en-US" dirty="0"/>
+              <a:t>WORLD DEATH RATE CHILDREN UNDER 5</a:t>
+            </a:r>
+          </a:p>
+        </p:txBody>
+      </p:sp>
+      <p:sp>
+        <p:nvSpPr>
+          <p:cNvPr id="334" name="Google Shape;334;p15"/>
+          <p:cNvSpPr txBox="1">
+            <a:spLocks noGrp="1"/>
+          </p:cNvSpPr>
+          <p:nvPr>
+            <p:ph type="subTitle" idx="1"/>
+          </p:nvPr>
+        </p:nvSpPr>
+        <p:spPr>
+          <a:xfrm>
+            <a:off x="2027625" y="2886101"/>
+            <a:ext cx="5088600" cy="784800"/>
+          </a:xfrm>
+          <a:prstGeom prst="rect">
+            <a:avLst/>
+          </a:prstGeom>
+        </p:spPr>
+        <p:txBody>
+          <a:bodyPr spcFirstLastPara="1" wrap="square" lIns="0" tIns="0" rIns="0" bIns="0" anchor="t" anchorCtr="0">
+            <a:noAutofit/>
+          </a:bodyPr>
+          <a:lstStyle/>
+          <a:p>
+            <a:pPr marL="0" lvl="0" indent="0"/>
+            <a:r>
+              <a:rPr lang="en-US" dirty="0"/>
+              <a:t>Deaths under 5 years old (per million)</a:t>
+            </a:r>
+          </a:p>
+        </p:txBody>
+      </p:sp>
+    </p:spTree>
+    <p:extLst>
+      <p:ext uri="{BB962C8B-B14F-4D97-AF65-F5344CB8AC3E}">
+        <p14:creationId xmlns:p14="http://schemas.microsoft.com/office/powerpoint/2010/main" val="4060368286"/>
+      </p:ext>
+    </p:extLst>
+  </p:cSld>
+  <p:clrMapOvr>
+    <a:masterClrMapping/>
+  </p:clrMapOvr>
+</p:sld>
+</file>
+
+<file path=ppt/slides/slide8.xml><?xml version="1.0" encoding="utf-8"?>
+<p:sld xmlns:a="http://schemas.openxmlformats.org/drawingml/2006/main" xmlns:r="http://schemas.openxmlformats.org/officeDocument/2006/relationships" xmlns:p="http://schemas.openxmlformats.org/presentationml/2006/main">
+  <p:cSld>
+    <p:bg>
+      <p:bgPr>
+        <a:gradFill>
+          <a:gsLst>
+            <a:gs pos="0">
+              <a:srgbClr val="F4F7FF"/>
+            </a:gs>
+            <a:gs pos="62000">
+              <a:srgbClr val="CCD4EB"/>
+            </a:gs>
+            <a:gs pos="100000">
+              <a:schemeClr val="accent2"/>
+            </a:gs>
+          </a:gsLst>
+          <a:path path="circle">
+            <a:fillToRect r="100000" b="100000"/>
+          </a:path>
+          <a:tileRect l="-100000" t="-100000"/>
+        </a:gradFill>
+        <a:effectLst/>
+      </p:bgPr>
+    </p:bg>
+    <p:spTree>
+      <p:nvGrpSpPr>
+        <p:cNvPr id="1" name="Shape 546"/>
+        <p:cNvGrpSpPr/>
+        <p:nvPr/>
+      </p:nvGrpSpPr>
+      <p:grpSpPr>
+        <a:xfrm>
+          <a:off x="0" y="0"/>
+          <a:ext cx="0" cy="0"/>
+          <a:chOff x="0" y="0"/>
+          <a:chExt cx="0" cy="0"/>
+        </a:xfrm>
+      </p:grpSpPr>
+      <p:sp>
+        <p:nvSpPr>
+          <p:cNvPr id="547" name="Google Shape;547;p33"/>
+          <p:cNvSpPr/>
+          <p:nvPr/>
+        </p:nvSpPr>
+        <p:spPr>
+          <a:xfrm>
+            <a:off x="2425751" y="468751"/>
+            <a:ext cx="6389374" cy="4112923"/>
+          </a:xfrm>
+          <a:custGeom>
+            <a:avLst/>
+            <a:gdLst/>
+            <a:ahLst/>
+            <a:cxnLst/>
+            <a:rect l="l" t="t" r="r" b="b"/>
+            <a:pathLst>
+              <a:path w="143434" h="111665" extrusionOk="0">
+                <a:moveTo>
+                  <a:pt x="71751" y="2308"/>
+                </a:moveTo>
+                <a:lnTo>
+                  <a:pt x="71887" y="2376"/>
+                </a:lnTo>
+                <a:lnTo>
+                  <a:pt x="72091" y="2444"/>
+                </a:lnTo>
+                <a:lnTo>
+                  <a:pt x="72159" y="2647"/>
+                </a:lnTo>
+                <a:lnTo>
+                  <a:pt x="72226" y="2783"/>
+                </a:lnTo>
+                <a:lnTo>
+                  <a:pt x="72159" y="2987"/>
+                </a:lnTo>
+                <a:lnTo>
+                  <a:pt x="72091" y="3190"/>
+                </a:lnTo>
+                <a:lnTo>
+                  <a:pt x="71887" y="3258"/>
+                </a:lnTo>
+                <a:lnTo>
+                  <a:pt x="71751" y="3326"/>
+                </a:lnTo>
+                <a:lnTo>
+                  <a:pt x="71548" y="3258"/>
+                </a:lnTo>
+                <a:lnTo>
+                  <a:pt x="71344" y="3190"/>
+                </a:lnTo>
+                <a:lnTo>
+                  <a:pt x="71276" y="2987"/>
+                </a:lnTo>
+                <a:lnTo>
+                  <a:pt x="71208" y="2783"/>
+                </a:lnTo>
+                <a:lnTo>
+                  <a:pt x="71276" y="2647"/>
+                </a:lnTo>
+                <a:lnTo>
+                  <a:pt x="71344" y="2444"/>
+                </a:lnTo>
+                <a:lnTo>
+                  <a:pt x="71548" y="2376"/>
+                </a:lnTo>
+                <a:lnTo>
+                  <a:pt x="71751" y="2308"/>
+                </a:lnTo>
+                <a:close/>
+                <a:moveTo>
+                  <a:pt x="137528" y="5906"/>
+                </a:moveTo>
+                <a:lnTo>
+                  <a:pt x="137596" y="5974"/>
+                </a:lnTo>
+                <a:lnTo>
+                  <a:pt x="137596" y="89604"/>
+                </a:lnTo>
+                <a:lnTo>
+                  <a:pt x="5906" y="89604"/>
+                </a:lnTo>
+                <a:lnTo>
+                  <a:pt x="5906" y="5974"/>
+                </a:lnTo>
+                <a:lnTo>
+                  <a:pt x="5906" y="5906"/>
+                </a:lnTo>
+                <a:close/>
+                <a:moveTo>
+                  <a:pt x="3530" y="0"/>
+                </a:moveTo>
+                <a:lnTo>
+                  <a:pt x="3191" y="68"/>
+                </a:lnTo>
+                <a:lnTo>
+                  <a:pt x="2444" y="339"/>
+                </a:lnTo>
+                <a:lnTo>
+                  <a:pt x="1766" y="679"/>
+                </a:lnTo>
+                <a:lnTo>
+                  <a:pt x="1155" y="1154"/>
+                </a:lnTo>
+                <a:lnTo>
+                  <a:pt x="679" y="1765"/>
+                </a:lnTo>
+                <a:lnTo>
+                  <a:pt x="272" y="2444"/>
+                </a:lnTo>
+                <a:lnTo>
+                  <a:pt x="69" y="3190"/>
+                </a:lnTo>
+                <a:lnTo>
+                  <a:pt x="1" y="3598"/>
+                </a:lnTo>
+                <a:lnTo>
+                  <a:pt x="1" y="4005"/>
+                </a:lnTo>
+                <a:lnTo>
+                  <a:pt x="1" y="91572"/>
+                </a:lnTo>
+                <a:lnTo>
+                  <a:pt x="1" y="91979"/>
+                </a:lnTo>
+                <a:lnTo>
+                  <a:pt x="69" y="92319"/>
+                </a:lnTo>
+                <a:lnTo>
+                  <a:pt x="272" y="93065"/>
+                </a:lnTo>
+                <a:lnTo>
+                  <a:pt x="679" y="93744"/>
+                </a:lnTo>
+                <a:lnTo>
+                  <a:pt x="1155" y="94355"/>
+                </a:lnTo>
+                <a:lnTo>
+                  <a:pt x="1766" y="94830"/>
+                </a:lnTo>
+                <a:lnTo>
+                  <a:pt x="2444" y="95238"/>
+                </a:lnTo>
+                <a:lnTo>
+                  <a:pt x="3191" y="95441"/>
+                </a:lnTo>
+                <a:lnTo>
+                  <a:pt x="3530" y="95509"/>
+                </a:lnTo>
+                <a:lnTo>
+                  <a:pt x="139904" y="95509"/>
+                </a:lnTo>
+                <a:lnTo>
+                  <a:pt x="140311" y="95441"/>
+                </a:lnTo>
+                <a:lnTo>
+                  <a:pt x="141058" y="95238"/>
+                </a:lnTo>
+                <a:lnTo>
+                  <a:pt x="141737" y="94830"/>
+                </a:lnTo>
+                <a:lnTo>
+                  <a:pt x="142280" y="94355"/>
+                </a:lnTo>
+                <a:lnTo>
+                  <a:pt x="142755" y="93744"/>
+                </a:lnTo>
+                <a:lnTo>
+                  <a:pt x="143162" y="93065"/>
+                </a:lnTo>
+                <a:lnTo>
+                  <a:pt x="143366" y="92319"/>
+                </a:lnTo>
+                <a:lnTo>
+                  <a:pt x="143434" y="91979"/>
+                </a:lnTo>
+                <a:lnTo>
+                  <a:pt x="143434" y="91572"/>
+                </a:lnTo>
+                <a:lnTo>
+                  <a:pt x="143434" y="4005"/>
+                </a:lnTo>
+                <a:lnTo>
+                  <a:pt x="143434" y="3598"/>
+                </a:lnTo>
+                <a:lnTo>
+                  <a:pt x="143366" y="3190"/>
+                </a:lnTo>
+                <a:lnTo>
+                  <a:pt x="143162" y="2444"/>
+                </a:lnTo>
+                <a:lnTo>
+                  <a:pt x="142755" y="1765"/>
+                </a:lnTo>
+                <a:lnTo>
+                  <a:pt x="142280" y="1154"/>
+                </a:lnTo>
+                <a:lnTo>
+                  <a:pt x="141737" y="679"/>
+                </a:lnTo>
+                <a:lnTo>
+                  <a:pt x="141058" y="339"/>
+                </a:lnTo>
+                <a:lnTo>
+                  <a:pt x="140311" y="68"/>
+                </a:lnTo>
+                <a:lnTo>
+                  <a:pt x="139904" y="0"/>
+                </a:lnTo>
+                <a:close/>
+                <a:moveTo>
+                  <a:pt x="55324" y="95713"/>
+                </a:moveTo>
+                <a:lnTo>
+                  <a:pt x="55052" y="98971"/>
+                </a:lnTo>
+                <a:lnTo>
+                  <a:pt x="54713" y="102297"/>
+                </a:lnTo>
+                <a:lnTo>
+                  <a:pt x="54374" y="105284"/>
+                </a:lnTo>
+                <a:lnTo>
+                  <a:pt x="53966" y="107388"/>
+                </a:lnTo>
+                <a:lnTo>
+                  <a:pt x="53763" y="108203"/>
+                </a:lnTo>
+                <a:lnTo>
+                  <a:pt x="53627" y="108746"/>
+                </a:lnTo>
+                <a:lnTo>
+                  <a:pt x="53423" y="109153"/>
+                </a:lnTo>
+                <a:lnTo>
+                  <a:pt x="53220" y="109357"/>
+                </a:lnTo>
+                <a:lnTo>
+                  <a:pt x="52677" y="109493"/>
+                </a:lnTo>
+                <a:lnTo>
+                  <a:pt x="51794" y="109696"/>
+                </a:lnTo>
+                <a:lnTo>
+                  <a:pt x="49690" y="110036"/>
+                </a:lnTo>
+                <a:lnTo>
+                  <a:pt x="48061" y="110307"/>
+                </a:lnTo>
+                <a:lnTo>
+                  <a:pt x="47450" y="110443"/>
+                </a:lnTo>
+                <a:lnTo>
+                  <a:pt x="47110" y="110511"/>
+                </a:lnTo>
+                <a:lnTo>
+                  <a:pt x="47042" y="110579"/>
+                </a:lnTo>
+                <a:lnTo>
+                  <a:pt x="47042" y="110783"/>
+                </a:lnTo>
+                <a:lnTo>
+                  <a:pt x="47110" y="110850"/>
+                </a:lnTo>
+                <a:lnTo>
+                  <a:pt x="47585" y="110918"/>
+                </a:lnTo>
+                <a:lnTo>
+                  <a:pt x="48400" y="110986"/>
+                </a:lnTo>
+                <a:lnTo>
+                  <a:pt x="51387" y="111054"/>
+                </a:lnTo>
+                <a:lnTo>
+                  <a:pt x="56071" y="111122"/>
+                </a:lnTo>
+                <a:lnTo>
+                  <a:pt x="87092" y="111122"/>
+                </a:lnTo>
+                <a:lnTo>
+                  <a:pt x="91708" y="111054"/>
+                </a:lnTo>
+                <a:lnTo>
+                  <a:pt x="94695" y="110986"/>
+                </a:lnTo>
+                <a:lnTo>
+                  <a:pt x="95578" y="110918"/>
+                </a:lnTo>
+                <a:lnTo>
+                  <a:pt x="96053" y="110850"/>
+                </a:lnTo>
+                <a:lnTo>
+                  <a:pt x="96121" y="110783"/>
+                </a:lnTo>
+                <a:lnTo>
+                  <a:pt x="96121" y="110579"/>
+                </a:lnTo>
+                <a:lnTo>
+                  <a:pt x="96053" y="110511"/>
+                </a:lnTo>
+                <a:lnTo>
+                  <a:pt x="95713" y="110443"/>
+                </a:lnTo>
+                <a:lnTo>
+                  <a:pt x="95102" y="110307"/>
+                </a:lnTo>
+                <a:lnTo>
+                  <a:pt x="93473" y="110036"/>
+                </a:lnTo>
+                <a:lnTo>
+                  <a:pt x="91369" y="109696"/>
+                </a:lnTo>
+                <a:lnTo>
+                  <a:pt x="90487" y="109493"/>
+                </a:lnTo>
+                <a:lnTo>
+                  <a:pt x="89943" y="109357"/>
+                </a:lnTo>
+                <a:lnTo>
+                  <a:pt x="89740" y="109153"/>
+                </a:lnTo>
+                <a:lnTo>
+                  <a:pt x="89536" y="108746"/>
+                </a:lnTo>
+                <a:lnTo>
+                  <a:pt x="89333" y="108203"/>
+                </a:lnTo>
+                <a:lnTo>
+                  <a:pt x="89197" y="107388"/>
+                </a:lnTo>
+                <a:lnTo>
+                  <a:pt x="88789" y="105284"/>
+                </a:lnTo>
+                <a:lnTo>
+                  <a:pt x="88382" y="102297"/>
+                </a:lnTo>
+                <a:lnTo>
+                  <a:pt x="88043" y="98971"/>
+                </a:lnTo>
+                <a:lnTo>
+                  <a:pt x="87839" y="95713"/>
+                </a:lnTo>
+                <a:close/>
+                <a:moveTo>
+                  <a:pt x="47450" y="111054"/>
+                </a:moveTo>
+                <a:lnTo>
+                  <a:pt x="47450" y="111122"/>
+                </a:lnTo>
+                <a:lnTo>
+                  <a:pt x="47450" y="111393"/>
+                </a:lnTo>
+                <a:lnTo>
+                  <a:pt x="47518" y="111461"/>
+                </a:lnTo>
+                <a:lnTo>
+                  <a:pt x="48807" y="111529"/>
+                </a:lnTo>
+                <a:lnTo>
+                  <a:pt x="52473" y="111597"/>
+                </a:lnTo>
+                <a:lnTo>
+                  <a:pt x="62384" y="111665"/>
+                </a:lnTo>
+                <a:lnTo>
+                  <a:pt x="80779" y="111665"/>
+                </a:lnTo>
+                <a:lnTo>
+                  <a:pt x="90622" y="111597"/>
+                </a:lnTo>
+                <a:lnTo>
+                  <a:pt x="94356" y="111529"/>
+                </a:lnTo>
+                <a:lnTo>
+                  <a:pt x="95646" y="111461"/>
+                </a:lnTo>
+                <a:lnTo>
+                  <a:pt x="95713" y="111393"/>
+                </a:lnTo>
+                <a:lnTo>
+                  <a:pt x="95713" y="111122"/>
+                </a:lnTo>
+                <a:lnTo>
+                  <a:pt x="95646" y="111054"/>
+                </a:lnTo>
+                <a:lnTo>
+                  <a:pt x="94084" y="111122"/>
+                </a:lnTo>
+                <a:lnTo>
+                  <a:pt x="91233" y="111190"/>
+                </a:lnTo>
+                <a:lnTo>
+                  <a:pt x="80847" y="111258"/>
+                </a:lnTo>
+                <a:lnTo>
+                  <a:pt x="62316" y="111258"/>
+                </a:lnTo>
+                <a:lnTo>
+                  <a:pt x="51930" y="111190"/>
+                </a:lnTo>
+                <a:lnTo>
+                  <a:pt x="49079" y="111122"/>
+                </a:lnTo>
+                <a:lnTo>
+                  <a:pt x="47518" y="111054"/>
+                </a:lnTo>
+                <a:close/>
+              </a:path>
+            </a:pathLst>
+          </a:custGeom>
+          <a:solidFill>
+            <a:schemeClr val="dk1"/>
+          </a:solidFill>
+          <a:ln>
+            <a:noFill/>
+          </a:ln>
+          <a:effectLst>
+            <a:outerShdw blurRad="171450" dist="38100" dir="5400000" algn="bl" rotWithShape="0">
+              <a:schemeClr val="dk1">
+                <a:alpha val="20000"/>
+              </a:schemeClr>
+            </a:outerShdw>
+          </a:effectLst>
+        </p:spPr>
+        <p:txBody>
+          <a:bodyPr spcFirstLastPara="1" wrap="square" lIns="91425" tIns="91425" rIns="91425" bIns="91425" anchor="ctr" anchorCtr="0">
+            <a:noAutofit/>
+          </a:bodyPr>
+          <a:lstStyle/>
+          <a:p>
+            <a:pPr marL="0" lvl="0" indent="0" algn="l" rtl="0">
+              <a:spcBef>
+                <a:spcPts val="0"/>
+              </a:spcBef>
+              <a:spcAft>
+                <a:spcPts val="0"/>
+              </a:spcAft>
+              <a:buNone/>
+            </a:pPr>
+            <a:endParaRPr/>
+          </a:p>
+        </p:txBody>
+      </p:sp>
+      <p:sp>
+        <p:nvSpPr>
+          <p:cNvPr id="548" name="Google Shape;548;p33"/>
+          <p:cNvSpPr/>
+          <p:nvPr/>
+        </p:nvSpPr>
+        <p:spPr>
+          <a:xfrm>
+            <a:off x="2546375" y="825013"/>
+            <a:ext cx="4518300" cy="2885100"/>
+          </a:xfrm>
+          <a:prstGeom prst="rect">
+            <a:avLst/>
+          </a:prstGeom>
+          <a:noFill/>
+          <a:ln>
+            <a:noFill/>
+          </a:ln>
+        </p:spPr>
+        <p:txBody>
+          <a:bodyPr spcFirstLastPara="1" wrap="square" lIns="91425" tIns="91425" rIns="91425" bIns="91425" anchor="ctr" anchorCtr="0">
+            <a:noAutofit/>
+          </a:bodyPr>
+          <a:lstStyle/>
+          <a:p>
+            <a:pPr marL="0" lvl="0" indent="0" algn="ctr" rtl="0">
+              <a:spcBef>
+                <a:spcPts val="0"/>
+              </a:spcBef>
+              <a:spcAft>
+                <a:spcPts val="0"/>
+              </a:spcAft>
+              <a:buNone/>
+            </a:pPr>
+            <a:r>
+              <a:rPr lang="en" sz="1000" dirty="0">
+                <a:solidFill>
+                  <a:schemeClr val="lt1"/>
+                </a:solidFill>
+                <a:latin typeface="Montserrat"/>
+                <a:ea typeface="Montserrat"/>
+                <a:cs typeface="Montserrat"/>
+                <a:sym typeface="Montserrat"/>
+              </a:rPr>
+              <a:t>Place your screenshot here</a:t>
+            </a:r>
+            <a:endParaRPr sz="1000" dirty="0">
+              <a:solidFill>
+                <a:schemeClr val="lt1"/>
+              </a:solidFill>
+              <a:latin typeface="Montserrat"/>
+              <a:ea typeface="Montserrat"/>
+              <a:cs typeface="Montserrat"/>
+              <a:sym typeface="Montserrat"/>
+            </a:endParaRPr>
+          </a:p>
+        </p:txBody>
+      </p:sp>
+      <p:sp>
+        <p:nvSpPr>
+          <p:cNvPr id="549" name="Google Shape;549;p33"/>
+          <p:cNvSpPr txBox="1">
+            <a:spLocks noGrp="1"/>
+          </p:cNvSpPr>
+          <p:nvPr>
+            <p:ph type="sldNum" idx="12"/>
+          </p:nvPr>
+        </p:nvSpPr>
+        <p:spPr>
+          <a:xfrm>
+            <a:off x="8729400" y="4734075"/>
+            <a:ext cx="414600" cy="409500"/>
+          </a:xfrm>
+          <a:prstGeom prst="rect">
+            <a:avLst/>
+          </a:prstGeom>
+        </p:spPr>
+        <p:txBody>
+          <a:bodyPr spcFirstLastPara="1" wrap="square" lIns="0" tIns="0" rIns="0" bIns="0" anchor="ctr" anchorCtr="0">
+            <a:noAutofit/>
+          </a:bodyPr>
+          <a:lstStyle/>
+          <a:p>
+            <a:pPr marL="0" lvl="0" indent="0" algn="ctr" rtl="0">
+              <a:spcBef>
+                <a:spcPts val="0"/>
+              </a:spcBef>
+              <a:spcAft>
+                <a:spcPts val="0"/>
+              </a:spcAft>
+              <a:buNone/>
+            </a:pPr>
+            <a:fld id="{00000000-1234-1234-1234-123412341234}" type="slidenum">
+              <a:rPr lang="en"/>
+              <a:t>8</a:t>
+            </a:fld>
+            <a:endParaRPr/>
+          </a:p>
+        </p:txBody>
+      </p:sp>
+      <p:sp>
+        <p:nvSpPr>
+          <p:cNvPr id="550" name="Google Shape;550;p33"/>
+          <p:cNvSpPr txBox="1">
+            <a:spLocks noGrp="1"/>
+          </p:cNvSpPr>
+          <p:nvPr>
+            <p:ph type="body" idx="4294967295"/>
+          </p:nvPr>
+        </p:nvSpPr>
+        <p:spPr>
+          <a:xfrm>
+            <a:off x="209427" y="621150"/>
+            <a:ext cx="2153329" cy="2274449"/>
+          </a:xfrm>
+          <a:prstGeom prst="rect">
+            <a:avLst/>
+          </a:prstGeom>
+        </p:spPr>
+        <p:txBody>
+          <a:bodyPr spcFirstLastPara="1" wrap="square" lIns="0" tIns="0" rIns="0" bIns="0" anchor="t" anchorCtr="0">
+            <a:noAutofit/>
+          </a:bodyPr>
+          <a:lstStyle/>
+          <a:p>
+            <a:pPr marL="0" lvl="0" indent="0" algn="l" rtl="0">
+              <a:spcBef>
+                <a:spcPts val="600"/>
+              </a:spcBef>
+              <a:spcAft>
+                <a:spcPts val="0"/>
+              </a:spcAft>
+              <a:buNone/>
+            </a:pPr>
+            <a:r>
+              <a:rPr lang="en-US" sz="1200" b="1" dirty="0">
+                <a:latin typeface="Poppins"/>
+                <a:ea typeface="Poppins"/>
+                <a:cs typeface="Poppins"/>
+                <a:sym typeface="Poppins"/>
+              </a:rPr>
+              <a:t>Death’s Under 5 &amp; Life Expectancy</a:t>
+            </a:r>
+            <a:endParaRPr lang="en-US" sz="1200" dirty="0"/>
+          </a:p>
+          <a:p>
+            <a:pPr marL="228600" indent="-228600"/>
+            <a:r>
+              <a:rPr lang="en-US" sz="1200" dirty="0"/>
+              <a:t>R-Squared: </a:t>
+            </a:r>
+            <a:r>
+              <a:rPr lang="en-US" sz="1200" dirty="0">
+                <a:solidFill>
+                  <a:srgbClr val="000000"/>
+                </a:solidFill>
+                <a:latin typeface="Courier New" panose="02070309020205020404" pitchFamily="49" charset="0"/>
+              </a:rPr>
+              <a:t>0.996459814288680</a:t>
+            </a:r>
+            <a:endParaRPr lang="en-US" sz="1200" dirty="0"/>
+          </a:p>
+          <a:p>
+            <a:pPr marL="228600" indent="-228600"/>
+            <a:r>
+              <a:rPr lang="en-US" sz="1200" dirty="0"/>
+              <a:t>P-Value: </a:t>
+            </a:r>
+            <a:r>
+              <a:rPr lang="en-US" sz="1200" dirty="0">
+                <a:solidFill>
+                  <a:srgbClr val="000000"/>
+                </a:solidFill>
+                <a:latin typeface="Courier New" panose="02070309020205020404" pitchFamily="49" charset="0"/>
+              </a:rPr>
+              <a:t>7.80789625003750E-27</a:t>
+            </a:r>
+          </a:p>
+          <a:p>
+            <a:pPr marL="228600" indent="-228600"/>
+            <a:endParaRPr sz="1200" dirty="0"/>
+          </a:p>
+        </p:txBody>
+      </p:sp>
+      <p:pic>
+        <p:nvPicPr>
+          <p:cNvPr id="5" name="Picture 4">
+            <a:extLst>
+              <a:ext uri="{FF2B5EF4-FFF2-40B4-BE49-F238E27FC236}">
+                <a16:creationId xmlns:a16="http://schemas.microsoft.com/office/drawing/2014/main" id="{EC30A007-4DDB-4BD4-A2C1-4670FE11ACE3}"/>
+              </a:ext>
+            </a:extLst>
+          </p:cNvPr>
+          <p:cNvPicPr>
+            <a:picLocks noChangeAspect="1"/>
+          </p:cNvPicPr>
+          <p:nvPr/>
+        </p:nvPicPr>
+        <p:blipFill rotWithShape="1">
+          <a:blip r:embed="rId3"/>
+          <a:srcRect l="8176" t="5888" r="4534" b="8786"/>
+          <a:stretch/>
+        </p:blipFill>
+        <p:spPr>
+          <a:xfrm>
+            <a:off x="2699683" y="684218"/>
+            <a:ext cx="5836941" cy="3073499"/>
+          </a:xfrm>
+          <a:prstGeom prst="rect">
+            <a:avLst/>
+          </a:prstGeom>
+        </p:spPr>
+      </p:pic>
+    </p:spTree>
+    <p:extLst>
+      <p:ext uri="{BB962C8B-B14F-4D97-AF65-F5344CB8AC3E}">
+        <p14:creationId xmlns:p14="http://schemas.microsoft.com/office/powerpoint/2010/main" val="3907547806"/>
+      </p:ext>
+    </p:extLst>
+  </p:cSld>
+  <p:clrMapOvr>
+    <a:masterClrMapping/>
+  </p:clrMapOvr>
+</p:sld>
+</file>
+
+<file path=ppt/slides/slide9.xml><?xml version="1.0" encoding="utf-8"?>
+<p:sld xmlns:a="http://schemas.openxmlformats.org/drawingml/2006/main" xmlns:r="http://schemas.openxmlformats.org/officeDocument/2006/relationships" xmlns:p="http://schemas.openxmlformats.org/presentationml/2006/main">
+  <p:cSld>
+    <p:spTree>
+      <p:nvGrpSpPr>
+        <p:cNvPr id="1" name="Shape 332"/>
+        <p:cNvGrpSpPr/>
+        <p:nvPr/>
+      </p:nvGrpSpPr>
+      <p:grpSpPr>
+        <a:xfrm>
+          <a:off x="0" y="0"/>
+          <a:ext cx="0" cy="0"/>
+          <a:chOff x="0" y="0"/>
+          <a:chExt cx="0" cy="0"/>
+        </a:xfrm>
+      </p:grpSpPr>
+      <p:sp>
+        <p:nvSpPr>
+          <p:cNvPr id="333" name="Google Shape;333;p15"/>
+          <p:cNvSpPr txBox="1">
+            <a:spLocks noGrp="1"/>
+          </p:cNvSpPr>
+          <p:nvPr>
+            <p:ph type="ctrTitle"/>
+          </p:nvPr>
+        </p:nvSpPr>
+        <p:spPr>
+          <a:xfrm>
+            <a:off x="2027625" y="1629397"/>
+            <a:ext cx="5088600" cy="1159800"/>
+          </a:xfrm>
+          <a:prstGeom prst="rect">
+            <a:avLst/>
+          </a:prstGeom>
+        </p:spPr>
+        <p:txBody>
+          <a:bodyPr spcFirstLastPara="1" wrap="square" lIns="0" tIns="0" rIns="0" bIns="0" anchor="b" anchorCtr="0">
+            <a:noAutofit/>
+          </a:bodyPr>
+          <a:lstStyle/>
+          <a:p>
+            <a:pPr marL="0" lvl="0" indent="0" algn="l" rtl="0">
+              <a:spcBef>
+                <a:spcPts val="0"/>
+              </a:spcBef>
+              <a:spcAft>
+                <a:spcPts val="0"/>
+              </a:spcAft>
+              <a:buNone/>
+            </a:pPr>
+            <a:r>
+              <a:rPr lang="en" dirty="0">
+                <a:solidFill>
+                  <a:schemeClr val="accent2"/>
+                </a:solidFill>
+              </a:rPr>
+              <a:t>4.</a:t>
+            </a:r>
+            <a:endParaRPr lang="en-US" dirty="0">
+              <a:solidFill>
+                <a:schemeClr val="accent2"/>
+              </a:solidFill>
+            </a:endParaRPr>
+          </a:p>
+          <a:p>
+            <a:pPr marL="0" lvl="0" indent="0" algn="l" rtl="0">
+              <a:spcBef>
+                <a:spcPts val="0"/>
+              </a:spcBef>
+              <a:spcAft>
+                <a:spcPts val="0"/>
+              </a:spcAft>
+              <a:buNone/>
+            </a:pPr>
+            <a:r>
+              <a:rPr lang="en-US" dirty="0"/>
+              <a:t>ACCESS TO ELECTRICITY</a:t>
+            </a:r>
+          </a:p>
+        </p:txBody>
+      </p:sp>
+      <p:sp>
+        <p:nvSpPr>
+          <p:cNvPr id="334" name="Google Shape;334;p15"/>
+          <p:cNvSpPr txBox="1">
+            <a:spLocks noGrp="1"/>
+          </p:cNvSpPr>
+          <p:nvPr>
+            <p:ph type="subTitle" idx="1"/>
+          </p:nvPr>
+        </p:nvSpPr>
+        <p:spPr>
+          <a:xfrm>
+            <a:off x="2027625" y="2886101"/>
+            <a:ext cx="5088600" cy="784800"/>
+          </a:xfrm>
+          <a:prstGeom prst="rect">
+            <a:avLst/>
+          </a:prstGeom>
+        </p:spPr>
+        <p:txBody>
+          <a:bodyPr spcFirstLastPara="1" wrap="square" lIns="0" tIns="0" rIns="0" bIns="0" anchor="t" anchorCtr="0">
+            <a:noAutofit/>
+          </a:bodyPr>
+          <a:lstStyle/>
+          <a:p>
+            <a:pPr marL="0" lvl="0" indent="0"/>
+            <a:r>
+              <a:rPr lang="en-US" dirty="0"/>
+              <a:t>Access to electricity (% of population)</a:t>
+            </a:r>
+          </a:p>
+        </p:txBody>
+      </p:sp>
+    </p:spTree>
+    <p:extLst>
+      <p:ext uri="{BB962C8B-B14F-4D97-AF65-F5344CB8AC3E}">
+        <p14:creationId xmlns:p14="http://schemas.microsoft.com/office/powerpoint/2010/main" val="243479650"/>
+      </p:ext>
+    </p:extLst>
   </p:cSld>
   <p:clrMapOvr>
     <a:masterClrMapping/>
